--- a/devops-presentations/leadley-presentation-8.2.pptx
+++ b/devops-presentations/leadley-presentation-8.2.pptx
@@ -1,44 +1,44 @@
 
 <file path=ppt/presentation.xml><?xml version="1.0" encoding="utf-8"?>
-<p:presentation xmlns:a="http://schemas.openxmlformats.org/drawingml/2006/main" xmlns:r="http://schemas.openxmlformats.org/officeDocument/2006/relationships" xmlns:mc="http://schemas.openxmlformats.org/markup-compatibility/2006" xmlns:mv="urn:schemas-microsoft-com:mac:vml" xmlns:p="http://schemas.openxmlformats.org/presentationml/2006/main" xmlns:c="http://schemas.openxmlformats.org/drawingml/2006/chart" xmlns:dgm="http://schemas.openxmlformats.org/drawingml/2006/diagram" xmlns:o="urn:schemas-microsoft-com:office:office" xmlns:v="urn:schemas-microsoft-com:vml" xmlns:pvml="urn:schemas-microsoft-com:office:powerpoint" xmlns:com="http://schemas.openxmlformats.org/drawingml/2006/compatibility" xmlns:p14="http://schemas.microsoft.com/office/powerpoint/2010/main" xmlns:p15="http://schemas.microsoft.com/office/powerpoint/2012/main" autoCompressPictures="0" embedTrueTypeFonts="1" strictFirstAndLastChars="0" saveSubsetFonts="1">
+<p:presentation xmlns:a="http://schemas.openxmlformats.org/drawingml/2006/main" xmlns:r="http://schemas.openxmlformats.org/officeDocument/2006/relationships" xmlns:p="http://schemas.openxmlformats.org/presentationml/2006/main" strictFirstAndLastChars="0" embedTrueTypeFonts="1" saveSubsetFonts="1" autoCompressPictures="0">
   <p:sldMasterIdLst>
-    <p:sldMasterId id="2147483659" r:id="rId4"/>
+    <p:sldMasterId id="2147483659" r:id="rId1"/>
   </p:sldMasterIdLst>
   <p:notesMasterIdLst>
-    <p:notesMasterId r:id="rId5"/>
+    <p:notesMasterId r:id="rId12"/>
   </p:notesMasterIdLst>
   <p:sldIdLst>
-    <p:sldId id="256" r:id="rId6"/>
-    <p:sldId id="257" r:id="rId7"/>
-    <p:sldId id="258" r:id="rId8"/>
-    <p:sldId id="259" r:id="rId9"/>
-    <p:sldId id="260" r:id="rId10"/>
-    <p:sldId id="261" r:id="rId11"/>
-    <p:sldId id="262" r:id="rId12"/>
-    <p:sldId id="263" r:id="rId13"/>
-    <p:sldId id="264" r:id="rId14"/>
-    <p:sldId id="265" r:id="rId15"/>
+    <p:sldId id="256" r:id="rId2"/>
+    <p:sldId id="257" r:id="rId3"/>
+    <p:sldId id="258" r:id="rId4"/>
+    <p:sldId id="259" r:id="rId5"/>
+    <p:sldId id="260" r:id="rId6"/>
+    <p:sldId id="261" r:id="rId7"/>
+    <p:sldId id="262" r:id="rId8"/>
+    <p:sldId id="263" r:id="rId9"/>
+    <p:sldId id="264" r:id="rId10"/>
+    <p:sldId id="265" r:id="rId11"/>
   </p:sldIdLst>
-  <p:sldSz cy="5143500" cx="9144000"/>
+  <p:sldSz cx="9144000" cy="5143500" type="screen16x9"/>
   <p:notesSz cx="6858000" cy="9144000"/>
   <p:embeddedFontLst>
     <p:embeddedFont>
-      <p:font typeface="Montserrat"/>
-      <p:regular r:id="rId16"/>
-      <p:bold r:id="rId17"/>
-      <p:italic r:id="rId18"/>
-      <p:boldItalic r:id="rId19"/>
+      <p:font typeface="Montserrat" panose="020B0604020202020204" charset="0"/>
+      <p:regular r:id="rId13"/>
+      <p:bold r:id="rId14"/>
+      <p:italic r:id="rId15"/>
+      <p:boldItalic r:id="rId16"/>
     </p:embeddedFont>
     <p:embeddedFont>
-      <p:font typeface="Lato"/>
-      <p:regular r:id="rId20"/>
-      <p:bold r:id="rId21"/>
-      <p:italic r:id="rId22"/>
-      <p:boldItalic r:id="rId23"/>
+      <p:font typeface="Lato" panose="020B0604020202020204" charset="0"/>
+      <p:regular r:id="rId17"/>
+      <p:bold r:id="rId18"/>
+      <p:italic r:id="rId19"/>
+      <p:boldItalic r:id="rId20"/>
     </p:embeddedFont>
   </p:embeddedFontLst>
   <p:defaultTextStyle>
-    <a:defPPr lvl="0" marR="0" rtl="0" algn="l">
+    <a:defPPr marR="0" lvl="0" algn="l" rtl="0">
       <a:lnSpc>
         <a:spcPct val="100000"/>
       </a:lnSpc>
@@ -49,7 +49,7 @@
         <a:spcPts val="0"/>
       </a:spcAft>
     </a:defPPr>
-    <a:lvl1pPr lvl="0" marR="0" rtl="0" algn="l">
+    <a:lvl1pPr marR="0" lvl="0" algn="l" rtl="0">
       <a:lnSpc>
         <a:spcPct val="100000"/>
       </a:lnSpc>
@@ -63,7 +63,7 @@
         <a:srgbClr val="000000"/>
       </a:buClr>
       <a:buFont typeface="Arial"/>
-      <a:defRPr b="0" i="0" sz="1400" u="none" cap="none" strike="noStrike">
+      <a:defRPr sz="1400" b="0" i="0" u="none" strike="noStrike" cap="none">
         <a:solidFill>
           <a:srgbClr val="000000"/>
         </a:solidFill>
@@ -73,7 +73,7 @@
         <a:sym typeface="Arial"/>
       </a:defRPr>
     </a:lvl1pPr>
-    <a:lvl2pPr lvl="1" marR="0" rtl="0" algn="l">
+    <a:lvl2pPr marR="0" lvl="1" algn="l" rtl="0">
       <a:lnSpc>
         <a:spcPct val="100000"/>
       </a:lnSpc>
@@ -87,7 +87,7 @@
         <a:srgbClr val="000000"/>
       </a:buClr>
       <a:buFont typeface="Arial"/>
-      <a:defRPr b="0" i="0" sz="1400" u="none" cap="none" strike="noStrike">
+      <a:defRPr sz="1400" b="0" i="0" u="none" strike="noStrike" cap="none">
         <a:solidFill>
           <a:srgbClr val="000000"/>
         </a:solidFill>
@@ -97,7 +97,7 @@
         <a:sym typeface="Arial"/>
       </a:defRPr>
     </a:lvl2pPr>
-    <a:lvl3pPr lvl="2" marR="0" rtl="0" algn="l">
+    <a:lvl3pPr marR="0" lvl="2" algn="l" rtl="0">
       <a:lnSpc>
         <a:spcPct val="100000"/>
       </a:lnSpc>
@@ -111,7 +111,7 @@
         <a:srgbClr val="000000"/>
       </a:buClr>
       <a:buFont typeface="Arial"/>
-      <a:defRPr b="0" i="0" sz="1400" u="none" cap="none" strike="noStrike">
+      <a:defRPr sz="1400" b="0" i="0" u="none" strike="noStrike" cap="none">
         <a:solidFill>
           <a:srgbClr val="000000"/>
         </a:solidFill>
@@ -121,7 +121,7 @@
         <a:sym typeface="Arial"/>
       </a:defRPr>
     </a:lvl3pPr>
-    <a:lvl4pPr lvl="3" marR="0" rtl="0" algn="l">
+    <a:lvl4pPr marR="0" lvl="3" algn="l" rtl="0">
       <a:lnSpc>
         <a:spcPct val="100000"/>
       </a:lnSpc>
@@ -135,7 +135,7 @@
         <a:srgbClr val="000000"/>
       </a:buClr>
       <a:buFont typeface="Arial"/>
-      <a:defRPr b="0" i="0" sz="1400" u="none" cap="none" strike="noStrike">
+      <a:defRPr sz="1400" b="0" i="0" u="none" strike="noStrike" cap="none">
         <a:solidFill>
           <a:srgbClr val="000000"/>
         </a:solidFill>
@@ -145,7 +145,7 @@
         <a:sym typeface="Arial"/>
       </a:defRPr>
     </a:lvl4pPr>
-    <a:lvl5pPr lvl="4" marR="0" rtl="0" algn="l">
+    <a:lvl5pPr marR="0" lvl="4" algn="l" rtl="0">
       <a:lnSpc>
         <a:spcPct val="100000"/>
       </a:lnSpc>
@@ -159,7 +159,7 @@
         <a:srgbClr val="000000"/>
       </a:buClr>
       <a:buFont typeface="Arial"/>
-      <a:defRPr b="0" i="0" sz="1400" u="none" cap="none" strike="noStrike">
+      <a:defRPr sz="1400" b="0" i="0" u="none" strike="noStrike" cap="none">
         <a:solidFill>
           <a:srgbClr val="000000"/>
         </a:solidFill>
@@ -169,7 +169,7 @@
         <a:sym typeface="Arial"/>
       </a:defRPr>
     </a:lvl5pPr>
-    <a:lvl6pPr lvl="5" marR="0" rtl="0" algn="l">
+    <a:lvl6pPr marR="0" lvl="5" algn="l" rtl="0">
       <a:lnSpc>
         <a:spcPct val="100000"/>
       </a:lnSpc>
@@ -183,7 +183,7 @@
         <a:srgbClr val="000000"/>
       </a:buClr>
       <a:buFont typeface="Arial"/>
-      <a:defRPr b="0" i="0" sz="1400" u="none" cap="none" strike="noStrike">
+      <a:defRPr sz="1400" b="0" i="0" u="none" strike="noStrike" cap="none">
         <a:solidFill>
           <a:srgbClr val="000000"/>
         </a:solidFill>
@@ -193,7 +193,7 @@
         <a:sym typeface="Arial"/>
       </a:defRPr>
     </a:lvl6pPr>
-    <a:lvl7pPr lvl="6" marR="0" rtl="0" algn="l">
+    <a:lvl7pPr marR="0" lvl="6" algn="l" rtl="0">
       <a:lnSpc>
         <a:spcPct val="100000"/>
       </a:lnSpc>
@@ -207,7 +207,7 @@
         <a:srgbClr val="000000"/>
       </a:buClr>
       <a:buFont typeface="Arial"/>
-      <a:defRPr b="0" i="0" sz="1400" u="none" cap="none" strike="noStrike">
+      <a:defRPr sz="1400" b="0" i="0" u="none" strike="noStrike" cap="none">
         <a:solidFill>
           <a:srgbClr val="000000"/>
         </a:solidFill>
@@ -217,7 +217,7 @@
         <a:sym typeface="Arial"/>
       </a:defRPr>
     </a:lvl7pPr>
-    <a:lvl8pPr lvl="7" marR="0" rtl="0" algn="l">
+    <a:lvl8pPr marR="0" lvl="7" algn="l" rtl="0">
       <a:lnSpc>
         <a:spcPct val="100000"/>
       </a:lnSpc>
@@ -231,7 +231,7 @@
         <a:srgbClr val="000000"/>
       </a:buClr>
       <a:buFont typeface="Arial"/>
-      <a:defRPr b="0" i="0" sz="1400" u="none" cap="none" strike="noStrike">
+      <a:defRPr sz="1400" b="0" i="0" u="none" strike="noStrike" cap="none">
         <a:solidFill>
           <a:srgbClr val="000000"/>
         </a:solidFill>
@@ -241,7 +241,7 @@
         <a:sym typeface="Arial"/>
       </a:defRPr>
     </a:lvl8pPr>
-    <a:lvl9pPr lvl="8" marR="0" rtl="0" algn="l">
+    <a:lvl9pPr marR="0" lvl="8" algn="l" rtl="0">
       <a:lnSpc>
         <a:spcPct val="100000"/>
       </a:lnSpc>
@@ -255,7 +255,7 @@
         <a:srgbClr val="000000"/>
       </a:buClr>
       <a:buFont typeface="Arial"/>
-      <a:defRPr b="0" i="0" sz="1400" u="none" cap="none" strike="noStrike">
+      <a:defRPr sz="1400" b="0" i="0" u="none" strike="noStrike" cap="none">
         <a:solidFill>
           <a:srgbClr val="000000"/>
         </a:solidFill>
@@ -268,7 +268,7 @@
   </p:defaultTextStyle>
   <p:extLst>
     <p:ext uri="{EFAFB233-063F-42B5-8137-9DF3F51BA10A}">
-      <p15:sldGuideLst>
+      <p15:sldGuideLst xmlns:p15="http://schemas.microsoft.com/office/powerpoint/2012/main">
         <p15:guide id="1" orient="horz" pos="1620">
           <p15:clr>
             <a:srgbClr val="A4A3A4"/>
@@ -286,11 +286,16 @@
 </file>
 
 <file path=ppt/notesMasters/notesMaster1.xml><?xml version="1.0" encoding="utf-8"?>
-<p:notesMaster xmlns:a="http://schemas.openxmlformats.org/drawingml/2006/main" xmlns:r="http://schemas.openxmlformats.org/officeDocument/2006/relationships" xmlns:mc="http://schemas.openxmlformats.org/markup-compatibility/2006" xmlns:mv="urn:schemas-microsoft-com:mac:vml" xmlns:p="http://schemas.openxmlformats.org/presentationml/2006/main" xmlns:c="http://schemas.openxmlformats.org/drawingml/2006/chart" xmlns:dgm="http://schemas.openxmlformats.org/drawingml/2006/diagram" xmlns:o="urn:schemas-microsoft-com:office:office" xmlns:v="urn:schemas-microsoft-com:vml" xmlns:pvml="urn:schemas-microsoft-com:office:powerpoint" xmlns:com="http://schemas.openxmlformats.org/drawingml/2006/compatibility" xmlns:p14="http://schemas.microsoft.com/office/powerpoint/2010/main" xmlns:p15="http://schemas.microsoft.com/office/powerpoint/2012/main">
+<p:notesMaster xmlns:a="http://schemas.openxmlformats.org/drawingml/2006/main" xmlns:r="http://schemas.openxmlformats.org/officeDocument/2006/relationships" xmlns:p="http://schemas.openxmlformats.org/presentationml/2006/main">
   <p:cSld>
+    <p:bg>
+      <p:bgRef idx="1001">
+        <a:schemeClr val="bg1"/>
+      </p:bgRef>
+    </p:bg>
     <p:spTree>
       <p:nvGrpSpPr>
-        <p:cNvPr id="2" name="Shape 2"/>
+        <p:cNvPr id="1" name="Shape 2"/>
         <p:cNvGrpSpPr/>
         <p:nvPr/>
       </p:nvGrpSpPr>
@@ -305,9 +310,11 @@
       <p:sp>
         <p:nvSpPr>
           <p:cNvPr id="3" name="Google Shape;3;n"/>
-          <p:cNvSpPr/>
+          <p:cNvSpPr>
+            <a:spLocks noGrp="1" noRot="1" noChangeAspect="1"/>
+          </p:cNvSpPr>
           <p:nvPr>
-            <p:ph idx="2" type="sldImg"/>
+            <p:ph type="sldImg" idx="2"/>
           </p:nvPr>
         </p:nvSpPr>
         <p:spPr>
@@ -316,9 +323,13 @@
             <a:ext cx="6096075" cy="3429000"/>
           </a:xfrm>
           <a:custGeom>
-            <a:rect b="b" l="l" r="r" t="t"/>
+            <a:avLst/>
+            <a:gdLst/>
+            <a:ahLst/>
+            <a:cxnLst/>
+            <a:rect l="l" t="t" r="r" b="b"/>
             <a:pathLst>
-              <a:path extrusionOk="0" h="120000" w="120000">
+              <a:path w="120000" h="120000" extrusionOk="0">
                 <a:moveTo>
                   <a:pt x="0" y="0"/>
                 </a:moveTo>
@@ -336,23 +347,25 @@
             </a:pathLst>
           </a:custGeom>
           <a:noFill/>
-          <a:ln cap="flat" cmpd="sng" w="9525">
+          <a:ln w="9525" cap="flat" cmpd="sng">
             <a:solidFill>
               <a:srgbClr val="000000"/>
             </a:solidFill>
             <a:prstDash val="solid"/>
             <a:round/>
-            <a:headEnd len="sm" w="sm" type="none"/>
-            <a:tailEnd len="sm" w="sm" type="none"/>
+            <a:headEnd type="none" w="sm" len="sm"/>
+            <a:tailEnd type="none" w="sm" len="sm"/>
           </a:ln>
         </p:spPr>
       </p:sp>
       <p:sp>
         <p:nvSpPr>
           <p:cNvPr id="4" name="Google Shape;4;n"/>
-          <p:cNvSpPr txBox="1"/>
+          <p:cNvSpPr txBox="1">
+            <a:spLocks noGrp="1"/>
+          </p:cNvSpPr>
           <p:nvPr>
-            <p:ph idx="1" type="body"/>
+            <p:ph type="body" idx="1"/>
           </p:nvPr>
         </p:nvSpPr>
         <p:spPr>
@@ -369,11 +382,11 @@
           </a:ln>
         </p:spPr>
         <p:txBody>
-          <a:bodyPr anchorCtr="0" anchor="t" bIns="91425" lIns="91425" spcFirstLastPara="1" rIns="91425" wrap="square" tIns="91425">
+          <a:bodyPr spcFirstLastPara="1" wrap="square" lIns="91425" tIns="91425" rIns="91425" bIns="91425" anchor="t" anchorCtr="0">
             <a:noAutofit/>
           </a:bodyPr>
           <a:lstStyle>
-            <a:lvl1pPr indent="-298450" lvl="0" marL="457200">
+            <a:lvl1pPr marL="457200" lvl="0" indent="-298450">
               <a:spcBef>
                 <a:spcPts val="0"/>
               </a:spcBef>
@@ -384,7 +397,7 @@
               <a:buChar char="●"/>
               <a:defRPr sz="1100"/>
             </a:lvl1pPr>
-            <a:lvl2pPr indent="-298450" lvl="1" marL="914400">
+            <a:lvl2pPr marL="914400" lvl="1" indent="-298450">
               <a:spcBef>
                 <a:spcPts val="0"/>
               </a:spcBef>
@@ -395,7 +408,7 @@
               <a:buChar char="○"/>
               <a:defRPr sz="1100"/>
             </a:lvl2pPr>
-            <a:lvl3pPr indent="-298450" lvl="2" marL="1371600">
+            <a:lvl3pPr marL="1371600" lvl="2" indent="-298450">
               <a:spcBef>
                 <a:spcPts val="0"/>
               </a:spcBef>
@@ -406,7 +419,7 @@
               <a:buChar char="■"/>
               <a:defRPr sz="1100"/>
             </a:lvl3pPr>
-            <a:lvl4pPr indent="-298450" lvl="3" marL="1828800">
+            <a:lvl4pPr marL="1828800" lvl="3" indent="-298450">
               <a:spcBef>
                 <a:spcPts val="0"/>
               </a:spcBef>
@@ -417,7 +430,7 @@
               <a:buChar char="●"/>
               <a:defRPr sz="1100"/>
             </a:lvl4pPr>
-            <a:lvl5pPr indent="-298450" lvl="4" marL="2286000">
+            <a:lvl5pPr marL="2286000" lvl="4" indent="-298450">
               <a:spcBef>
                 <a:spcPts val="0"/>
               </a:spcBef>
@@ -428,7 +441,7 @@
               <a:buChar char="○"/>
               <a:defRPr sz="1100"/>
             </a:lvl5pPr>
-            <a:lvl6pPr indent="-298450" lvl="5" marL="2743200">
+            <a:lvl6pPr marL="2743200" lvl="5" indent="-298450">
               <a:spcBef>
                 <a:spcPts val="0"/>
               </a:spcBef>
@@ -439,7 +452,7 @@
               <a:buChar char="■"/>
               <a:defRPr sz="1100"/>
             </a:lvl6pPr>
-            <a:lvl7pPr indent="-298450" lvl="6" marL="3200400">
+            <a:lvl7pPr marL="3200400" lvl="6" indent="-298450">
               <a:spcBef>
                 <a:spcPts val="0"/>
               </a:spcBef>
@@ -450,7 +463,7 @@
               <a:buChar char="●"/>
               <a:defRPr sz="1100"/>
             </a:lvl7pPr>
-            <a:lvl8pPr indent="-298450" lvl="7" marL="3657600">
+            <a:lvl8pPr marL="3657600" lvl="7" indent="-298450">
               <a:spcBef>
                 <a:spcPts val="0"/>
               </a:spcBef>
@@ -461,7 +474,7 @@
               <a:buChar char="○"/>
               <a:defRPr sz="1100"/>
             </a:lvl8pPr>
-            <a:lvl9pPr indent="-298450" lvl="8" marL="4114800">
+            <a:lvl9pPr marL="4114800" lvl="8" indent="-298450">
               <a:spcBef>
                 <a:spcPts val="0"/>
               </a:spcBef>
@@ -473,14 +486,21 @@
               <a:defRPr sz="1100"/>
             </a:lvl9pPr>
           </a:lstStyle>
-          <a:p/>
+          <a:p>
+            <a:endParaRPr/>
+          </a:p>
         </p:txBody>
       </p:sp>
     </p:spTree>
+    <p:extLst>
+      <p:ext uri="{BB962C8B-B14F-4D97-AF65-F5344CB8AC3E}">
+        <p14:creationId xmlns:p14="http://schemas.microsoft.com/office/powerpoint/2010/main" val="593769181"/>
+      </p:ext>
+    </p:extLst>
   </p:cSld>
-  <p:clrMap accent1="accent1" accent2="accent2" accent3="accent3" accent4="accent4" accent5="accent5" accent6="accent6" bg1="lt1" bg2="dk2" tx1="dk1" tx2="lt2" folHlink="folHlink" hlink="hlink"/>
+  <p:clrMap bg1="lt1" tx1="dk1" bg2="dk2" tx2="lt2" accent1="accent1" accent2="accent2" accent3="accent3" accent4="accent4" accent5="accent5" accent6="accent6" hlink="hlink" folHlink="folHlink"/>
   <p:notesStyle>
-    <a:defPPr lvl="0" marR="0" rtl="0" algn="l">
+    <a:defPPr marR="0" lvl="0" algn="l" rtl="0">
       <a:lnSpc>
         <a:spcPct val="100000"/>
       </a:lnSpc>
@@ -491,7 +511,7 @@
         <a:spcPts val="0"/>
       </a:spcAft>
     </a:defPPr>
-    <a:lvl1pPr lvl="0" marR="0" rtl="0" algn="l">
+    <a:lvl1pPr marR="0" lvl="0" algn="l" rtl="0">
       <a:lnSpc>
         <a:spcPct val="100000"/>
       </a:lnSpc>
@@ -505,7 +525,7 @@
         <a:srgbClr val="000000"/>
       </a:buClr>
       <a:buFont typeface="Arial"/>
-      <a:defRPr b="0" i="0" sz="1400" u="none" cap="none" strike="noStrike">
+      <a:defRPr sz="1400" b="0" i="0" u="none" strike="noStrike" cap="none">
         <a:solidFill>
           <a:srgbClr val="000000"/>
         </a:solidFill>
@@ -515,7 +535,7 @@
         <a:sym typeface="Arial"/>
       </a:defRPr>
     </a:lvl1pPr>
-    <a:lvl2pPr lvl="1" marR="0" rtl="0" algn="l">
+    <a:lvl2pPr marR="0" lvl="1" algn="l" rtl="0">
       <a:lnSpc>
         <a:spcPct val="100000"/>
       </a:lnSpc>
@@ -529,7 +549,7 @@
         <a:srgbClr val="000000"/>
       </a:buClr>
       <a:buFont typeface="Arial"/>
-      <a:defRPr b="0" i="0" sz="1400" u="none" cap="none" strike="noStrike">
+      <a:defRPr sz="1400" b="0" i="0" u="none" strike="noStrike" cap="none">
         <a:solidFill>
           <a:srgbClr val="000000"/>
         </a:solidFill>
@@ -539,7 +559,7 @@
         <a:sym typeface="Arial"/>
       </a:defRPr>
     </a:lvl2pPr>
-    <a:lvl3pPr lvl="2" marR="0" rtl="0" algn="l">
+    <a:lvl3pPr marR="0" lvl="2" algn="l" rtl="0">
       <a:lnSpc>
         <a:spcPct val="100000"/>
       </a:lnSpc>
@@ -553,7 +573,7 @@
         <a:srgbClr val="000000"/>
       </a:buClr>
       <a:buFont typeface="Arial"/>
-      <a:defRPr b="0" i="0" sz="1400" u="none" cap="none" strike="noStrike">
+      <a:defRPr sz="1400" b="0" i="0" u="none" strike="noStrike" cap="none">
         <a:solidFill>
           <a:srgbClr val="000000"/>
         </a:solidFill>
@@ -563,7 +583,7 @@
         <a:sym typeface="Arial"/>
       </a:defRPr>
     </a:lvl3pPr>
-    <a:lvl4pPr lvl="3" marR="0" rtl="0" algn="l">
+    <a:lvl4pPr marR="0" lvl="3" algn="l" rtl="0">
       <a:lnSpc>
         <a:spcPct val="100000"/>
       </a:lnSpc>
@@ -577,7 +597,7 @@
         <a:srgbClr val="000000"/>
       </a:buClr>
       <a:buFont typeface="Arial"/>
-      <a:defRPr b="0" i="0" sz="1400" u="none" cap="none" strike="noStrike">
+      <a:defRPr sz="1400" b="0" i="0" u="none" strike="noStrike" cap="none">
         <a:solidFill>
           <a:srgbClr val="000000"/>
         </a:solidFill>
@@ -587,7 +607,7 @@
         <a:sym typeface="Arial"/>
       </a:defRPr>
     </a:lvl4pPr>
-    <a:lvl5pPr lvl="4" marR="0" rtl="0" algn="l">
+    <a:lvl5pPr marR="0" lvl="4" algn="l" rtl="0">
       <a:lnSpc>
         <a:spcPct val="100000"/>
       </a:lnSpc>
@@ -601,7 +621,7 @@
         <a:srgbClr val="000000"/>
       </a:buClr>
       <a:buFont typeface="Arial"/>
-      <a:defRPr b="0" i="0" sz="1400" u="none" cap="none" strike="noStrike">
+      <a:defRPr sz="1400" b="0" i="0" u="none" strike="noStrike" cap="none">
         <a:solidFill>
           <a:srgbClr val="000000"/>
         </a:solidFill>
@@ -611,7 +631,7 @@
         <a:sym typeface="Arial"/>
       </a:defRPr>
     </a:lvl5pPr>
-    <a:lvl6pPr lvl="5" marR="0" rtl="0" algn="l">
+    <a:lvl6pPr marR="0" lvl="5" algn="l" rtl="0">
       <a:lnSpc>
         <a:spcPct val="100000"/>
       </a:lnSpc>
@@ -625,7 +645,7 @@
         <a:srgbClr val="000000"/>
       </a:buClr>
       <a:buFont typeface="Arial"/>
-      <a:defRPr b="0" i="0" sz="1400" u="none" cap="none" strike="noStrike">
+      <a:defRPr sz="1400" b="0" i="0" u="none" strike="noStrike" cap="none">
         <a:solidFill>
           <a:srgbClr val="000000"/>
         </a:solidFill>
@@ -635,7 +655,7 @@
         <a:sym typeface="Arial"/>
       </a:defRPr>
     </a:lvl6pPr>
-    <a:lvl7pPr lvl="6" marR="0" rtl="0" algn="l">
+    <a:lvl7pPr marR="0" lvl="6" algn="l" rtl="0">
       <a:lnSpc>
         <a:spcPct val="100000"/>
       </a:lnSpc>
@@ -649,7 +669,7 @@
         <a:srgbClr val="000000"/>
       </a:buClr>
       <a:buFont typeface="Arial"/>
-      <a:defRPr b="0" i="0" sz="1400" u="none" cap="none" strike="noStrike">
+      <a:defRPr sz="1400" b="0" i="0" u="none" strike="noStrike" cap="none">
         <a:solidFill>
           <a:srgbClr val="000000"/>
         </a:solidFill>
@@ -659,7 +679,7 @@
         <a:sym typeface="Arial"/>
       </a:defRPr>
     </a:lvl7pPr>
-    <a:lvl8pPr lvl="7" marR="0" rtl="0" algn="l">
+    <a:lvl8pPr marR="0" lvl="7" algn="l" rtl="0">
       <a:lnSpc>
         <a:spcPct val="100000"/>
       </a:lnSpc>
@@ -673,7 +693,7 @@
         <a:srgbClr val="000000"/>
       </a:buClr>
       <a:buFont typeface="Arial"/>
-      <a:defRPr b="0" i="0" sz="1400" u="none" cap="none" strike="noStrike">
+      <a:defRPr sz="1400" b="0" i="0" u="none" strike="noStrike" cap="none">
         <a:solidFill>
           <a:srgbClr val="000000"/>
         </a:solidFill>
@@ -683,7 +703,7 @@
         <a:sym typeface="Arial"/>
       </a:defRPr>
     </a:lvl8pPr>
-    <a:lvl9pPr lvl="8" marR="0" rtl="0" algn="l">
+    <a:lvl9pPr marR="0" lvl="8" algn="l" rtl="0">
       <a:lnSpc>
         <a:spcPct val="100000"/>
       </a:lnSpc>
@@ -697,7 +717,7 @@
         <a:srgbClr val="000000"/>
       </a:buClr>
       <a:buFont typeface="Arial"/>
-      <a:defRPr b="0" i="0" sz="1400" u="none" cap="none" strike="noStrike">
+      <a:defRPr sz="1400" b="0" i="0" u="none" strike="noStrike" cap="none">
         <a:solidFill>
           <a:srgbClr val="000000"/>
         </a:solidFill>
@@ -712,11 +732,11 @@
 </file>
 
 <file path=ppt/notesSlides/notesSlide1.xml><?xml version="1.0" encoding="utf-8"?>
-<p:notes xmlns:a="http://schemas.openxmlformats.org/drawingml/2006/main" xmlns:r="http://schemas.openxmlformats.org/officeDocument/2006/relationships" xmlns:mc="http://schemas.openxmlformats.org/markup-compatibility/2006" xmlns:mv="urn:schemas-microsoft-com:mac:vml" xmlns:p="http://schemas.openxmlformats.org/presentationml/2006/main" xmlns:c="http://schemas.openxmlformats.org/drawingml/2006/chart" xmlns:dgm="http://schemas.openxmlformats.org/drawingml/2006/diagram" xmlns:o="urn:schemas-microsoft-com:office:office" xmlns:v="urn:schemas-microsoft-com:vml" xmlns:pvml="urn:schemas-microsoft-com:office:powerpoint" xmlns:com="http://schemas.openxmlformats.org/drawingml/2006/compatibility" xmlns:p14="http://schemas.microsoft.com/office/powerpoint/2010/main" xmlns:p15="http://schemas.microsoft.com/office/powerpoint/2012/main" showMasterPhAnim="0" showMasterSp="0">
+<p:notes xmlns:a="http://schemas.openxmlformats.org/drawingml/2006/main" xmlns:r="http://schemas.openxmlformats.org/officeDocument/2006/relationships" xmlns:p="http://schemas.openxmlformats.org/presentationml/2006/main" showMasterSp="0" showMasterPhAnim="0">
   <p:cSld>
     <p:spTree>
       <p:nvGrpSpPr>
-        <p:cNvPr id="130" name="Shape 130"/>
+        <p:cNvPr id="1" name="Shape 130"/>
         <p:cNvGrpSpPr/>
         <p:nvPr/>
       </p:nvGrpSpPr>
@@ -731,20 +751,26 @@
       <p:sp>
         <p:nvSpPr>
           <p:cNvPr id="131" name="Google Shape;131;p:notes"/>
-          <p:cNvSpPr/>
+          <p:cNvSpPr>
+            <a:spLocks noGrp="1" noRot="1" noChangeAspect="1"/>
+          </p:cNvSpPr>
           <p:nvPr>
-            <p:ph idx="2" type="sldImg"/>
+            <p:ph type="sldImg" idx="2"/>
           </p:nvPr>
         </p:nvSpPr>
         <p:spPr>
           <a:xfrm>
-            <a:off x="381300" y="685800"/>
-            <a:ext cx="6096075" cy="3429000"/>
+            <a:off x="381000" y="685800"/>
+            <a:ext cx="6096000" cy="3429000"/>
           </a:xfrm>
           <a:custGeom>
-            <a:rect b="b" l="l" r="r" t="t"/>
+            <a:avLst/>
+            <a:gdLst/>
+            <a:ahLst/>
+            <a:cxnLst/>
+            <a:rect l="l" t="t" r="r" b="b"/>
             <a:pathLst>
-              <a:path extrusionOk="0" h="120000" w="120000">
+              <a:path w="120000" h="120000" extrusionOk="0">
                 <a:moveTo>
                   <a:pt x="0" y="0"/>
                 </a:moveTo>
@@ -766,9 +792,11 @@
       <p:sp>
         <p:nvSpPr>
           <p:cNvPr id="132" name="Google Shape;132;p:notes"/>
-          <p:cNvSpPr txBox="1"/>
+          <p:cNvSpPr txBox="1">
+            <a:spLocks noGrp="1"/>
+          </p:cNvSpPr>
           <p:nvPr>
-            <p:ph idx="1" type="body"/>
+            <p:ph type="body" idx="1"/>
           </p:nvPr>
         </p:nvSpPr>
         <p:spPr>
@@ -781,12 +809,12 @@
           </a:prstGeom>
         </p:spPr>
         <p:txBody>
-          <a:bodyPr anchorCtr="0" anchor="t" bIns="91425" lIns="91425" spcFirstLastPara="1" rIns="91425" wrap="square" tIns="91425">
+          <a:bodyPr spcFirstLastPara="1" wrap="square" lIns="91425" tIns="91425" rIns="91425" bIns="91425" anchor="t" anchorCtr="0">
             <a:noAutofit/>
           </a:bodyPr>
           <a:lstStyle/>
           <a:p>
-            <a:pPr indent="0" lvl="0" marL="0" rtl="0" algn="l">
+            <a:pPr marL="0" lvl="0" indent="0" algn="l" rtl="0">
               <a:spcBef>
                 <a:spcPts val="0"/>
               </a:spcBef>
@@ -795,14 +823,16 @@
               </a:spcAft>
               <a:buNone/>
             </a:pPr>
-            <a:r>
-              <a:t/>
-            </a:r>
             <a:endParaRPr/>
           </a:p>
         </p:txBody>
       </p:sp>
     </p:spTree>
+    <p:extLst>
+      <p:ext uri="{BB962C8B-B14F-4D97-AF65-F5344CB8AC3E}">
+        <p14:creationId xmlns:p14="http://schemas.microsoft.com/office/powerpoint/2010/main" val="3760792352"/>
+      </p:ext>
+    </p:extLst>
   </p:cSld>
   <p:clrMapOvr>
     <a:masterClrMapping/>
@@ -811,11 +841,11 @@
 </file>
 
 <file path=ppt/notesSlides/notesSlide10.xml><?xml version="1.0" encoding="utf-8"?>
-<p:notes xmlns:a="http://schemas.openxmlformats.org/drawingml/2006/main" xmlns:r="http://schemas.openxmlformats.org/officeDocument/2006/relationships" xmlns:mc="http://schemas.openxmlformats.org/markup-compatibility/2006" xmlns:mv="urn:schemas-microsoft-com:mac:vml" xmlns:p="http://schemas.openxmlformats.org/presentationml/2006/main" xmlns:c="http://schemas.openxmlformats.org/drawingml/2006/chart" xmlns:dgm="http://schemas.openxmlformats.org/drawingml/2006/diagram" xmlns:o="urn:schemas-microsoft-com:office:office" xmlns:v="urn:schemas-microsoft-com:vml" xmlns:pvml="urn:schemas-microsoft-com:office:powerpoint" xmlns:com="http://schemas.openxmlformats.org/drawingml/2006/compatibility" xmlns:p14="http://schemas.microsoft.com/office/powerpoint/2010/main" xmlns:p15="http://schemas.microsoft.com/office/powerpoint/2012/main" showMasterPhAnim="0" showMasterSp="0">
+<p:notes xmlns:a="http://schemas.openxmlformats.org/drawingml/2006/main" xmlns:r="http://schemas.openxmlformats.org/officeDocument/2006/relationships" xmlns:p="http://schemas.openxmlformats.org/presentationml/2006/main" showMasterSp="0" showMasterPhAnim="0">
   <p:cSld>
     <p:spTree>
       <p:nvGrpSpPr>
-        <p:cNvPr id="184" name="Shape 184"/>
+        <p:cNvPr id="1" name="Shape 184"/>
         <p:cNvGrpSpPr/>
         <p:nvPr/>
       </p:nvGrpSpPr>
@@ -830,20 +860,26 @@
       <p:sp>
         <p:nvSpPr>
           <p:cNvPr id="185" name="Google Shape;185;g7ea0d3c2be_0_127:notes"/>
-          <p:cNvSpPr/>
+          <p:cNvSpPr>
+            <a:spLocks noGrp="1" noRot="1" noChangeAspect="1"/>
+          </p:cNvSpPr>
           <p:nvPr>
-            <p:ph idx="2" type="sldImg"/>
+            <p:ph type="sldImg" idx="2"/>
           </p:nvPr>
         </p:nvSpPr>
         <p:spPr>
           <a:xfrm>
-            <a:off x="381300" y="685800"/>
+            <a:off x="381000" y="685800"/>
             <a:ext cx="6096000" cy="3429000"/>
           </a:xfrm>
           <a:custGeom>
-            <a:rect b="b" l="l" r="r" t="t"/>
+            <a:avLst/>
+            <a:gdLst/>
+            <a:ahLst/>
+            <a:cxnLst/>
+            <a:rect l="l" t="t" r="r" b="b"/>
             <a:pathLst>
-              <a:path extrusionOk="0" h="120000" w="120000">
+              <a:path w="120000" h="120000" extrusionOk="0">
                 <a:moveTo>
                   <a:pt x="0" y="0"/>
                 </a:moveTo>
@@ -865,9 +901,11 @@
       <p:sp>
         <p:nvSpPr>
           <p:cNvPr id="186" name="Google Shape;186;g7ea0d3c2be_0_127:notes"/>
-          <p:cNvSpPr txBox="1"/>
+          <p:cNvSpPr txBox="1">
+            <a:spLocks noGrp="1"/>
+          </p:cNvSpPr>
           <p:nvPr>
-            <p:ph idx="1" type="body"/>
+            <p:ph type="body" idx="1"/>
           </p:nvPr>
         </p:nvSpPr>
         <p:spPr>
@@ -880,12 +918,12 @@
           </a:prstGeom>
         </p:spPr>
         <p:txBody>
-          <a:bodyPr anchorCtr="0" anchor="t" bIns="91425" lIns="91425" spcFirstLastPara="1" rIns="91425" wrap="square" tIns="91425">
+          <a:bodyPr spcFirstLastPara="1" wrap="square" lIns="91425" tIns="91425" rIns="91425" bIns="91425" anchor="t" anchorCtr="0">
             <a:noAutofit/>
           </a:bodyPr>
           <a:lstStyle/>
           <a:p>
-            <a:pPr indent="0" lvl="0" marL="0" rtl="0" algn="l">
+            <a:pPr marL="0" lvl="0" indent="0" algn="l" rtl="0">
               <a:spcBef>
                 <a:spcPts val="0"/>
               </a:spcBef>
@@ -894,14 +932,16 @@
               </a:spcAft>
               <a:buNone/>
             </a:pPr>
-            <a:r>
-              <a:t/>
-            </a:r>
             <a:endParaRPr/>
           </a:p>
         </p:txBody>
       </p:sp>
     </p:spTree>
+    <p:extLst>
+      <p:ext uri="{BB962C8B-B14F-4D97-AF65-F5344CB8AC3E}">
+        <p14:creationId xmlns:p14="http://schemas.microsoft.com/office/powerpoint/2010/main" val="3142251705"/>
+      </p:ext>
+    </p:extLst>
   </p:cSld>
   <p:clrMapOvr>
     <a:masterClrMapping/>
@@ -910,11 +950,11 @@
 </file>
 
 <file path=ppt/notesSlides/notesSlide2.xml><?xml version="1.0" encoding="utf-8"?>
-<p:notes xmlns:a="http://schemas.openxmlformats.org/drawingml/2006/main" xmlns:r="http://schemas.openxmlformats.org/officeDocument/2006/relationships" xmlns:mc="http://schemas.openxmlformats.org/markup-compatibility/2006" xmlns:mv="urn:schemas-microsoft-com:mac:vml" xmlns:p="http://schemas.openxmlformats.org/presentationml/2006/main" xmlns:c="http://schemas.openxmlformats.org/drawingml/2006/chart" xmlns:dgm="http://schemas.openxmlformats.org/drawingml/2006/diagram" xmlns:o="urn:schemas-microsoft-com:office:office" xmlns:v="urn:schemas-microsoft-com:vml" xmlns:pvml="urn:schemas-microsoft-com:office:powerpoint" xmlns:com="http://schemas.openxmlformats.org/drawingml/2006/compatibility" xmlns:p14="http://schemas.microsoft.com/office/powerpoint/2010/main" xmlns:p15="http://schemas.microsoft.com/office/powerpoint/2012/main" showMasterPhAnim="0" showMasterSp="0">
+<p:notes xmlns:a="http://schemas.openxmlformats.org/drawingml/2006/main" xmlns:r="http://schemas.openxmlformats.org/officeDocument/2006/relationships" xmlns:p="http://schemas.openxmlformats.org/presentationml/2006/main" showMasterSp="0" showMasterPhAnim="0">
   <p:cSld>
     <p:spTree>
       <p:nvGrpSpPr>
-        <p:cNvPr id="136" name="Shape 136"/>
+        <p:cNvPr id="1" name="Shape 136"/>
         <p:cNvGrpSpPr/>
         <p:nvPr/>
       </p:nvGrpSpPr>
@@ -929,20 +969,26 @@
       <p:sp>
         <p:nvSpPr>
           <p:cNvPr id="137" name="Google Shape;137;g7ea0d3c2be_0_143:notes"/>
-          <p:cNvSpPr/>
+          <p:cNvSpPr>
+            <a:spLocks noGrp="1" noRot="1" noChangeAspect="1"/>
+          </p:cNvSpPr>
           <p:nvPr>
-            <p:ph idx="2" type="sldImg"/>
+            <p:ph type="sldImg" idx="2"/>
           </p:nvPr>
         </p:nvSpPr>
         <p:spPr>
           <a:xfrm>
-            <a:off x="381300" y="685800"/>
+            <a:off x="381000" y="685800"/>
             <a:ext cx="6096000" cy="3429000"/>
           </a:xfrm>
           <a:custGeom>
-            <a:rect b="b" l="l" r="r" t="t"/>
+            <a:avLst/>
+            <a:gdLst/>
+            <a:ahLst/>
+            <a:cxnLst/>
+            <a:rect l="l" t="t" r="r" b="b"/>
             <a:pathLst>
-              <a:path extrusionOk="0" h="120000" w="120000">
+              <a:path w="120000" h="120000" extrusionOk="0">
                 <a:moveTo>
                   <a:pt x="0" y="0"/>
                 </a:moveTo>
@@ -964,9 +1010,11 @@
       <p:sp>
         <p:nvSpPr>
           <p:cNvPr id="138" name="Google Shape;138;g7ea0d3c2be_0_143:notes"/>
-          <p:cNvSpPr txBox="1"/>
+          <p:cNvSpPr txBox="1">
+            <a:spLocks noGrp="1"/>
+          </p:cNvSpPr>
           <p:nvPr>
-            <p:ph idx="1" type="body"/>
+            <p:ph type="body" idx="1"/>
           </p:nvPr>
         </p:nvSpPr>
         <p:spPr>
@@ -979,12 +1027,12 @@
           </a:prstGeom>
         </p:spPr>
         <p:txBody>
-          <a:bodyPr anchorCtr="0" anchor="t" bIns="91425" lIns="91425" spcFirstLastPara="1" rIns="91425" wrap="square" tIns="91425">
+          <a:bodyPr spcFirstLastPara="1" wrap="square" lIns="91425" tIns="91425" rIns="91425" bIns="91425" anchor="t" anchorCtr="0">
             <a:noAutofit/>
           </a:bodyPr>
           <a:lstStyle/>
           <a:p>
-            <a:pPr indent="0" lvl="0" marL="0" rtl="0" algn="l">
+            <a:pPr marL="0" lvl="0" indent="0" algn="l" rtl="0">
               <a:spcBef>
                 <a:spcPts val="0"/>
               </a:spcBef>
@@ -993,14 +1041,16 @@
               </a:spcAft>
               <a:buNone/>
             </a:pPr>
-            <a:r>
-              <a:t/>
-            </a:r>
             <a:endParaRPr/>
           </a:p>
         </p:txBody>
       </p:sp>
     </p:spTree>
+    <p:extLst>
+      <p:ext uri="{BB962C8B-B14F-4D97-AF65-F5344CB8AC3E}">
+        <p14:creationId xmlns:p14="http://schemas.microsoft.com/office/powerpoint/2010/main" val="1425510998"/>
+      </p:ext>
+    </p:extLst>
   </p:cSld>
   <p:clrMapOvr>
     <a:masterClrMapping/>
@@ -1009,11 +1059,11 @@
 </file>
 
 <file path=ppt/notesSlides/notesSlide3.xml><?xml version="1.0" encoding="utf-8"?>
-<p:notes xmlns:a="http://schemas.openxmlformats.org/drawingml/2006/main" xmlns:r="http://schemas.openxmlformats.org/officeDocument/2006/relationships" xmlns:mc="http://schemas.openxmlformats.org/markup-compatibility/2006" xmlns:mv="urn:schemas-microsoft-com:mac:vml" xmlns:p="http://schemas.openxmlformats.org/presentationml/2006/main" xmlns:c="http://schemas.openxmlformats.org/drawingml/2006/chart" xmlns:dgm="http://schemas.openxmlformats.org/drawingml/2006/diagram" xmlns:o="urn:schemas-microsoft-com:office:office" xmlns:v="urn:schemas-microsoft-com:vml" xmlns:pvml="urn:schemas-microsoft-com:office:powerpoint" xmlns:com="http://schemas.openxmlformats.org/drawingml/2006/compatibility" xmlns:p14="http://schemas.microsoft.com/office/powerpoint/2010/main" xmlns:p15="http://schemas.microsoft.com/office/powerpoint/2012/main" showMasterPhAnim="0" showMasterSp="0">
+<p:notes xmlns:a="http://schemas.openxmlformats.org/drawingml/2006/main" xmlns:r="http://schemas.openxmlformats.org/officeDocument/2006/relationships" xmlns:p="http://schemas.openxmlformats.org/presentationml/2006/main" showMasterSp="0" showMasterPhAnim="0">
   <p:cSld>
     <p:spTree>
       <p:nvGrpSpPr>
-        <p:cNvPr id="142" name="Shape 142"/>
+        <p:cNvPr id="1" name="Shape 142"/>
         <p:cNvGrpSpPr/>
         <p:nvPr/>
       </p:nvGrpSpPr>
@@ -1028,20 +1078,26 @@
       <p:sp>
         <p:nvSpPr>
           <p:cNvPr id="143" name="Google Shape;143;g7ea0d3c2be_0_148:notes"/>
-          <p:cNvSpPr/>
+          <p:cNvSpPr>
+            <a:spLocks noGrp="1" noRot="1" noChangeAspect="1"/>
+          </p:cNvSpPr>
           <p:nvPr>
-            <p:ph idx="2" type="sldImg"/>
+            <p:ph type="sldImg" idx="2"/>
           </p:nvPr>
         </p:nvSpPr>
         <p:spPr>
           <a:xfrm>
-            <a:off x="381300" y="685800"/>
+            <a:off x="381000" y="685800"/>
             <a:ext cx="6096000" cy="3429000"/>
           </a:xfrm>
           <a:custGeom>
-            <a:rect b="b" l="l" r="r" t="t"/>
+            <a:avLst/>
+            <a:gdLst/>
+            <a:ahLst/>
+            <a:cxnLst/>
+            <a:rect l="l" t="t" r="r" b="b"/>
             <a:pathLst>
-              <a:path extrusionOk="0" h="120000" w="120000">
+              <a:path w="120000" h="120000" extrusionOk="0">
                 <a:moveTo>
                   <a:pt x="0" y="0"/>
                 </a:moveTo>
@@ -1063,9 +1119,11 @@
       <p:sp>
         <p:nvSpPr>
           <p:cNvPr id="144" name="Google Shape;144;g7ea0d3c2be_0_148:notes"/>
-          <p:cNvSpPr txBox="1"/>
+          <p:cNvSpPr txBox="1">
+            <a:spLocks noGrp="1"/>
+          </p:cNvSpPr>
           <p:nvPr>
-            <p:ph idx="1" type="body"/>
+            <p:ph type="body" idx="1"/>
           </p:nvPr>
         </p:nvSpPr>
         <p:spPr>
@@ -1078,12 +1136,12 @@
           </a:prstGeom>
         </p:spPr>
         <p:txBody>
-          <a:bodyPr anchorCtr="0" anchor="t" bIns="91425" lIns="91425" spcFirstLastPara="1" rIns="91425" wrap="square" tIns="91425">
+          <a:bodyPr spcFirstLastPara="1" wrap="square" lIns="91425" tIns="91425" rIns="91425" bIns="91425" anchor="t" anchorCtr="0">
             <a:noAutofit/>
           </a:bodyPr>
           <a:lstStyle/>
           <a:p>
-            <a:pPr indent="0" lvl="0" marL="0" rtl="0" algn="l">
+            <a:pPr marL="0" lvl="0" indent="0" algn="l" rtl="0">
               <a:spcBef>
                 <a:spcPts val="0"/>
               </a:spcBef>
@@ -1092,14 +1150,16 @@
               </a:spcAft>
               <a:buNone/>
             </a:pPr>
-            <a:r>
-              <a:t/>
-            </a:r>
             <a:endParaRPr/>
           </a:p>
         </p:txBody>
       </p:sp>
     </p:spTree>
+    <p:extLst>
+      <p:ext uri="{BB962C8B-B14F-4D97-AF65-F5344CB8AC3E}">
+        <p14:creationId xmlns:p14="http://schemas.microsoft.com/office/powerpoint/2010/main" val="2335058667"/>
+      </p:ext>
+    </p:extLst>
   </p:cSld>
   <p:clrMapOvr>
     <a:masterClrMapping/>
@@ -1108,11 +1168,11 @@
 </file>
 
 <file path=ppt/notesSlides/notesSlide4.xml><?xml version="1.0" encoding="utf-8"?>
-<p:notes xmlns:a="http://schemas.openxmlformats.org/drawingml/2006/main" xmlns:r="http://schemas.openxmlformats.org/officeDocument/2006/relationships" xmlns:mc="http://schemas.openxmlformats.org/markup-compatibility/2006" xmlns:mv="urn:schemas-microsoft-com:mac:vml" xmlns:p="http://schemas.openxmlformats.org/presentationml/2006/main" xmlns:c="http://schemas.openxmlformats.org/drawingml/2006/chart" xmlns:dgm="http://schemas.openxmlformats.org/drawingml/2006/diagram" xmlns:o="urn:schemas-microsoft-com:office:office" xmlns:v="urn:schemas-microsoft-com:vml" xmlns:pvml="urn:schemas-microsoft-com:office:powerpoint" xmlns:com="http://schemas.openxmlformats.org/drawingml/2006/compatibility" xmlns:p14="http://schemas.microsoft.com/office/powerpoint/2010/main" xmlns:p15="http://schemas.microsoft.com/office/powerpoint/2012/main" showMasterPhAnim="0" showMasterSp="0">
+<p:notes xmlns:a="http://schemas.openxmlformats.org/drawingml/2006/main" xmlns:r="http://schemas.openxmlformats.org/officeDocument/2006/relationships" xmlns:p="http://schemas.openxmlformats.org/presentationml/2006/main" showMasterSp="0" showMasterPhAnim="0">
   <p:cSld>
     <p:spTree>
       <p:nvGrpSpPr>
-        <p:cNvPr id="148" name="Shape 148"/>
+        <p:cNvPr id="1" name="Shape 148"/>
         <p:cNvGrpSpPr/>
         <p:nvPr/>
       </p:nvGrpSpPr>
@@ -1127,20 +1187,26 @@
       <p:sp>
         <p:nvSpPr>
           <p:cNvPr id="149" name="Google Shape;149;g7ea0d3c2be_0_153:notes"/>
-          <p:cNvSpPr/>
+          <p:cNvSpPr>
+            <a:spLocks noGrp="1" noRot="1" noChangeAspect="1"/>
+          </p:cNvSpPr>
           <p:nvPr>
-            <p:ph idx="2" type="sldImg"/>
+            <p:ph type="sldImg" idx="2"/>
           </p:nvPr>
         </p:nvSpPr>
         <p:spPr>
           <a:xfrm>
-            <a:off x="381300" y="685800"/>
+            <a:off x="381000" y="685800"/>
             <a:ext cx="6096000" cy="3429000"/>
           </a:xfrm>
           <a:custGeom>
-            <a:rect b="b" l="l" r="r" t="t"/>
+            <a:avLst/>
+            <a:gdLst/>
+            <a:ahLst/>
+            <a:cxnLst/>
+            <a:rect l="l" t="t" r="r" b="b"/>
             <a:pathLst>
-              <a:path extrusionOk="0" h="120000" w="120000">
+              <a:path w="120000" h="120000" extrusionOk="0">
                 <a:moveTo>
                   <a:pt x="0" y="0"/>
                 </a:moveTo>
@@ -1162,9 +1228,11 @@
       <p:sp>
         <p:nvSpPr>
           <p:cNvPr id="150" name="Google Shape;150;g7ea0d3c2be_0_153:notes"/>
-          <p:cNvSpPr txBox="1"/>
+          <p:cNvSpPr txBox="1">
+            <a:spLocks noGrp="1"/>
+          </p:cNvSpPr>
           <p:nvPr>
-            <p:ph idx="1" type="body"/>
+            <p:ph type="body" idx="1"/>
           </p:nvPr>
         </p:nvSpPr>
         <p:spPr>
@@ -1177,12 +1245,12 @@
           </a:prstGeom>
         </p:spPr>
         <p:txBody>
-          <a:bodyPr anchorCtr="0" anchor="t" bIns="91425" lIns="91425" spcFirstLastPara="1" rIns="91425" wrap="square" tIns="91425">
+          <a:bodyPr spcFirstLastPara="1" wrap="square" lIns="91425" tIns="91425" rIns="91425" bIns="91425" anchor="t" anchorCtr="0">
             <a:noAutofit/>
           </a:bodyPr>
           <a:lstStyle/>
           <a:p>
-            <a:pPr indent="0" lvl="0" marL="0" rtl="0" algn="l">
+            <a:pPr marL="0" lvl="0" indent="0" algn="l" rtl="0">
               <a:spcBef>
                 <a:spcPts val="0"/>
               </a:spcBef>
@@ -1191,14 +1259,16 @@
               </a:spcAft>
               <a:buNone/>
             </a:pPr>
-            <a:r>
-              <a:t/>
-            </a:r>
             <a:endParaRPr/>
           </a:p>
         </p:txBody>
       </p:sp>
     </p:spTree>
+    <p:extLst>
+      <p:ext uri="{BB962C8B-B14F-4D97-AF65-F5344CB8AC3E}">
+        <p14:creationId xmlns:p14="http://schemas.microsoft.com/office/powerpoint/2010/main" val="3459054495"/>
+      </p:ext>
+    </p:extLst>
   </p:cSld>
   <p:clrMapOvr>
     <a:masterClrMapping/>
@@ -1207,11 +1277,11 @@
 </file>
 
 <file path=ppt/notesSlides/notesSlide5.xml><?xml version="1.0" encoding="utf-8"?>
-<p:notes xmlns:a="http://schemas.openxmlformats.org/drawingml/2006/main" xmlns:r="http://schemas.openxmlformats.org/officeDocument/2006/relationships" xmlns:mc="http://schemas.openxmlformats.org/markup-compatibility/2006" xmlns:mv="urn:schemas-microsoft-com:mac:vml" xmlns:p="http://schemas.openxmlformats.org/presentationml/2006/main" xmlns:c="http://schemas.openxmlformats.org/drawingml/2006/chart" xmlns:dgm="http://schemas.openxmlformats.org/drawingml/2006/diagram" xmlns:o="urn:schemas-microsoft-com:office:office" xmlns:v="urn:schemas-microsoft-com:vml" xmlns:pvml="urn:schemas-microsoft-com:office:powerpoint" xmlns:com="http://schemas.openxmlformats.org/drawingml/2006/compatibility" xmlns:p14="http://schemas.microsoft.com/office/powerpoint/2010/main" xmlns:p15="http://schemas.microsoft.com/office/powerpoint/2012/main" showMasterPhAnim="0" showMasterSp="0">
+<p:notes xmlns:a="http://schemas.openxmlformats.org/drawingml/2006/main" xmlns:r="http://schemas.openxmlformats.org/officeDocument/2006/relationships" xmlns:p="http://schemas.openxmlformats.org/presentationml/2006/main" showMasterSp="0" showMasterPhAnim="0">
   <p:cSld>
     <p:spTree>
       <p:nvGrpSpPr>
-        <p:cNvPr id="154" name="Shape 154"/>
+        <p:cNvPr id="1" name="Shape 154"/>
         <p:cNvGrpSpPr/>
         <p:nvPr/>
       </p:nvGrpSpPr>
@@ -1226,20 +1296,26 @@
       <p:sp>
         <p:nvSpPr>
           <p:cNvPr id="155" name="Google Shape;155;g7ea0d3c2be_0_158:notes"/>
-          <p:cNvSpPr/>
+          <p:cNvSpPr>
+            <a:spLocks noGrp="1" noRot="1" noChangeAspect="1"/>
+          </p:cNvSpPr>
           <p:nvPr>
-            <p:ph idx="2" type="sldImg"/>
+            <p:ph type="sldImg" idx="2"/>
           </p:nvPr>
         </p:nvSpPr>
         <p:spPr>
           <a:xfrm>
-            <a:off x="381300" y="685800"/>
+            <a:off x="381000" y="685800"/>
             <a:ext cx="6096000" cy="3429000"/>
           </a:xfrm>
           <a:custGeom>
-            <a:rect b="b" l="l" r="r" t="t"/>
+            <a:avLst/>
+            <a:gdLst/>
+            <a:ahLst/>
+            <a:cxnLst/>
+            <a:rect l="l" t="t" r="r" b="b"/>
             <a:pathLst>
-              <a:path extrusionOk="0" h="120000" w="120000">
+              <a:path w="120000" h="120000" extrusionOk="0">
                 <a:moveTo>
                   <a:pt x="0" y="0"/>
                 </a:moveTo>
@@ -1261,9 +1337,11 @@
       <p:sp>
         <p:nvSpPr>
           <p:cNvPr id="156" name="Google Shape;156;g7ea0d3c2be_0_158:notes"/>
-          <p:cNvSpPr txBox="1"/>
+          <p:cNvSpPr txBox="1">
+            <a:spLocks noGrp="1"/>
+          </p:cNvSpPr>
           <p:nvPr>
-            <p:ph idx="1" type="body"/>
+            <p:ph type="body" idx="1"/>
           </p:nvPr>
         </p:nvSpPr>
         <p:spPr>
@@ -1276,12 +1354,12 @@
           </a:prstGeom>
         </p:spPr>
         <p:txBody>
-          <a:bodyPr anchorCtr="0" anchor="t" bIns="91425" lIns="91425" spcFirstLastPara="1" rIns="91425" wrap="square" tIns="91425">
+          <a:bodyPr spcFirstLastPara="1" wrap="square" lIns="91425" tIns="91425" rIns="91425" bIns="91425" anchor="t" anchorCtr="0">
             <a:noAutofit/>
           </a:bodyPr>
           <a:lstStyle/>
           <a:p>
-            <a:pPr indent="0" lvl="0" marL="0" rtl="0" algn="l">
+            <a:pPr marL="0" lvl="0" indent="0" algn="l" rtl="0">
               <a:spcBef>
                 <a:spcPts val="0"/>
               </a:spcBef>
@@ -1290,14 +1368,16 @@
               </a:spcAft>
               <a:buNone/>
             </a:pPr>
-            <a:r>
-              <a:t/>
-            </a:r>
             <a:endParaRPr/>
           </a:p>
         </p:txBody>
       </p:sp>
     </p:spTree>
+    <p:extLst>
+      <p:ext uri="{BB962C8B-B14F-4D97-AF65-F5344CB8AC3E}">
+        <p14:creationId xmlns:p14="http://schemas.microsoft.com/office/powerpoint/2010/main" val="3567446505"/>
+      </p:ext>
+    </p:extLst>
   </p:cSld>
   <p:clrMapOvr>
     <a:masterClrMapping/>
@@ -1306,11 +1386,11 @@
 </file>
 
 <file path=ppt/notesSlides/notesSlide6.xml><?xml version="1.0" encoding="utf-8"?>
-<p:notes xmlns:a="http://schemas.openxmlformats.org/drawingml/2006/main" xmlns:r="http://schemas.openxmlformats.org/officeDocument/2006/relationships" xmlns:mc="http://schemas.openxmlformats.org/markup-compatibility/2006" xmlns:mv="urn:schemas-microsoft-com:mac:vml" xmlns:p="http://schemas.openxmlformats.org/presentationml/2006/main" xmlns:c="http://schemas.openxmlformats.org/drawingml/2006/chart" xmlns:dgm="http://schemas.openxmlformats.org/drawingml/2006/diagram" xmlns:o="urn:schemas-microsoft-com:office:office" xmlns:v="urn:schemas-microsoft-com:vml" xmlns:pvml="urn:schemas-microsoft-com:office:powerpoint" xmlns:com="http://schemas.openxmlformats.org/drawingml/2006/compatibility" xmlns:p14="http://schemas.microsoft.com/office/powerpoint/2010/main" xmlns:p15="http://schemas.microsoft.com/office/powerpoint/2012/main" showMasterPhAnim="0" showMasterSp="0">
+<p:notes xmlns:a="http://schemas.openxmlformats.org/drawingml/2006/main" xmlns:r="http://schemas.openxmlformats.org/officeDocument/2006/relationships" xmlns:p="http://schemas.openxmlformats.org/presentationml/2006/main" showMasterSp="0" showMasterPhAnim="0">
   <p:cSld>
     <p:spTree>
       <p:nvGrpSpPr>
-        <p:cNvPr id="160" name="Shape 160"/>
+        <p:cNvPr id="1" name="Shape 160"/>
         <p:cNvGrpSpPr/>
         <p:nvPr/>
       </p:nvGrpSpPr>
@@ -1325,20 +1405,26 @@
       <p:sp>
         <p:nvSpPr>
           <p:cNvPr id="161" name="Google Shape;161;g7ea0d3c2be_0_164:notes"/>
-          <p:cNvSpPr/>
+          <p:cNvSpPr>
+            <a:spLocks noGrp="1" noRot="1" noChangeAspect="1"/>
+          </p:cNvSpPr>
           <p:nvPr>
-            <p:ph idx="2" type="sldImg"/>
+            <p:ph type="sldImg" idx="2"/>
           </p:nvPr>
         </p:nvSpPr>
         <p:spPr>
           <a:xfrm>
-            <a:off x="381300" y="685800"/>
+            <a:off x="381000" y="685800"/>
             <a:ext cx="6096000" cy="3429000"/>
           </a:xfrm>
           <a:custGeom>
-            <a:rect b="b" l="l" r="r" t="t"/>
+            <a:avLst/>
+            <a:gdLst/>
+            <a:ahLst/>
+            <a:cxnLst/>
+            <a:rect l="l" t="t" r="r" b="b"/>
             <a:pathLst>
-              <a:path extrusionOk="0" h="120000" w="120000">
+              <a:path w="120000" h="120000" extrusionOk="0">
                 <a:moveTo>
                   <a:pt x="0" y="0"/>
                 </a:moveTo>
@@ -1360,9 +1446,11 @@
       <p:sp>
         <p:nvSpPr>
           <p:cNvPr id="162" name="Google Shape;162;g7ea0d3c2be_0_164:notes"/>
-          <p:cNvSpPr txBox="1"/>
+          <p:cNvSpPr txBox="1">
+            <a:spLocks noGrp="1"/>
+          </p:cNvSpPr>
           <p:nvPr>
-            <p:ph idx="1" type="body"/>
+            <p:ph type="body" idx="1"/>
           </p:nvPr>
         </p:nvSpPr>
         <p:spPr>
@@ -1375,12 +1463,12 @@
           </a:prstGeom>
         </p:spPr>
         <p:txBody>
-          <a:bodyPr anchorCtr="0" anchor="t" bIns="91425" lIns="91425" spcFirstLastPara="1" rIns="91425" wrap="square" tIns="91425">
+          <a:bodyPr spcFirstLastPara="1" wrap="square" lIns="91425" tIns="91425" rIns="91425" bIns="91425" anchor="t" anchorCtr="0">
             <a:noAutofit/>
           </a:bodyPr>
           <a:lstStyle/>
           <a:p>
-            <a:pPr indent="0" lvl="0" marL="0" rtl="0" algn="l">
+            <a:pPr marL="0" lvl="0" indent="0" algn="l" rtl="0">
               <a:spcBef>
                 <a:spcPts val="0"/>
               </a:spcBef>
@@ -1389,14 +1477,16 @@
               </a:spcAft>
               <a:buNone/>
             </a:pPr>
-            <a:r>
-              <a:t/>
-            </a:r>
             <a:endParaRPr/>
           </a:p>
         </p:txBody>
       </p:sp>
     </p:spTree>
+    <p:extLst>
+      <p:ext uri="{BB962C8B-B14F-4D97-AF65-F5344CB8AC3E}">
+        <p14:creationId xmlns:p14="http://schemas.microsoft.com/office/powerpoint/2010/main" val="1984689551"/>
+      </p:ext>
+    </p:extLst>
   </p:cSld>
   <p:clrMapOvr>
     <a:masterClrMapping/>
@@ -1405,11 +1495,11 @@
 </file>
 
 <file path=ppt/notesSlides/notesSlide7.xml><?xml version="1.0" encoding="utf-8"?>
-<p:notes xmlns:a="http://schemas.openxmlformats.org/drawingml/2006/main" xmlns:r="http://schemas.openxmlformats.org/officeDocument/2006/relationships" xmlns:mc="http://schemas.openxmlformats.org/markup-compatibility/2006" xmlns:mv="urn:schemas-microsoft-com:mac:vml" xmlns:p="http://schemas.openxmlformats.org/presentationml/2006/main" xmlns:c="http://schemas.openxmlformats.org/drawingml/2006/chart" xmlns:dgm="http://schemas.openxmlformats.org/drawingml/2006/diagram" xmlns:o="urn:schemas-microsoft-com:office:office" xmlns:v="urn:schemas-microsoft-com:vml" xmlns:pvml="urn:schemas-microsoft-com:office:powerpoint" xmlns:com="http://schemas.openxmlformats.org/drawingml/2006/compatibility" xmlns:p14="http://schemas.microsoft.com/office/powerpoint/2010/main" xmlns:p15="http://schemas.microsoft.com/office/powerpoint/2012/main" showMasterPhAnim="0" showMasterSp="0">
+<p:notes xmlns:a="http://schemas.openxmlformats.org/drawingml/2006/main" xmlns:r="http://schemas.openxmlformats.org/officeDocument/2006/relationships" xmlns:p="http://schemas.openxmlformats.org/presentationml/2006/main" showMasterSp="0" showMasterPhAnim="0">
   <p:cSld>
     <p:spTree>
       <p:nvGrpSpPr>
-        <p:cNvPr id="166" name="Shape 166"/>
+        <p:cNvPr id="1" name="Shape 166"/>
         <p:cNvGrpSpPr/>
         <p:nvPr/>
       </p:nvGrpSpPr>
@@ -1424,20 +1514,26 @@
       <p:sp>
         <p:nvSpPr>
           <p:cNvPr id="167" name="Google Shape;167;g7ea0d3c2be_0_169:notes"/>
-          <p:cNvSpPr/>
+          <p:cNvSpPr>
+            <a:spLocks noGrp="1" noRot="1" noChangeAspect="1"/>
+          </p:cNvSpPr>
           <p:nvPr>
-            <p:ph idx="2" type="sldImg"/>
+            <p:ph type="sldImg" idx="2"/>
           </p:nvPr>
         </p:nvSpPr>
         <p:spPr>
           <a:xfrm>
-            <a:off x="381300" y="685800"/>
+            <a:off x="381000" y="685800"/>
             <a:ext cx="6096000" cy="3429000"/>
           </a:xfrm>
           <a:custGeom>
-            <a:rect b="b" l="l" r="r" t="t"/>
+            <a:avLst/>
+            <a:gdLst/>
+            <a:ahLst/>
+            <a:cxnLst/>
+            <a:rect l="l" t="t" r="r" b="b"/>
             <a:pathLst>
-              <a:path extrusionOk="0" h="120000" w="120000">
+              <a:path w="120000" h="120000" extrusionOk="0">
                 <a:moveTo>
                   <a:pt x="0" y="0"/>
                 </a:moveTo>
@@ -1459,9 +1555,11 @@
       <p:sp>
         <p:nvSpPr>
           <p:cNvPr id="168" name="Google Shape;168;g7ea0d3c2be_0_169:notes"/>
-          <p:cNvSpPr txBox="1"/>
+          <p:cNvSpPr txBox="1">
+            <a:spLocks noGrp="1"/>
+          </p:cNvSpPr>
           <p:nvPr>
-            <p:ph idx="1" type="body"/>
+            <p:ph type="body" idx="1"/>
           </p:nvPr>
         </p:nvSpPr>
         <p:spPr>
@@ -1474,12 +1572,12 @@
           </a:prstGeom>
         </p:spPr>
         <p:txBody>
-          <a:bodyPr anchorCtr="0" anchor="t" bIns="91425" lIns="91425" spcFirstLastPara="1" rIns="91425" wrap="square" tIns="91425">
+          <a:bodyPr spcFirstLastPara="1" wrap="square" lIns="91425" tIns="91425" rIns="91425" bIns="91425" anchor="t" anchorCtr="0">
             <a:noAutofit/>
           </a:bodyPr>
           <a:lstStyle/>
           <a:p>
-            <a:pPr indent="0" lvl="0" marL="0" rtl="0" algn="l">
+            <a:pPr marL="0" lvl="0" indent="0" algn="l" rtl="0">
               <a:spcBef>
                 <a:spcPts val="0"/>
               </a:spcBef>
@@ -1488,14 +1586,16 @@
               </a:spcAft>
               <a:buNone/>
             </a:pPr>
-            <a:r>
-              <a:t/>
-            </a:r>
             <a:endParaRPr/>
           </a:p>
         </p:txBody>
       </p:sp>
     </p:spTree>
+    <p:extLst>
+      <p:ext uri="{BB962C8B-B14F-4D97-AF65-F5344CB8AC3E}">
+        <p14:creationId xmlns:p14="http://schemas.microsoft.com/office/powerpoint/2010/main" val="1717443105"/>
+      </p:ext>
+    </p:extLst>
   </p:cSld>
   <p:clrMapOvr>
     <a:masterClrMapping/>
@@ -1504,11 +1604,11 @@
 </file>
 
 <file path=ppt/notesSlides/notesSlide8.xml><?xml version="1.0" encoding="utf-8"?>
-<p:notes xmlns:a="http://schemas.openxmlformats.org/drawingml/2006/main" xmlns:r="http://schemas.openxmlformats.org/officeDocument/2006/relationships" xmlns:mc="http://schemas.openxmlformats.org/markup-compatibility/2006" xmlns:mv="urn:schemas-microsoft-com:mac:vml" xmlns:p="http://schemas.openxmlformats.org/presentationml/2006/main" xmlns:c="http://schemas.openxmlformats.org/drawingml/2006/chart" xmlns:dgm="http://schemas.openxmlformats.org/drawingml/2006/diagram" xmlns:o="urn:schemas-microsoft-com:office:office" xmlns:v="urn:schemas-microsoft-com:vml" xmlns:pvml="urn:schemas-microsoft-com:office:powerpoint" xmlns:com="http://schemas.openxmlformats.org/drawingml/2006/compatibility" xmlns:p14="http://schemas.microsoft.com/office/powerpoint/2010/main" xmlns:p15="http://schemas.microsoft.com/office/powerpoint/2012/main" showMasterPhAnim="0" showMasterSp="0">
+<p:notes xmlns:a="http://schemas.openxmlformats.org/drawingml/2006/main" xmlns:r="http://schemas.openxmlformats.org/officeDocument/2006/relationships" xmlns:p="http://schemas.openxmlformats.org/presentationml/2006/main" showMasterSp="0" showMasterPhAnim="0">
   <p:cSld>
     <p:spTree>
       <p:nvGrpSpPr>
-        <p:cNvPr id="172" name="Shape 172"/>
+        <p:cNvPr id="1" name="Shape 172"/>
         <p:cNvGrpSpPr/>
         <p:nvPr/>
       </p:nvGrpSpPr>
@@ -1523,20 +1623,26 @@
       <p:sp>
         <p:nvSpPr>
           <p:cNvPr id="173" name="Google Shape;173;g7ea0d3c2be_0_174:notes"/>
-          <p:cNvSpPr/>
+          <p:cNvSpPr>
+            <a:spLocks noGrp="1" noRot="1" noChangeAspect="1"/>
+          </p:cNvSpPr>
           <p:nvPr>
-            <p:ph idx="2" type="sldImg"/>
+            <p:ph type="sldImg" idx="2"/>
           </p:nvPr>
         </p:nvSpPr>
         <p:spPr>
           <a:xfrm>
-            <a:off x="381300" y="685800"/>
+            <a:off x="381000" y="685800"/>
             <a:ext cx="6096000" cy="3429000"/>
           </a:xfrm>
           <a:custGeom>
-            <a:rect b="b" l="l" r="r" t="t"/>
+            <a:avLst/>
+            <a:gdLst/>
+            <a:ahLst/>
+            <a:cxnLst/>
+            <a:rect l="l" t="t" r="r" b="b"/>
             <a:pathLst>
-              <a:path extrusionOk="0" h="120000" w="120000">
+              <a:path w="120000" h="120000" extrusionOk="0">
                 <a:moveTo>
                   <a:pt x="0" y="0"/>
                 </a:moveTo>
@@ -1558,9 +1664,11 @@
       <p:sp>
         <p:nvSpPr>
           <p:cNvPr id="174" name="Google Shape;174;g7ea0d3c2be_0_174:notes"/>
-          <p:cNvSpPr txBox="1"/>
+          <p:cNvSpPr txBox="1">
+            <a:spLocks noGrp="1"/>
+          </p:cNvSpPr>
           <p:nvPr>
-            <p:ph idx="1" type="body"/>
+            <p:ph type="body" idx="1"/>
           </p:nvPr>
         </p:nvSpPr>
         <p:spPr>
@@ -1573,12 +1681,12 @@
           </a:prstGeom>
         </p:spPr>
         <p:txBody>
-          <a:bodyPr anchorCtr="0" anchor="t" bIns="91425" lIns="91425" spcFirstLastPara="1" rIns="91425" wrap="square" tIns="91425">
+          <a:bodyPr spcFirstLastPara="1" wrap="square" lIns="91425" tIns="91425" rIns="91425" bIns="91425" anchor="t" anchorCtr="0">
             <a:noAutofit/>
           </a:bodyPr>
           <a:lstStyle/>
           <a:p>
-            <a:pPr indent="0" lvl="0" marL="0" rtl="0" algn="l">
+            <a:pPr marL="0" lvl="0" indent="0" algn="l" rtl="0">
               <a:spcBef>
                 <a:spcPts val="0"/>
               </a:spcBef>
@@ -1587,14 +1695,16 @@
               </a:spcAft>
               <a:buNone/>
             </a:pPr>
-            <a:r>
-              <a:t/>
-            </a:r>
             <a:endParaRPr/>
           </a:p>
         </p:txBody>
       </p:sp>
     </p:spTree>
+    <p:extLst>
+      <p:ext uri="{BB962C8B-B14F-4D97-AF65-F5344CB8AC3E}">
+        <p14:creationId xmlns:p14="http://schemas.microsoft.com/office/powerpoint/2010/main" val="1558041485"/>
+      </p:ext>
+    </p:extLst>
   </p:cSld>
   <p:clrMapOvr>
     <a:masterClrMapping/>
@@ -1603,11 +1713,11 @@
 </file>
 
 <file path=ppt/notesSlides/notesSlide9.xml><?xml version="1.0" encoding="utf-8"?>
-<p:notes xmlns:a="http://schemas.openxmlformats.org/drawingml/2006/main" xmlns:r="http://schemas.openxmlformats.org/officeDocument/2006/relationships" xmlns:mc="http://schemas.openxmlformats.org/markup-compatibility/2006" xmlns:mv="urn:schemas-microsoft-com:mac:vml" xmlns:p="http://schemas.openxmlformats.org/presentationml/2006/main" xmlns:c="http://schemas.openxmlformats.org/drawingml/2006/chart" xmlns:dgm="http://schemas.openxmlformats.org/drawingml/2006/diagram" xmlns:o="urn:schemas-microsoft-com:office:office" xmlns:v="urn:schemas-microsoft-com:vml" xmlns:pvml="urn:schemas-microsoft-com:office:powerpoint" xmlns:com="http://schemas.openxmlformats.org/drawingml/2006/compatibility" xmlns:p14="http://schemas.microsoft.com/office/powerpoint/2010/main" xmlns:p15="http://schemas.microsoft.com/office/powerpoint/2012/main" showMasterPhAnim="0" showMasterSp="0">
+<p:notes xmlns:a="http://schemas.openxmlformats.org/drawingml/2006/main" xmlns:r="http://schemas.openxmlformats.org/officeDocument/2006/relationships" xmlns:p="http://schemas.openxmlformats.org/presentationml/2006/main" showMasterSp="0" showMasterPhAnim="0">
   <p:cSld>
     <p:spTree>
       <p:nvGrpSpPr>
-        <p:cNvPr id="178" name="Shape 178"/>
+        <p:cNvPr id="1" name="Shape 178"/>
         <p:cNvGrpSpPr/>
         <p:nvPr/>
       </p:nvGrpSpPr>
@@ -1622,20 +1732,26 @@
       <p:sp>
         <p:nvSpPr>
           <p:cNvPr id="179" name="Google Shape;179;g7ea0d3c2be_0_184:notes"/>
-          <p:cNvSpPr/>
+          <p:cNvSpPr>
+            <a:spLocks noGrp="1" noRot="1" noChangeAspect="1"/>
+          </p:cNvSpPr>
           <p:nvPr>
-            <p:ph idx="2" type="sldImg"/>
+            <p:ph type="sldImg" idx="2"/>
           </p:nvPr>
         </p:nvSpPr>
         <p:spPr>
           <a:xfrm>
-            <a:off x="381300" y="685800"/>
+            <a:off x="381000" y="685800"/>
             <a:ext cx="6096000" cy="3429000"/>
           </a:xfrm>
           <a:custGeom>
-            <a:rect b="b" l="l" r="r" t="t"/>
+            <a:avLst/>
+            <a:gdLst/>
+            <a:ahLst/>
+            <a:cxnLst/>
+            <a:rect l="l" t="t" r="r" b="b"/>
             <a:pathLst>
-              <a:path extrusionOk="0" h="120000" w="120000">
+              <a:path w="120000" h="120000" extrusionOk="0">
                 <a:moveTo>
                   <a:pt x="0" y="0"/>
                 </a:moveTo>
@@ -1657,9 +1773,11 @@
       <p:sp>
         <p:nvSpPr>
           <p:cNvPr id="180" name="Google Shape;180;g7ea0d3c2be_0_184:notes"/>
-          <p:cNvSpPr txBox="1"/>
+          <p:cNvSpPr txBox="1">
+            <a:spLocks noGrp="1"/>
+          </p:cNvSpPr>
           <p:nvPr>
-            <p:ph idx="1" type="body"/>
+            <p:ph type="body" idx="1"/>
           </p:nvPr>
         </p:nvSpPr>
         <p:spPr>
@@ -1672,12 +1790,12 @@
           </a:prstGeom>
         </p:spPr>
         <p:txBody>
-          <a:bodyPr anchorCtr="0" anchor="t" bIns="91425" lIns="91425" spcFirstLastPara="1" rIns="91425" wrap="square" tIns="91425">
+          <a:bodyPr spcFirstLastPara="1" wrap="square" lIns="91425" tIns="91425" rIns="91425" bIns="91425" anchor="t" anchorCtr="0">
             <a:noAutofit/>
           </a:bodyPr>
           <a:lstStyle/>
           <a:p>
-            <a:pPr indent="0" lvl="0" marL="0" rtl="0" algn="l">
+            <a:pPr marL="0" lvl="0" indent="0" algn="l" rtl="0">
               <a:spcBef>
                 <a:spcPts val="0"/>
               </a:spcBef>
@@ -1686,14 +1804,16 @@
               </a:spcAft>
               <a:buNone/>
             </a:pPr>
-            <a:r>
-              <a:t/>
-            </a:r>
             <a:endParaRPr/>
           </a:p>
         </p:txBody>
       </p:sp>
     </p:spTree>
+    <p:extLst>
+      <p:ext uri="{BB962C8B-B14F-4D97-AF65-F5344CB8AC3E}">
+        <p14:creationId xmlns:p14="http://schemas.microsoft.com/office/powerpoint/2010/main" val="2940826892"/>
+      </p:ext>
+    </p:extLst>
   </p:cSld>
   <p:clrMapOvr>
     <a:masterClrMapping/>
@@ -1702,11 +1822,11 @@
 </file>
 
 <file path=ppt/slideLayouts/slideLayout1.xml><?xml version="1.0" encoding="utf-8"?>
-<p:sldLayout xmlns:a="http://schemas.openxmlformats.org/drawingml/2006/main" xmlns:r="http://schemas.openxmlformats.org/officeDocument/2006/relationships" xmlns:mc="http://schemas.openxmlformats.org/markup-compatibility/2006" xmlns:mv="urn:schemas-microsoft-com:mac:vml" xmlns:p="http://schemas.openxmlformats.org/presentationml/2006/main" xmlns:c="http://schemas.openxmlformats.org/drawingml/2006/chart" xmlns:dgm="http://schemas.openxmlformats.org/drawingml/2006/diagram" xmlns:o="urn:schemas-microsoft-com:office:office" xmlns:v="urn:schemas-microsoft-com:vml" xmlns:pvml="urn:schemas-microsoft-com:office:powerpoint" xmlns:com="http://schemas.openxmlformats.org/drawingml/2006/compatibility" xmlns:p14="http://schemas.microsoft.com/office/powerpoint/2010/main" xmlns:p15="http://schemas.microsoft.com/office/powerpoint/2012/main" matchingName="Title slide" type="title">
+<p:sldLayout xmlns:a="http://schemas.openxmlformats.org/drawingml/2006/main" xmlns:r="http://schemas.openxmlformats.org/officeDocument/2006/relationships" xmlns:p="http://schemas.openxmlformats.org/presentationml/2006/main" matchingName="Title slide" type="title">
   <p:cSld name="TITLE">
     <p:spTree>
       <p:nvGrpSpPr>
-        <p:cNvPr id="9" name="Shape 9"/>
+        <p:cNvPr id="1" name="Shape 9"/>
         <p:cNvGrpSpPr/>
         <p:nvPr/>
       </p:nvGrpSpPr>
@@ -1731,7 +1851,7 @@
           </a:xfrm>
           <a:prstGeom prst="diagStripe">
             <a:avLst>
-              <a:gd fmla="val 0" name="adj"/>
+              <a:gd name="adj" fmla="val 0"/>
             </a:avLst>
           </a:prstGeom>
           <a:solidFill>
@@ -1744,12 +1864,12 @@
           </a:ln>
         </p:spPr>
         <p:txBody>
-          <a:bodyPr anchorCtr="0" anchor="ctr" bIns="91425" lIns="91425" spcFirstLastPara="1" rIns="91425" wrap="square" tIns="91425">
+          <a:bodyPr spcFirstLastPara="1" wrap="square" lIns="91425" tIns="91425" rIns="91425" bIns="91425" anchor="ctr" anchorCtr="0">
             <a:noAutofit/>
           </a:bodyPr>
           <a:lstStyle/>
           <a:p>
-            <a:pPr indent="0" lvl="0" marL="0" rtl="0" algn="l">
+            <a:pPr marL="0" lvl="0" indent="0" algn="l" rtl="0">
               <a:spcBef>
                 <a:spcPts val="0"/>
               </a:spcBef>
@@ -1758,9 +1878,6 @@
               </a:spcAft>
               <a:buNone/>
             </a:pPr>
-            <a:r>
-              <a:t/>
-            </a:r>
             <a:endParaRPr/>
           </a:p>
         </p:txBody>
@@ -1792,7 +1909,7 @@
             </a:xfrm>
             <a:prstGeom prst="diagStripe">
               <a:avLst>
-                <a:gd fmla="val 50000" name="adj"/>
+                <a:gd name="adj" fmla="val 50000"/>
               </a:avLst>
             </a:prstGeom>
             <a:solidFill>
@@ -1805,12 +1922,12 @@
             </a:ln>
           </p:spPr>
           <p:txBody>
-            <a:bodyPr anchorCtr="0" anchor="ctr" bIns="91425" lIns="91425" spcFirstLastPara="1" rIns="91425" wrap="square" tIns="91425">
+            <a:bodyPr spcFirstLastPara="1" wrap="square" lIns="91425" tIns="91425" rIns="91425" bIns="91425" anchor="ctr" anchorCtr="0">
               <a:noAutofit/>
             </a:bodyPr>
             <a:lstStyle/>
             <a:p>
-              <a:pPr indent="0" lvl="0" marL="0" rtl="0" algn="l">
+              <a:pPr marL="0" lvl="0" indent="0" algn="l" rtl="0">
                 <a:spcBef>
                   <a:spcPts val="0"/>
                 </a:spcBef>
@@ -1819,9 +1936,6 @@
                 </a:spcAft>
                 <a:buNone/>
               </a:pPr>
-              <a:r>
-                <a:t/>
-              </a:r>
               <a:endParaRPr/>
             </a:p>
           </p:txBody>
@@ -1839,7 +1953,7 @@
             </a:xfrm>
             <a:prstGeom prst="diagStripe">
               <a:avLst>
-                <a:gd fmla="val 58774" name="adj"/>
+                <a:gd name="adj" fmla="val 58774"/>
               </a:avLst>
             </a:prstGeom>
             <a:solidFill>
@@ -1852,12 +1966,12 @@
             </a:ln>
           </p:spPr>
           <p:txBody>
-            <a:bodyPr anchorCtr="0" anchor="ctr" bIns="91425" lIns="91425" spcFirstLastPara="1" rIns="91425" wrap="square" tIns="91425">
+            <a:bodyPr spcFirstLastPara="1" wrap="square" lIns="91425" tIns="91425" rIns="91425" bIns="91425" anchor="ctr" anchorCtr="0">
               <a:noAutofit/>
             </a:bodyPr>
             <a:lstStyle/>
             <a:p>
-              <a:pPr indent="0" lvl="0" marL="0" rtl="0" algn="l">
+              <a:pPr marL="0" lvl="0" indent="0" algn="l" rtl="0">
                 <a:spcBef>
                   <a:spcPts val="0"/>
                 </a:spcBef>
@@ -1866,9 +1980,6 @@
                 </a:spcAft>
                 <a:buNone/>
               </a:pPr>
-              <a:r>
-                <a:t/>
-              </a:r>
               <a:endParaRPr/>
             </a:p>
           </p:txBody>
@@ -1886,7 +1997,7 @@
             </a:xfrm>
             <a:prstGeom prst="diagStripe">
               <a:avLst>
-                <a:gd fmla="val 50000" name="adj"/>
+                <a:gd name="adj" fmla="val 50000"/>
               </a:avLst>
             </a:prstGeom>
             <a:solidFill>
@@ -1897,12 +2008,12 @@
             </a:ln>
           </p:spPr>
           <p:txBody>
-            <a:bodyPr anchorCtr="0" anchor="ctr" bIns="91425" lIns="91425" spcFirstLastPara="1" rIns="91425" wrap="square" tIns="91425">
+            <a:bodyPr spcFirstLastPara="1" wrap="square" lIns="91425" tIns="91425" rIns="91425" bIns="91425" anchor="ctr" anchorCtr="0">
               <a:noAutofit/>
             </a:bodyPr>
             <a:lstStyle/>
             <a:p>
-              <a:pPr indent="0" lvl="0" marL="0" rtl="0" algn="l">
+              <a:pPr marL="0" lvl="0" indent="0" algn="l" rtl="0">
                 <a:spcBef>
                   <a:spcPts val="0"/>
                 </a:spcBef>
@@ -1911,9 +2022,6 @@
                 </a:spcAft>
                 <a:buNone/>
               </a:pPr>
-              <a:r>
-                <a:t/>
-              </a:r>
               <a:endParaRPr/>
             </a:p>
           </p:txBody>
@@ -1931,7 +2039,7 @@
             </a:xfrm>
             <a:prstGeom prst="diagStripe">
               <a:avLst>
-                <a:gd fmla="val 50000" name="adj"/>
+                <a:gd name="adj" fmla="val 50000"/>
               </a:avLst>
             </a:prstGeom>
             <a:solidFill>
@@ -1942,12 +2050,12 @@
             </a:ln>
           </p:spPr>
           <p:txBody>
-            <a:bodyPr anchorCtr="0" anchor="ctr" bIns="91425" lIns="91425" spcFirstLastPara="1" rIns="91425" wrap="square" tIns="91425">
+            <a:bodyPr spcFirstLastPara="1" wrap="square" lIns="91425" tIns="91425" rIns="91425" bIns="91425" anchor="ctr" anchorCtr="0">
               <a:noAutofit/>
             </a:bodyPr>
             <a:lstStyle/>
             <a:p>
-              <a:pPr indent="0" lvl="0" marL="0" rtl="0" algn="l">
+              <a:pPr marL="0" lvl="0" indent="0" algn="l" rtl="0">
                 <a:spcBef>
                   <a:spcPts val="0"/>
                 </a:spcBef>
@@ -1956,9 +2064,6 @@
                 </a:spcAft>
                 <a:buNone/>
               </a:pPr>
-              <a:r>
-                <a:t/>
-              </a:r>
               <a:endParaRPr/>
             </a:p>
           </p:txBody>
@@ -1967,7 +2072,9 @@
       <p:sp>
         <p:nvSpPr>
           <p:cNvPr id="16" name="Google Shape;16;p2"/>
-          <p:cNvSpPr txBox="1"/>
+          <p:cNvSpPr txBox="1">
+            <a:spLocks noGrp="1"/>
+          </p:cNvSpPr>
           <p:nvPr>
             <p:ph type="ctrTitle"/>
           </p:nvPr>
@@ -1982,7 +2089,7 @@
           </a:prstGeom>
         </p:spPr>
         <p:txBody>
-          <a:bodyPr anchorCtr="0" anchor="t" bIns="91425" lIns="91425" spcFirstLastPara="1" rIns="91425" wrap="square" tIns="91425">
+          <a:bodyPr spcFirstLastPara="1" wrap="square" lIns="91425" tIns="91425" rIns="91425" bIns="91425" anchor="t" anchorCtr="0">
             <a:noAutofit/>
           </a:bodyPr>
           <a:lstStyle>
@@ -2086,15 +2193,19 @@
               <a:defRPr sz="4000"/>
             </a:lvl9pPr>
           </a:lstStyle>
-          <a:p/>
+          <a:p>
+            <a:endParaRPr/>
+          </a:p>
         </p:txBody>
       </p:sp>
       <p:sp>
         <p:nvSpPr>
           <p:cNvPr id="17" name="Google Shape;17;p2"/>
-          <p:cNvSpPr txBox="1"/>
+          <p:cNvSpPr txBox="1">
+            <a:spLocks noGrp="1"/>
+          </p:cNvSpPr>
           <p:nvPr>
-            <p:ph idx="1" type="subTitle"/>
+            <p:ph type="subTitle" idx="1"/>
           </p:nvPr>
         </p:nvSpPr>
         <p:spPr>
@@ -2107,7 +2218,7 @@
           </a:prstGeom>
         </p:spPr>
         <p:txBody>
-          <a:bodyPr anchorCtr="0" anchor="t" bIns="91425" lIns="91425" spcFirstLastPara="1" rIns="91425" wrap="square" tIns="91425">
+          <a:bodyPr spcFirstLastPara="1" wrap="square" lIns="91425" tIns="91425" rIns="91425" bIns="91425" anchor="t" anchorCtr="0">
             <a:noAutofit/>
           </a:bodyPr>
           <a:lstStyle>
@@ -2238,15 +2349,19 @@
               <a:defRPr sz="1300"/>
             </a:lvl9pPr>
           </a:lstStyle>
-          <a:p/>
+          <a:p>
+            <a:endParaRPr/>
+          </a:p>
         </p:txBody>
       </p:sp>
       <p:sp>
         <p:nvSpPr>
           <p:cNvPr id="18" name="Google Shape;18;p2"/>
-          <p:cNvSpPr txBox="1"/>
+          <p:cNvSpPr txBox="1">
+            <a:spLocks noGrp="1"/>
+          </p:cNvSpPr>
           <p:nvPr>
-            <p:ph idx="12" type="sldNum"/>
+            <p:ph type="sldNum" idx="12"/>
           </p:nvPr>
         </p:nvSpPr>
         <p:spPr>
@@ -2259,7 +2374,7 @@
           </a:prstGeom>
         </p:spPr>
         <p:txBody>
-          <a:bodyPr anchorCtr="0" anchor="ctr" bIns="91425" lIns="91425" spcFirstLastPara="1" rIns="91425" wrap="square" tIns="91425">
+          <a:bodyPr spcFirstLastPara="1" wrap="square" lIns="91425" tIns="91425" rIns="91425" bIns="91425" anchor="ctr" anchorCtr="0">
             <a:noAutofit/>
           </a:bodyPr>
           <a:lstStyle>
@@ -2301,7 +2416,7 @@
             </a:lvl9pPr>
           </a:lstStyle>
           <a:p>
-            <a:pPr indent="0" lvl="0" marL="0" rtl="0" algn="r">
+            <a:pPr marL="0" lvl="0" indent="0" algn="r" rtl="0">
               <a:spcBef>
                 <a:spcPts val="0"/>
               </a:spcBef>
@@ -2327,11 +2442,11 @@
 </file>
 
 <file path=ppt/slideLayouts/slideLayout10.xml><?xml version="1.0" encoding="utf-8"?>
-<p:sldLayout xmlns:a="http://schemas.openxmlformats.org/drawingml/2006/main" xmlns:r="http://schemas.openxmlformats.org/officeDocument/2006/relationships" xmlns:mc="http://schemas.openxmlformats.org/markup-compatibility/2006" xmlns:mv="urn:schemas-microsoft-com:mac:vml" xmlns:p="http://schemas.openxmlformats.org/presentationml/2006/main" xmlns:c="http://schemas.openxmlformats.org/drawingml/2006/chart" xmlns:dgm="http://schemas.openxmlformats.org/drawingml/2006/diagram" xmlns:o="urn:schemas-microsoft-com:office:office" xmlns:v="urn:schemas-microsoft-com:vml" xmlns:pvml="urn:schemas-microsoft-com:office:powerpoint" xmlns:com="http://schemas.openxmlformats.org/drawingml/2006/compatibility" xmlns:p14="http://schemas.microsoft.com/office/powerpoint/2010/main" xmlns:p15="http://schemas.microsoft.com/office/powerpoint/2012/main" matchingName="Big number">
+<p:sldLayout xmlns:a="http://schemas.openxmlformats.org/drawingml/2006/main" xmlns:r="http://schemas.openxmlformats.org/officeDocument/2006/relationships" xmlns:p="http://schemas.openxmlformats.org/presentationml/2006/main" matchingName="Big number">
   <p:cSld name="BIG_NUMBER">
     <p:spTree>
       <p:nvGrpSpPr>
-        <p:cNvPr id="105" name="Shape 105"/>
+        <p:cNvPr id="1" name="Shape 105"/>
         <p:cNvGrpSpPr/>
         <p:nvPr/>
       </p:nvGrpSpPr>
@@ -2370,7 +2485,7 @@
             </a:xfrm>
             <a:prstGeom prst="diagStripe">
               <a:avLst>
-                <a:gd fmla="val 49469" name="adj"/>
+                <a:gd name="adj" fmla="val 49469"/>
               </a:avLst>
             </a:prstGeom>
             <a:solidFill>
@@ -2383,12 +2498,12 @@
             </a:ln>
           </p:spPr>
           <p:txBody>
-            <a:bodyPr anchorCtr="0" anchor="ctr" bIns="91425" lIns="91425" spcFirstLastPara="1" rIns="91425" wrap="square" tIns="91425">
+            <a:bodyPr spcFirstLastPara="1" wrap="square" lIns="91425" tIns="91425" rIns="91425" bIns="91425" anchor="ctr" anchorCtr="0">
               <a:noAutofit/>
             </a:bodyPr>
             <a:lstStyle/>
             <a:p>
-              <a:pPr indent="0" lvl="0" marL="0" rtl="0" algn="l">
+              <a:pPr marL="0" lvl="0" indent="0" algn="l" rtl="0">
                 <a:spcBef>
                   <a:spcPts val="0"/>
                 </a:spcBef>
@@ -2397,9 +2512,6 @@
                 </a:spcAft>
                 <a:buNone/>
               </a:pPr>
-              <a:r>
-                <a:t/>
-              </a:r>
               <a:endParaRPr/>
             </a:p>
           </p:txBody>
@@ -2417,7 +2529,7 @@
             </a:xfrm>
             <a:prstGeom prst="diagStripe">
               <a:avLst>
-                <a:gd fmla="val 0" name="adj"/>
+                <a:gd name="adj" fmla="val 0"/>
               </a:avLst>
             </a:prstGeom>
             <a:solidFill>
@@ -2430,12 +2542,12 @@
             </a:ln>
           </p:spPr>
           <p:txBody>
-            <a:bodyPr anchorCtr="0" anchor="ctr" bIns="91425" lIns="91425" spcFirstLastPara="1" rIns="91425" wrap="square" tIns="91425">
+            <a:bodyPr spcFirstLastPara="1" wrap="square" lIns="91425" tIns="91425" rIns="91425" bIns="91425" anchor="ctr" anchorCtr="0">
               <a:noAutofit/>
             </a:bodyPr>
             <a:lstStyle/>
             <a:p>
-              <a:pPr indent="0" lvl="0" marL="0" rtl="0" algn="l">
+              <a:pPr marL="0" lvl="0" indent="0" algn="l" rtl="0">
                 <a:spcBef>
                   <a:spcPts val="0"/>
                 </a:spcBef>
@@ -2444,9 +2556,6 @@
                 </a:spcAft>
                 <a:buNone/>
               </a:pPr>
-              <a:r>
-                <a:t/>
-              </a:r>
               <a:endParaRPr/>
             </a:p>
           </p:txBody>
@@ -2464,7 +2573,7 @@
             </a:xfrm>
             <a:prstGeom prst="diagStripe">
               <a:avLst>
-                <a:gd fmla="val 50000" name="adj"/>
+                <a:gd name="adj" fmla="val 50000"/>
               </a:avLst>
             </a:prstGeom>
             <a:solidFill>
@@ -2477,12 +2586,12 @@
             </a:ln>
           </p:spPr>
           <p:txBody>
-            <a:bodyPr anchorCtr="0" anchor="ctr" bIns="91425" lIns="91425" spcFirstLastPara="1" rIns="91425" wrap="square" tIns="91425">
+            <a:bodyPr spcFirstLastPara="1" wrap="square" lIns="91425" tIns="91425" rIns="91425" bIns="91425" anchor="ctr" anchorCtr="0">
               <a:noAutofit/>
             </a:bodyPr>
             <a:lstStyle/>
             <a:p>
-              <a:pPr indent="0" lvl="0" marL="0" rtl="0" algn="l">
+              <a:pPr marL="0" lvl="0" indent="0" algn="l" rtl="0">
                 <a:spcBef>
                   <a:spcPts val="0"/>
                 </a:spcBef>
@@ -2491,9 +2600,6 @@
                 </a:spcAft>
                 <a:buNone/>
               </a:pPr>
-              <a:r>
-                <a:t/>
-              </a:r>
               <a:endParaRPr/>
             </a:p>
           </p:txBody>
@@ -2511,7 +2617,7 @@
             </a:xfrm>
             <a:prstGeom prst="diagStripe">
               <a:avLst>
-                <a:gd fmla="val 50000" name="adj"/>
+                <a:gd name="adj" fmla="val 50000"/>
               </a:avLst>
             </a:prstGeom>
             <a:solidFill>
@@ -2524,12 +2630,12 @@
             </a:ln>
           </p:spPr>
           <p:txBody>
-            <a:bodyPr anchorCtr="0" anchor="ctr" bIns="91425" lIns="91425" spcFirstLastPara="1" rIns="91425" wrap="square" tIns="91425">
+            <a:bodyPr spcFirstLastPara="1" wrap="square" lIns="91425" tIns="91425" rIns="91425" bIns="91425" anchor="ctr" anchorCtr="0">
               <a:noAutofit/>
             </a:bodyPr>
             <a:lstStyle/>
             <a:p>
-              <a:pPr indent="0" lvl="0" marL="0" rtl="0" algn="l">
+              <a:pPr marL="0" lvl="0" indent="0" algn="l" rtl="0">
                 <a:spcBef>
                   <a:spcPts val="0"/>
                 </a:spcBef>
@@ -2538,9 +2644,6 @@
                 </a:spcAft>
                 <a:buNone/>
               </a:pPr>
-              <a:r>
-                <a:t/>
-              </a:r>
               <a:endParaRPr/>
             </a:p>
           </p:txBody>
@@ -2558,7 +2661,7 @@
             </a:xfrm>
             <a:prstGeom prst="diagStripe">
               <a:avLst>
-                <a:gd fmla="val 50000" name="adj"/>
+                <a:gd name="adj" fmla="val 50000"/>
               </a:avLst>
             </a:prstGeom>
             <a:solidFill>
@@ -2571,12 +2674,12 @@
             </a:ln>
           </p:spPr>
           <p:txBody>
-            <a:bodyPr anchorCtr="0" anchor="ctr" bIns="91425" lIns="91425" spcFirstLastPara="1" rIns="91425" wrap="square" tIns="91425">
+            <a:bodyPr spcFirstLastPara="1" wrap="square" lIns="91425" tIns="91425" rIns="91425" bIns="91425" anchor="ctr" anchorCtr="0">
               <a:noAutofit/>
             </a:bodyPr>
             <a:lstStyle/>
             <a:p>
-              <a:pPr indent="0" lvl="0" marL="0" rtl="0" algn="l">
+              <a:pPr marL="0" lvl="0" indent="0" algn="l" rtl="0">
                 <a:spcBef>
                   <a:spcPts val="0"/>
                 </a:spcBef>
@@ -2585,9 +2688,6 @@
                 </a:spcAft>
                 <a:buNone/>
               </a:pPr>
-              <a:r>
-                <a:t/>
-              </a:r>
               <a:endParaRPr/>
             </a:p>
           </p:txBody>
@@ -2605,7 +2705,7 @@
             </a:xfrm>
             <a:prstGeom prst="diagStripe">
               <a:avLst>
-                <a:gd fmla="val 50000" name="adj"/>
+                <a:gd name="adj" fmla="val 50000"/>
               </a:avLst>
             </a:prstGeom>
             <a:solidFill>
@@ -2618,12 +2718,12 @@
             </a:ln>
           </p:spPr>
           <p:txBody>
-            <a:bodyPr anchorCtr="0" anchor="ctr" bIns="91425" lIns="91425" spcFirstLastPara="1" rIns="91425" wrap="square" tIns="91425">
+            <a:bodyPr spcFirstLastPara="1" wrap="square" lIns="91425" tIns="91425" rIns="91425" bIns="91425" anchor="ctr" anchorCtr="0">
               <a:noAutofit/>
             </a:bodyPr>
             <a:lstStyle/>
             <a:p>
-              <a:pPr indent="0" lvl="0" marL="0" rtl="0" algn="l">
+              <a:pPr marL="0" lvl="0" indent="0" algn="l" rtl="0">
                 <a:spcBef>
                   <a:spcPts val="0"/>
                 </a:spcBef>
@@ -2632,9 +2732,6 @@
                 </a:spcAft>
                 <a:buNone/>
               </a:pPr>
-              <a:r>
-                <a:t/>
-              </a:r>
               <a:endParaRPr/>
             </a:p>
           </p:txBody>
@@ -2652,7 +2749,7 @@
             </a:xfrm>
             <a:prstGeom prst="diagStripe">
               <a:avLst>
-                <a:gd fmla="val 50000" name="adj"/>
+                <a:gd name="adj" fmla="val 50000"/>
               </a:avLst>
             </a:prstGeom>
             <a:solidFill>
@@ -2665,12 +2762,12 @@
             </a:ln>
           </p:spPr>
           <p:txBody>
-            <a:bodyPr anchorCtr="0" anchor="ctr" bIns="91425" lIns="91425" spcFirstLastPara="1" rIns="91425" wrap="square" tIns="91425">
+            <a:bodyPr spcFirstLastPara="1" wrap="square" lIns="91425" tIns="91425" rIns="91425" bIns="91425" anchor="ctr" anchorCtr="0">
               <a:noAutofit/>
             </a:bodyPr>
             <a:lstStyle/>
             <a:p>
-              <a:pPr indent="0" lvl="0" marL="0" rtl="0" algn="l">
+              <a:pPr marL="0" lvl="0" indent="0" algn="l" rtl="0">
                 <a:spcBef>
                   <a:spcPts val="0"/>
                 </a:spcBef>
@@ -2679,9 +2776,6 @@
                 </a:spcAft>
                 <a:buNone/>
               </a:pPr>
-              <a:r>
-                <a:t/>
-              </a:r>
               <a:endParaRPr/>
             </a:p>
           </p:txBody>
@@ -2699,7 +2793,7 @@
             </a:xfrm>
             <a:prstGeom prst="diagStripe">
               <a:avLst>
-                <a:gd fmla="val 50000" name="adj"/>
+                <a:gd name="adj" fmla="val 50000"/>
               </a:avLst>
             </a:prstGeom>
             <a:solidFill>
@@ -2710,12 +2804,12 @@
             </a:ln>
           </p:spPr>
           <p:txBody>
-            <a:bodyPr anchorCtr="0" anchor="ctr" bIns="91425" lIns="91425" spcFirstLastPara="1" rIns="91425" wrap="square" tIns="91425">
+            <a:bodyPr spcFirstLastPara="1" wrap="square" lIns="91425" tIns="91425" rIns="91425" bIns="91425" anchor="ctr" anchorCtr="0">
               <a:noAutofit/>
             </a:bodyPr>
             <a:lstStyle/>
             <a:p>
-              <a:pPr indent="0" lvl="0" marL="0" rtl="0" algn="l">
+              <a:pPr marL="0" lvl="0" indent="0" algn="l" rtl="0">
                 <a:spcBef>
                   <a:spcPts val="0"/>
                 </a:spcBef>
@@ -2724,9 +2818,6 @@
                 </a:spcAft>
                 <a:buNone/>
               </a:pPr>
-              <a:r>
-                <a:t/>
-              </a:r>
               <a:endParaRPr/>
             </a:p>
           </p:txBody>
@@ -2744,7 +2835,7 @@
             </a:xfrm>
             <a:prstGeom prst="diagStripe">
               <a:avLst>
-                <a:gd fmla="val 50000" name="adj"/>
+                <a:gd name="adj" fmla="val 50000"/>
               </a:avLst>
             </a:prstGeom>
             <a:solidFill>
@@ -2757,12 +2848,12 @@
             </a:ln>
           </p:spPr>
           <p:txBody>
-            <a:bodyPr anchorCtr="0" anchor="ctr" bIns="91425" lIns="91425" spcFirstLastPara="1" rIns="91425" wrap="square" tIns="91425">
+            <a:bodyPr spcFirstLastPara="1" wrap="square" lIns="91425" tIns="91425" rIns="91425" bIns="91425" anchor="ctr" anchorCtr="0">
               <a:noAutofit/>
             </a:bodyPr>
             <a:lstStyle/>
             <a:p>
-              <a:pPr indent="0" lvl="0" marL="0" rtl="0" algn="l">
+              <a:pPr marL="0" lvl="0" indent="0" algn="l" rtl="0">
                 <a:spcBef>
                   <a:spcPts val="0"/>
                 </a:spcBef>
@@ -2771,9 +2862,6 @@
                 </a:spcAft>
                 <a:buNone/>
               </a:pPr>
-              <a:r>
-                <a:t/>
-              </a:r>
               <a:endParaRPr/>
             </a:p>
           </p:txBody>
@@ -2791,7 +2879,7 @@
             </a:xfrm>
             <a:prstGeom prst="diagStripe">
               <a:avLst>
-                <a:gd fmla="val 50000" name="adj"/>
+                <a:gd name="adj" fmla="val 50000"/>
               </a:avLst>
             </a:prstGeom>
             <a:solidFill>
@@ -2804,12 +2892,12 @@
             </a:ln>
           </p:spPr>
           <p:txBody>
-            <a:bodyPr anchorCtr="0" anchor="ctr" bIns="91425" lIns="91425" spcFirstLastPara="1" rIns="91425" wrap="square" tIns="91425">
+            <a:bodyPr spcFirstLastPara="1" wrap="square" lIns="91425" tIns="91425" rIns="91425" bIns="91425" anchor="ctr" anchorCtr="0">
               <a:noAutofit/>
             </a:bodyPr>
             <a:lstStyle/>
             <a:p>
-              <a:pPr indent="0" lvl="0" marL="0" rtl="0" algn="l">
+              <a:pPr marL="0" lvl="0" indent="0" algn="l" rtl="0">
                 <a:spcBef>
                   <a:spcPts val="0"/>
                 </a:spcBef>
@@ -2818,9 +2906,6 @@
                 </a:spcAft>
                 <a:buNone/>
               </a:pPr>
-              <a:r>
-                <a:t/>
-              </a:r>
               <a:endParaRPr/>
             </a:p>
           </p:txBody>
@@ -2838,7 +2923,7 @@
             </a:xfrm>
             <a:prstGeom prst="diagStripe">
               <a:avLst>
-                <a:gd fmla="val 50000" name="adj"/>
+                <a:gd name="adj" fmla="val 50000"/>
               </a:avLst>
             </a:prstGeom>
             <a:solidFill>
@@ -2851,12 +2936,12 @@
             </a:ln>
           </p:spPr>
           <p:txBody>
-            <a:bodyPr anchorCtr="0" anchor="ctr" bIns="91425" lIns="91425" spcFirstLastPara="1" rIns="91425" wrap="square" tIns="91425">
+            <a:bodyPr spcFirstLastPara="1" wrap="square" lIns="91425" tIns="91425" rIns="91425" bIns="91425" anchor="ctr" anchorCtr="0">
               <a:noAutofit/>
             </a:bodyPr>
             <a:lstStyle/>
             <a:p>
-              <a:pPr indent="0" lvl="0" marL="0" rtl="0" algn="l">
+              <a:pPr marL="0" lvl="0" indent="0" algn="l" rtl="0">
                 <a:spcBef>
                   <a:spcPts val="0"/>
                 </a:spcBef>
@@ -2865,9 +2950,6 @@
                 </a:spcAft>
                 <a:buNone/>
               </a:pPr>
-              <a:r>
-                <a:t/>
-              </a:r>
               <a:endParaRPr/>
             </a:p>
           </p:txBody>
@@ -2885,7 +2967,7 @@
             </a:xfrm>
             <a:prstGeom prst="diagStripe">
               <a:avLst>
-                <a:gd fmla="val 50000" name="adj"/>
+                <a:gd name="adj" fmla="val 50000"/>
               </a:avLst>
             </a:prstGeom>
             <a:solidFill>
@@ -2898,12 +2980,12 @@
             </a:ln>
           </p:spPr>
           <p:txBody>
-            <a:bodyPr anchorCtr="0" anchor="ctr" bIns="91425" lIns="91425" spcFirstLastPara="1" rIns="91425" wrap="square" tIns="91425">
+            <a:bodyPr spcFirstLastPara="1" wrap="square" lIns="91425" tIns="91425" rIns="91425" bIns="91425" anchor="ctr" anchorCtr="0">
               <a:noAutofit/>
             </a:bodyPr>
             <a:lstStyle/>
             <a:p>
-              <a:pPr indent="0" lvl="0" marL="0" rtl="0" algn="l">
+              <a:pPr marL="0" lvl="0" indent="0" algn="l" rtl="0">
                 <a:spcBef>
                   <a:spcPts val="0"/>
                 </a:spcBef>
@@ -2912,9 +2994,6 @@
                 </a:spcAft>
                 <a:buNone/>
               </a:pPr>
-              <a:r>
-                <a:t/>
-              </a:r>
               <a:endParaRPr/>
             </a:p>
           </p:txBody>
@@ -2932,7 +3011,7 @@
             </a:xfrm>
             <a:prstGeom prst="diagStripe">
               <a:avLst>
-                <a:gd fmla="val 50000" name="adj"/>
+                <a:gd name="adj" fmla="val 50000"/>
               </a:avLst>
             </a:prstGeom>
             <a:solidFill>
@@ -2945,12 +3024,12 @@
             </a:ln>
           </p:spPr>
           <p:txBody>
-            <a:bodyPr anchorCtr="0" anchor="ctr" bIns="91425" lIns="91425" spcFirstLastPara="1" rIns="91425" wrap="square" tIns="91425">
+            <a:bodyPr spcFirstLastPara="1" wrap="square" lIns="91425" tIns="91425" rIns="91425" bIns="91425" anchor="ctr" anchorCtr="0">
               <a:noAutofit/>
             </a:bodyPr>
             <a:lstStyle/>
             <a:p>
-              <a:pPr indent="0" lvl="0" marL="0" rtl="0" algn="l">
+              <a:pPr marL="0" lvl="0" indent="0" algn="l" rtl="0">
                 <a:spcBef>
                   <a:spcPts val="0"/>
                 </a:spcBef>
@@ -2959,9 +3038,6 @@
                 </a:spcAft>
                 <a:buNone/>
               </a:pPr>
-              <a:r>
-                <a:t/>
-              </a:r>
               <a:endParaRPr/>
             </a:p>
           </p:txBody>
@@ -2979,7 +3055,7 @@
             </a:xfrm>
             <a:prstGeom prst="diagStripe">
               <a:avLst>
-                <a:gd fmla="val 50000" name="adj"/>
+                <a:gd name="adj" fmla="val 50000"/>
               </a:avLst>
             </a:prstGeom>
             <a:solidFill>
@@ -2990,12 +3066,12 @@
             </a:ln>
           </p:spPr>
           <p:txBody>
-            <a:bodyPr anchorCtr="0" anchor="ctr" bIns="91425" lIns="91425" spcFirstLastPara="1" rIns="91425" wrap="square" tIns="91425">
+            <a:bodyPr spcFirstLastPara="1" wrap="square" lIns="91425" tIns="91425" rIns="91425" bIns="91425" anchor="ctr" anchorCtr="0">
               <a:noAutofit/>
             </a:bodyPr>
             <a:lstStyle/>
             <a:p>
-              <a:pPr indent="0" lvl="0" marL="0" rtl="0" algn="l">
+              <a:pPr marL="0" lvl="0" indent="0" algn="l" rtl="0">
                 <a:spcBef>
                   <a:spcPts val="0"/>
                 </a:spcBef>
@@ -3004,9 +3080,6 @@
                 </a:spcAft>
                 <a:buNone/>
               </a:pPr>
-              <a:r>
-                <a:t/>
-              </a:r>
               <a:endParaRPr/>
             </a:p>
           </p:txBody>
@@ -3024,7 +3097,7 @@
             </a:xfrm>
             <a:prstGeom prst="diagStripe">
               <a:avLst>
-                <a:gd fmla="val 50000" name="adj"/>
+                <a:gd name="adj" fmla="val 50000"/>
               </a:avLst>
             </a:prstGeom>
             <a:solidFill>
@@ -3037,12 +3110,12 @@
             </a:ln>
           </p:spPr>
           <p:txBody>
-            <a:bodyPr anchorCtr="0" anchor="ctr" bIns="91425" lIns="91425" spcFirstLastPara="1" rIns="91425" wrap="square" tIns="91425">
+            <a:bodyPr spcFirstLastPara="1" wrap="square" lIns="91425" tIns="91425" rIns="91425" bIns="91425" anchor="ctr" anchorCtr="0">
               <a:noAutofit/>
             </a:bodyPr>
             <a:lstStyle/>
             <a:p>
-              <a:pPr indent="0" lvl="0" marL="0" rtl="0" algn="l">
+              <a:pPr marL="0" lvl="0" indent="0" algn="l" rtl="0">
                 <a:spcBef>
                   <a:spcPts val="0"/>
                 </a:spcBef>
@@ -3051,9 +3124,6 @@
                 </a:spcAft>
                 <a:buNone/>
               </a:pPr>
-              <a:r>
-                <a:t/>
-              </a:r>
               <a:endParaRPr/>
             </a:p>
           </p:txBody>
@@ -3071,7 +3141,7 @@
             </a:xfrm>
             <a:prstGeom prst="diagStripe">
               <a:avLst>
-                <a:gd fmla="val 50000" name="adj"/>
+                <a:gd name="adj" fmla="val 50000"/>
               </a:avLst>
             </a:prstGeom>
             <a:solidFill>
@@ -3084,12 +3154,12 @@
             </a:ln>
           </p:spPr>
           <p:txBody>
-            <a:bodyPr anchorCtr="0" anchor="ctr" bIns="91425" lIns="91425" spcFirstLastPara="1" rIns="91425" wrap="square" tIns="91425">
+            <a:bodyPr spcFirstLastPara="1" wrap="square" lIns="91425" tIns="91425" rIns="91425" bIns="91425" anchor="ctr" anchorCtr="0">
               <a:noAutofit/>
             </a:bodyPr>
             <a:lstStyle/>
             <a:p>
-              <a:pPr indent="0" lvl="0" marL="0" rtl="0" algn="l">
+              <a:pPr marL="0" lvl="0" indent="0" algn="l" rtl="0">
                 <a:spcBef>
                   <a:spcPts val="0"/>
                 </a:spcBef>
@@ -3098,9 +3168,6 @@
                 </a:spcAft>
                 <a:buNone/>
               </a:pPr>
-              <a:r>
-                <a:t/>
-              </a:r>
               <a:endParaRPr/>
             </a:p>
           </p:txBody>
@@ -3118,7 +3185,7 @@
             </a:xfrm>
             <a:prstGeom prst="diagStripe">
               <a:avLst>
-                <a:gd fmla="val 50000" name="adj"/>
+                <a:gd name="adj" fmla="val 50000"/>
               </a:avLst>
             </a:prstGeom>
             <a:solidFill>
@@ -3131,12 +3198,12 @@
             </a:ln>
           </p:spPr>
           <p:txBody>
-            <a:bodyPr anchorCtr="0" anchor="ctr" bIns="91425" lIns="91425" spcFirstLastPara="1" rIns="91425" wrap="square" tIns="91425">
+            <a:bodyPr spcFirstLastPara="1" wrap="square" lIns="91425" tIns="91425" rIns="91425" bIns="91425" anchor="ctr" anchorCtr="0">
               <a:noAutofit/>
             </a:bodyPr>
             <a:lstStyle/>
             <a:p>
-              <a:pPr indent="0" lvl="0" marL="0" rtl="0" algn="l">
+              <a:pPr marL="0" lvl="0" indent="0" algn="l" rtl="0">
                 <a:spcBef>
                   <a:spcPts val="0"/>
                 </a:spcBef>
@@ -3145,9 +3212,6 @@
                 </a:spcAft>
                 <a:buNone/>
               </a:pPr>
-              <a:r>
-                <a:t/>
-              </a:r>
               <a:endParaRPr/>
             </a:p>
           </p:txBody>
@@ -3165,7 +3229,7 @@
             </a:xfrm>
             <a:prstGeom prst="diagStripe">
               <a:avLst>
-                <a:gd fmla="val 50000" name="adj"/>
+                <a:gd name="adj" fmla="val 50000"/>
               </a:avLst>
             </a:prstGeom>
             <a:solidFill>
@@ -3178,12 +3242,12 @@
             </a:ln>
           </p:spPr>
           <p:txBody>
-            <a:bodyPr anchorCtr="0" anchor="ctr" bIns="91425" lIns="91425" spcFirstLastPara="1" rIns="91425" wrap="square" tIns="91425">
+            <a:bodyPr spcFirstLastPara="1" wrap="square" lIns="91425" tIns="91425" rIns="91425" bIns="91425" anchor="ctr" anchorCtr="0">
               <a:noAutofit/>
             </a:bodyPr>
             <a:lstStyle/>
             <a:p>
-              <a:pPr indent="0" lvl="0" marL="0" rtl="0" algn="l">
+              <a:pPr marL="0" lvl="0" indent="0" algn="l" rtl="0">
                 <a:spcBef>
                   <a:spcPts val="0"/>
                 </a:spcBef>
@@ -3192,9 +3256,6 @@
                 </a:spcAft>
                 <a:buNone/>
               </a:pPr>
-              <a:r>
-                <a:t/>
-              </a:r>
               <a:endParaRPr/>
             </a:p>
           </p:txBody>
@@ -3203,9 +3264,11 @@
       <p:sp>
         <p:nvSpPr>
           <p:cNvPr id="125" name="Google Shape;125;p11"/>
-          <p:cNvSpPr txBox="1"/>
+          <p:cNvSpPr txBox="1">
+            <a:spLocks noGrp="1"/>
+          </p:cNvSpPr>
           <p:nvPr>
-            <p:ph hasCustomPrompt="1" type="title"/>
+            <p:ph type="title" hasCustomPrompt="1"/>
           </p:nvPr>
         </p:nvSpPr>
         <p:spPr>
@@ -3218,7 +3281,7 @@
           </a:prstGeom>
         </p:spPr>
         <p:txBody>
-          <a:bodyPr anchorCtr="0" anchor="t" bIns="91425" lIns="91425" spcFirstLastPara="1" rIns="91425" wrap="square" tIns="91425">
+          <a:bodyPr spcFirstLastPara="1" wrap="square" lIns="91425" tIns="91425" rIns="91425" bIns="91425" anchor="t" anchorCtr="0">
             <a:noAutofit/>
           </a:bodyPr>
           <a:lstStyle>
@@ -3332,9 +3395,11 @@
       <p:sp>
         <p:nvSpPr>
           <p:cNvPr id="126" name="Google Shape;126;p11"/>
-          <p:cNvSpPr txBox="1"/>
+          <p:cNvSpPr txBox="1">
+            <a:spLocks noGrp="1"/>
+          </p:cNvSpPr>
           <p:nvPr>
-            <p:ph idx="1" type="body"/>
+            <p:ph type="body" idx="1"/>
           </p:nvPr>
         </p:nvSpPr>
         <p:spPr>
@@ -3347,11 +3412,11 @@
           </a:prstGeom>
         </p:spPr>
         <p:txBody>
-          <a:bodyPr anchorCtr="0" anchor="t" bIns="91425" lIns="91425" spcFirstLastPara="1" rIns="91425" wrap="square" tIns="91425">
+          <a:bodyPr spcFirstLastPara="1" wrap="square" lIns="91425" tIns="91425" rIns="91425" bIns="91425" anchor="t" anchorCtr="0">
             <a:noAutofit/>
           </a:bodyPr>
           <a:lstStyle>
-            <a:lvl1pPr indent="-311150" lvl="0" marL="457200">
+            <a:lvl1pPr marL="457200" lvl="0" indent="-311150">
               <a:spcBef>
                 <a:spcPts val="0"/>
               </a:spcBef>
@@ -3362,7 +3427,7 @@
               <a:buChar char="●"/>
               <a:defRPr/>
             </a:lvl1pPr>
-            <a:lvl2pPr indent="-298450" lvl="1" marL="914400">
+            <a:lvl2pPr marL="914400" lvl="1" indent="-298450">
               <a:spcBef>
                 <a:spcPts val="1600"/>
               </a:spcBef>
@@ -3373,7 +3438,7 @@
               <a:buChar char="○"/>
               <a:defRPr/>
             </a:lvl2pPr>
-            <a:lvl3pPr indent="-298450" lvl="2" marL="1371600">
+            <a:lvl3pPr marL="1371600" lvl="2" indent="-298450">
               <a:spcBef>
                 <a:spcPts val="1600"/>
               </a:spcBef>
@@ -3384,7 +3449,7 @@
               <a:buChar char="■"/>
               <a:defRPr/>
             </a:lvl3pPr>
-            <a:lvl4pPr indent="-298450" lvl="3" marL="1828800">
+            <a:lvl4pPr marL="1828800" lvl="3" indent="-298450">
               <a:spcBef>
                 <a:spcPts val="1600"/>
               </a:spcBef>
@@ -3395,7 +3460,7 @@
               <a:buChar char="●"/>
               <a:defRPr/>
             </a:lvl4pPr>
-            <a:lvl5pPr indent="-298450" lvl="4" marL="2286000">
+            <a:lvl5pPr marL="2286000" lvl="4" indent="-298450">
               <a:spcBef>
                 <a:spcPts val="1600"/>
               </a:spcBef>
@@ -3406,7 +3471,7 @@
               <a:buChar char="○"/>
               <a:defRPr/>
             </a:lvl5pPr>
-            <a:lvl6pPr indent="-298450" lvl="5" marL="2743200">
+            <a:lvl6pPr marL="2743200" lvl="5" indent="-298450">
               <a:spcBef>
                 <a:spcPts val="1600"/>
               </a:spcBef>
@@ -3417,7 +3482,7 @@
               <a:buChar char="■"/>
               <a:defRPr/>
             </a:lvl6pPr>
-            <a:lvl7pPr indent="-298450" lvl="6" marL="3200400">
+            <a:lvl7pPr marL="3200400" lvl="6" indent="-298450">
               <a:spcBef>
                 <a:spcPts val="1600"/>
               </a:spcBef>
@@ -3428,7 +3493,7 @@
               <a:buChar char="●"/>
               <a:defRPr/>
             </a:lvl7pPr>
-            <a:lvl8pPr indent="-298450" lvl="7" marL="3657600">
+            <a:lvl8pPr marL="3657600" lvl="7" indent="-298450">
               <a:spcBef>
                 <a:spcPts val="1600"/>
               </a:spcBef>
@@ -3439,7 +3504,7 @@
               <a:buChar char="○"/>
               <a:defRPr/>
             </a:lvl8pPr>
-            <a:lvl9pPr indent="-298450" lvl="8" marL="4114800">
+            <a:lvl9pPr marL="4114800" lvl="8" indent="-298450">
               <a:spcBef>
                 <a:spcPts val="1600"/>
               </a:spcBef>
@@ -3451,15 +3516,19 @@
               <a:defRPr/>
             </a:lvl9pPr>
           </a:lstStyle>
-          <a:p/>
+          <a:p>
+            <a:endParaRPr/>
+          </a:p>
         </p:txBody>
       </p:sp>
       <p:sp>
         <p:nvSpPr>
           <p:cNvPr id="127" name="Google Shape;127;p11"/>
-          <p:cNvSpPr txBox="1"/>
+          <p:cNvSpPr txBox="1">
+            <a:spLocks noGrp="1"/>
+          </p:cNvSpPr>
           <p:nvPr>
-            <p:ph idx="12" type="sldNum"/>
+            <p:ph type="sldNum" idx="12"/>
           </p:nvPr>
         </p:nvSpPr>
         <p:spPr>
@@ -3472,7 +3541,7 @@
           </a:prstGeom>
         </p:spPr>
         <p:txBody>
-          <a:bodyPr anchorCtr="0" anchor="ctr" bIns="91425" lIns="91425" spcFirstLastPara="1" rIns="91425" wrap="square" tIns="91425">
+          <a:bodyPr spcFirstLastPara="1" wrap="square" lIns="91425" tIns="91425" rIns="91425" bIns="91425" anchor="ctr" anchorCtr="0">
             <a:noAutofit/>
           </a:bodyPr>
           <a:lstStyle>
@@ -3514,7 +3583,7 @@
             </a:lvl9pPr>
           </a:lstStyle>
           <a:p>
-            <a:pPr indent="0" lvl="0" marL="0" rtl="0" algn="r">
+            <a:pPr marL="0" lvl="0" indent="0" algn="r" rtl="0">
               <a:spcBef>
                 <a:spcPts val="0"/>
               </a:spcBef>
@@ -3540,11 +3609,11 @@
 </file>
 
 <file path=ppt/slideLayouts/slideLayout11.xml><?xml version="1.0" encoding="utf-8"?>
-<p:sldLayout xmlns:a="http://schemas.openxmlformats.org/drawingml/2006/main" xmlns:r="http://schemas.openxmlformats.org/officeDocument/2006/relationships" xmlns:mc="http://schemas.openxmlformats.org/markup-compatibility/2006" xmlns:mv="urn:schemas-microsoft-com:mac:vml" xmlns:p="http://schemas.openxmlformats.org/presentationml/2006/main" xmlns:c="http://schemas.openxmlformats.org/drawingml/2006/chart" xmlns:dgm="http://schemas.openxmlformats.org/drawingml/2006/diagram" xmlns:o="urn:schemas-microsoft-com:office:office" xmlns:v="urn:schemas-microsoft-com:vml" xmlns:pvml="urn:schemas-microsoft-com:office:powerpoint" xmlns:com="http://schemas.openxmlformats.org/drawingml/2006/compatibility" xmlns:p14="http://schemas.microsoft.com/office/powerpoint/2010/main" xmlns:p15="http://schemas.microsoft.com/office/powerpoint/2012/main" matchingName="Blank" type="blank">
+<p:sldLayout xmlns:a="http://schemas.openxmlformats.org/drawingml/2006/main" xmlns:r="http://schemas.openxmlformats.org/officeDocument/2006/relationships" xmlns:p="http://schemas.openxmlformats.org/presentationml/2006/main" matchingName="Blank" type="blank">
   <p:cSld name="BLANK">
     <p:spTree>
       <p:nvGrpSpPr>
-        <p:cNvPr id="128" name="Shape 128"/>
+        <p:cNvPr id="1" name="Shape 128"/>
         <p:cNvGrpSpPr/>
         <p:nvPr/>
       </p:nvGrpSpPr>
@@ -3559,9 +3628,11 @@
       <p:sp>
         <p:nvSpPr>
           <p:cNvPr id="129" name="Google Shape;129;p12"/>
-          <p:cNvSpPr txBox="1"/>
+          <p:cNvSpPr txBox="1">
+            <a:spLocks noGrp="1"/>
+          </p:cNvSpPr>
           <p:nvPr>
-            <p:ph idx="12" type="sldNum"/>
+            <p:ph type="sldNum" idx="12"/>
           </p:nvPr>
         </p:nvSpPr>
         <p:spPr>
@@ -3574,7 +3645,7 @@
           </a:prstGeom>
         </p:spPr>
         <p:txBody>
-          <a:bodyPr anchorCtr="0" anchor="ctr" bIns="91425" lIns="91425" spcFirstLastPara="1" rIns="91425" wrap="square" tIns="91425">
+          <a:bodyPr spcFirstLastPara="1" wrap="square" lIns="91425" tIns="91425" rIns="91425" bIns="91425" anchor="ctr" anchorCtr="0">
             <a:noAutofit/>
           </a:bodyPr>
           <a:lstStyle>
@@ -3616,7 +3687,7 @@
             </a:lvl9pPr>
           </a:lstStyle>
           <a:p>
-            <a:pPr indent="0" lvl="0" marL="0" rtl="0" algn="r">
+            <a:pPr marL="0" lvl="0" indent="0" algn="r" rtl="0">
               <a:spcBef>
                 <a:spcPts val="0"/>
               </a:spcBef>
@@ -3642,11 +3713,11 @@
 </file>
 
 <file path=ppt/slideLayouts/slideLayout2.xml><?xml version="1.0" encoding="utf-8"?>
-<p:sldLayout xmlns:a="http://schemas.openxmlformats.org/drawingml/2006/main" xmlns:r="http://schemas.openxmlformats.org/officeDocument/2006/relationships" xmlns:mc="http://schemas.openxmlformats.org/markup-compatibility/2006" xmlns:mv="urn:schemas-microsoft-com:mac:vml" xmlns:p="http://schemas.openxmlformats.org/presentationml/2006/main" xmlns:c="http://schemas.openxmlformats.org/drawingml/2006/chart" xmlns:dgm="http://schemas.openxmlformats.org/drawingml/2006/diagram" xmlns:o="urn:schemas-microsoft-com:office:office" xmlns:v="urn:schemas-microsoft-com:vml" xmlns:pvml="urn:schemas-microsoft-com:office:powerpoint" xmlns:com="http://schemas.openxmlformats.org/drawingml/2006/compatibility" xmlns:p14="http://schemas.microsoft.com/office/powerpoint/2010/main" xmlns:p15="http://schemas.microsoft.com/office/powerpoint/2012/main" matchingName="Section header" type="secHead">
+<p:sldLayout xmlns:a="http://schemas.openxmlformats.org/drawingml/2006/main" xmlns:r="http://schemas.openxmlformats.org/officeDocument/2006/relationships" xmlns:p="http://schemas.openxmlformats.org/presentationml/2006/main" matchingName="Section header" type="secHead">
   <p:cSld name="SECTION_HEADER">
     <p:spTree>
       <p:nvGrpSpPr>
-        <p:cNvPr id="19" name="Shape 19"/>
+        <p:cNvPr id="1" name="Shape 19"/>
         <p:cNvGrpSpPr/>
         <p:nvPr/>
       </p:nvGrpSpPr>
@@ -3685,7 +3756,7 @@
             </a:xfrm>
             <a:prstGeom prst="diagStripe">
               <a:avLst>
-                <a:gd fmla="val 49469" name="adj"/>
+                <a:gd name="adj" fmla="val 49469"/>
               </a:avLst>
             </a:prstGeom>
             <a:solidFill>
@@ -3698,12 +3769,12 @@
             </a:ln>
           </p:spPr>
           <p:txBody>
-            <a:bodyPr anchorCtr="0" anchor="ctr" bIns="91425" lIns="91425" spcFirstLastPara="1" rIns="91425" wrap="square" tIns="91425">
+            <a:bodyPr spcFirstLastPara="1" wrap="square" lIns="91425" tIns="91425" rIns="91425" bIns="91425" anchor="ctr" anchorCtr="0">
               <a:noAutofit/>
             </a:bodyPr>
             <a:lstStyle/>
             <a:p>
-              <a:pPr indent="0" lvl="0" marL="0" rtl="0" algn="l">
+              <a:pPr marL="0" lvl="0" indent="0" algn="l" rtl="0">
                 <a:spcBef>
                   <a:spcPts val="0"/>
                 </a:spcBef>
@@ -3712,9 +3783,6 @@
                 </a:spcAft>
                 <a:buNone/>
               </a:pPr>
-              <a:r>
-                <a:t/>
-              </a:r>
               <a:endParaRPr/>
             </a:p>
           </p:txBody>
@@ -3732,7 +3800,7 @@
             </a:xfrm>
             <a:prstGeom prst="diagStripe">
               <a:avLst>
-                <a:gd fmla="val 0" name="adj"/>
+                <a:gd name="adj" fmla="val 0"/>
               </a:avLst>
             </a:prstGeom>
             <a:solidFill>
@@ -3745,12 +3813,12 @@
             </a:ln>
           </p:spPr>
           <p:txBody>
-            <a:bodyPr anchorCtr="0" anchor="ctr" bIns="91425" lIns="91425" spcFirstLastPara="1" rIns="91425" wrap="square" tIns="91425">
+            <a:bodyPr spcFirstLastPara="1" wrap="square" lIns="91425" tIns="91425" rIns="91425" bIns="91425" anchor="ctr" anchorCtr="0">
               <a:noAutofit/>
             </a:bodyPr>
             <a:lstStyle/>
             <a:p>
-              <a:pPr indent="0" lvl="0" marL="0" rtl="0" algn="l">
+              <a:pPr marL="0" lvl="0" indent="0" algn="l" rtl="0">
                 <a:spcBef>
                   <a:spcPts val="0"/>
                 </a:spcBef>
@@ -3759,9 +3827,6 @@
                 </a:spcAft>
                 <a:buNone/>
               </a:pPr>
-              <a:r>
-                <a:t/>
-              </a:r>
               <a:endParaRPr/>
             </a:p>
           </p:txBody>
@@ -3779,7 +3844,7 @@
             </a:xfrm>
             <a:prstGeom prst="diagStripe">
               <a:avLst>
-                <a:gd fmla="val 50000" name="adj"/>
+                <a:gd name="adj" fmla="val 50000"/>
               </a:avLst>
             </a:prstGeom>
             <a:solidFill>
@@ -3792,12 +3857,12 @@
             </a:ln>
           </p:spPr>
           <p:txBody>
-            <a:bodyPr anchorCtr="0" anchor="ctr" bIns="91425" lIns="91425" spcFirstLastPara="1" rIns="91425" wrap="square" tIns="91425">
+            <a:bodyPr spcFirstLastPara="1" wrap="square" lIns="91425" tIns="91425" rIns="91425" bIns="91425" anchor="ctr" anchorCtr="0">
               <a:noAutofit/>
             </a:bodyPr>
             <a:lstStyle/>
             <a:p>
-              <a:pPr indent="0" lvl="0" marL="0" rtl="0" algn="l">
+              <a:pPr marL="0" lvl="0" indent="0" algn="l" rtl="0">
                 <a:spcBef>
                   <a:spcPts val="0"/>
                 </a:spcBef>
@@ -3806,9 +3871,6 @@
                 </a:spcAft>
                 <a:buNone/>
               </a:pPr>
-              <a:r>
-                <a:t/>
-              </a:r>
               <a:endParaRPr/>
             </a:p>
           </p:txBody>
@@ -3826,7 +3888,7 @@
             </a:xfrm>
             <a:prstGeom prst="diagStripe">
               <a:avLst>
-                <a:gd fmla="val 50000" name="adj"/>
+                <a:gd name="adj" fmla="val 50000"/>
               </a:avLst>
             </a:prstGeom>
             <a:solidFill>
@@ -3839,12 +3901,12 @@
             </a:ln>
           </p:spPr>
           <p:txBody>
-            <a:bodyPr anchorCtr="0" anchor="ctr" bIns="91425" lIns="91425" spcFirstLastPara="1" rIns="91425" wrap="square" tIns="91425">
+            <a:bodyPr spcFirstLastPara="1" wrap="square" lIns="91425" tIns="91425" rIns="91425" bIns="91425" anchor="ctr" anchorCtr="0">
               <a:noAutofit/>
             </a:bodyPr>
             <a:lstStyle/>
             <a:p>
-              <a:pPr indent="0" lvl="0" marL="0" rtl="0" algn="l">
+              <a:pPr marL="0" lvl="0" indent="0" algn="l" rtl="0">
                 <a:spcBef>
                   <a:spcPts val="0"/>
                 </a:spcBef>
@@ -3853,9 +3915,6 @@
                 </a:spcAft>
                 <a:buNone/>
               </a:pPr>
-              <a:r>
-                <a:t/>
-              </a:r>
               <a:endParaRPr/>
             </a:p>
           </p:txBody>
@@ -3873,7 +3932,7 @@
             </a:xfrm>
             <a:prstGeom prst="diagStripe">
               <a:avLst>
-                <a:gd fmla="val 50000" name="adj"/>
+                <a:gd name="adj" fmla="val 50000"/>
               </a:avLst>
             </a:prstGeom>
             <a:solidFill>
@@ -3886,12 +3945,12 @@
             </a:ln>
           </p:spPr>
           <p:txBody>
-            <a:bodyPr anchorCtr="0" anchor="ctr" bIns="91425" lIns="91425" spcFirstLastPara="1" rIns="91425" wrap="square" tIns="91425">
+            <a:bodyPr spcFirstLastPara="1" wrap="square" lIns="91425" tIns="91425" rIns="91425" bIns="91425" anchor="ctr" anchorCtr="0">
               <a:noAutofit/>
             </a:bodyPr>
             <a:lstStyle/>
             <a:p>
-              <a:pPr indent="0" lvl="0" marL="0" rtl="0" algn="l">
+              <a:pPr marL="0" lvl="0" indent="0" algn="l" rtl="0">
                 <a:spcBef>
                   <a:spcPts val="0"/>
                 </a:spcBef>
@@ -3900,9 +3959,6 @@
                 </a:spcAft>
                 <a:buNone/>
               </a:pPr>
-              <a:r>
-                <a:t/>
-              </a:r>
               <a:endParaRPr/>
             </a:p>
           </p:txBody>
@@ -3920,7 +3976,7 @@
             </a:xfrm>
             <a:prstGeom prst="diagStripe">
               <a:avLst>
-                <a:gd fmla="val 50000" name="adj"/>
+                <a:gd name="adj" fmla="val 50000"/>
               </a:avLst>
             </a:prstGeom>
             <a:solidFill>
@@ -3933,12 +3989,12 @@
             </a:ln>
           </p:spPr>
           <p:txBody>
-            <a:bodyPr anchorCtr="0" anchor="ctr" bIns="91425" lIns="91425" spcFirstLastPara="1" rIns="91425" wrap="square" tIns="91425">
+            <a:bodyPr spcFirstLastPara="1" wrap="square" lIns="91425" tIns="91425" rIns="91425" bIns="91425" anchor="ctr" anchorCtr="0">
               <a:noAutofit/>
             </a:bodyPr>
             <a:lstStyle/>
             <a:p>
-              <a:pPr indent="0" lvl="0" marL="0" rtl="0" algn="l">
+              <a:pPr marL="0" lvl="0" indent="0" algn="l" rtl="0">
                 <a:spcBef>
                   <a:spcPts val="0"/>
                 </a:spcBef>
@@ -3947,9 +4003,6 @@
                 </a:spcAft>
                 <a:buNone/>
               </a:pPr>
-              <a:r>
-                <a:t/>
-              </a:r>
               <a:endParaRPr/>
             </a:p>
           </p:txBody>
@@ -3967,7 +4020,7 @@
             </a:xfrm>
             <a:prstGeom prst="diagStripe">
               <a:avLst>
-                <a:gd fmla="val 50000" name="adj"/>
+                <a:gd name="adj" fmla="val 50000"/>
               </a:avLst>
             </a:prstGeom>
             <a:solidFill>
@@ -3980,12 +4033,12 @@
             </a:ln>
           </p:spPr>
           <p:txBody>
-            <a:bodyPr anchorCtr="0" anchor="ctr" bIns="91425" lIns="91425" spcFirstLastPara="1" rIns="91425" wrap="square" tIns="91425">
+            <a:bodyPr spcFirstLastPara="1" wrap="square" lIns="91425" tIns="91425" rIns="91425" bIns="91425" anchor="ctr" anchorCtr="0">
               <a:noAutofit/>
             </a:bodyPr>
             <a:lstStyle/>
             <a:p>
-              <a:pPr indent="0" lvl="0" marL="0" rtl="0" algn="l">
+              <a:pPr marL="0" lvl="0" indent="0" algn="l" rtl="0">
                 <a:spcBef>
                   <a:spcPts val="0"/>
                 </a:spcBef>
@@ -3994,9 +4047,6 @@
                 </a:spcAft>
                 <a:buNone/>
               </a:pPr>
-              <a:r>
-                <a:t/>
-              </a:r>
               <a:endParaRPr/>
             </a:p>
           </p:txBody>
@@ -4014,7 +4064,7 @@
             </a:xfrm>
             <a:prstGeom prst="diagStripe">
               <a:avLst>
-                <a:gd fmla="val 50000" name="adj"/>
+                <a:gd name="adj" fmla="val 50000"/>
               </a:avLst>
             </a:prstGeom>
             <a:solidFill>
@@ -4025,12 +4075,12 @@
             </a:ln>
           </p:spPr>
           <p:txBody>
-            <a:bodyPr anchorCtr="0" anchor="ctr" bIns="91425" lIns="91425" spcFirstLastPara="1" rIns="91425" wrap="square" tIns="91425">
+            <a:bodyPr spcFirstLastPara="1" wrap="square" lIns="91425" tIns="91425" rIns="91425" bIns="91425" anchor="ctr" anchorCtr="0">
               <a:noAutofit/>
             </a:bodyPr>
             <a:lstStyle/>
             <a:p>
-              <a:pPr indent="0" lvl="0" marL="0" rtl="0" algn="l">
+              <a:pPr marL="0" lvl="0" indent="0" algn="l" rtl="0">
                 <a:spcBef>
                   <a:spcPts val="0"/>
                 </a:spcBef>
@@ -4039,9 +4089,6 @@
                 </a:spcAft>
                 <a:buNone/>
               </a:pPr>
-              <a:r>
-                <a:t/>
-              </a:r>
               <a:endParaRPr/>
             </a:p>
           </p:txBody>
@@ -4059,7 +4106,7 @@
             </a:xfrm>
             <a:prstGeom prst="diagStripe">
               <a:avLst>
-                <a:gd fmla="val 50000" name="adj"/>
+                <a:gd name="adj" fmla="val 50000"/>
               </a:avLst>
             </a:prstGeom>
             <a:solidFill>
@@ -4072,12 +4119,12 @@
             </a:ln>
           </p:spPr>
           <p:txBody>
-            <a:bodyPr anchorCtr="0" anchor="ctr" bIns="91425" lIns="91425" spcFirstLastPara="1" rIns="91425" wrap="square" tIns="91425">
+            <a:bodyPr spcFirstLastPara="1" wrap="square" lIns="91425" tIns="91425" rIns="91425" bIns="91425" anchor="ctr" anchorCtr="0">
               <a:noAutofit/>
             </a:bodyPr>
             <a:lstStyle/>
             <a:p>
-              <a:pPr indent="0" lvl="0" marL="0" rtl="0" algn="l">
+              <a:pPr marL="0" lvl="0" indent="0" algn="l" rtl="0">
                 <a:spcBef>
                   <a:spcPts val="0"/>
                 </a:spcBef>
@@ -4086,9 +4133,6 @@
                 </a:spcAft>
                 <a:buNone/>
               </a:pPr>
-              <a:r>
-                <a:t/>
-              </a:r>
               <a:endParaRPr/>
             </a:p>
           </p:txBody>
@@ -4106,7 +4150,7 @@
             </a:xfrm>
             <a:prstGeom prst="diagStripe">
               <a:avLst>
-                <a:gd fmla="val 50000" name="adj"/>
+                <a:gd name="adj" fmla="val 50000"/>
               </a:avLst>
             </a:prstGeom>
             <a:solidFill>
@@ -4119,12 +4163,12 @@
             </a:ln>
           </p:spPr>
           <p:txBody>
-            <a:bodyPr anchorCtr="0" anchor="ctr" bIns="91425" lIns="91425" spcFirstLastPara="1" rIns="91425" wrap="square" tIns="91425">
+            <a:bodyPr spcFirstLastPara="1" wrap="square" lIns="91425" tIns="91425" rIns="91425" bIns="91425" anchor="ctr" anchorCtr="0">
               <a:noAutofit/>
             </a:bodyPr>
             <a:lstStyle/>
             <a:p>
-              <a:pPr indent="0" lvl="0" marL="0" rtl="0" algn="l">
+              <a:pPr marL="0" lvl="0" indent="0" algn="l" rtl="0">
                 <a:spcBef>
                   <a:spcPts val="0"/>
                 </a:spcBef>
@@ -4133,9 +4177,6 @@
                 </a:spcAft>
                 <a:buNone/>
               </a:pPr>
-              <a:r>
-                <a:t/>
-              </a:r>
               <a:endParaRPr/>
             </a:p>
           </p:txBody>
@@ -4153,7 +4194,7 @@
             </a:xfrm>
             <a:prstGeom prst="diagStripe">
               <a:avLst>
-                <a:gd fmla="val 50000" name="adj"/>
+                <a:gd name="adj" fmla="val 50000"/>
               </a:avLst>
             </a:prstGeom>
             <a:solidFill>
@@ -4166,12 +4207,12 @@
             </a:ln>
           </p:spPr>
           <p:txBody>
-            <a:bodyPr anchorCtr="0" anchor="ctr" bIns="91425" lIns="91425" spcFirstLastPara="1" rIns="91425" wrap="square" tIns="91425">
+            <a:bodyPr spcFirstLastPara="1" wrap="square" lIns="91425" tIns="91425" rIns="91425" bIns="91425" anchor="ctr" anchorCtr="0">
               <a:noAutofit/>
             </a:bodyPr>
             <a:lstStyle/>
             <a:p>
-              <a:pPr indent="0" lvl="0" marL="0" rtl="0" algn="l">
+              <a:pPr marL="0" lvl="0" indent="0" algn="l" rtl="0">
                 <a:spcBef>
                   <a:spcPts val="0"/>
                 </a:spcBef>
@@ -4180,9 +4221,6 @@
                 </a:spcAft>
                 <a:buNone/>
               </a:pPr>
-              <a:r>
-                <a:t/>
-              </a:r>
               <a:endParaRPr/>
             </a:p>
           </p:txBody>
@@ -4200,7 +4238,7 @@
             </a:xfrm>
             <a:prstGeom prst="diagStripe">
               <a:avLst>
-                <a:gd fmla="val 50000" name="adj"/>
+                <a:gd name="adj" fmla="val 50000"/>
               </a:avLst>
             </a:prstGeom>
             <a:solidFill>
@@ -4213,12 +4251,12 @@
             </a:ln>
           </p:spPr>
           <p:txBody>
-            <a:bodyPr anchorCtr="0" anchor="ctr" bIns="91425" lIns="91425" spcFirstLastPara="1" rIns="91425" wrap="square" tIns="91425">
+            <a:bodyPr spcFirstLastPara="1" wrap="square" lIns="91425" tIns="91425" rIns="91425" bIns="91425" anchor="ctr" anchorCtr="0">
               <a:noAutofit/>
             </a:bodyPr>
             <a:lstStyle/>
             <a:p>
-              <a:pPr indent="0" lvl="0" marL="0" rtl="0" algn="l">
+              <a:pPr marL="0" lvl="0" indent="0" algn="l" rtl="0">
                 <a:spcBef>
                   <a:spcPts val="0"/>
                 </a:spcBef>
@@ -4227,9 +4265,6 @@
                 </a:spcAft>
                 <a:buNone/>
               </a:pPr>
-              <a:r>
-                <a:t/>
-              </a:r>
               <a:endParaRPr/>
             </a:p>
           </p:txBody>
@@ -4247,7 +4282,7 @@
             </a:xfrm>
             <a:prstGeom prst="diagStripe">
               <a:avLst>
-                <a:gd fmla="val 50000" name="adj"/>
+                <a:gd name="adj" fmla="val 50000"/>
               </a:avLst>
             </a:prstGeom>
             <a:solidFill>
@@ -4260,12 +4295,12 @@
             </a:ln>
           </p:spPr>
           <p:txBody>
-            <a:bodyPr anchorCtr="0" anchor="ctr" bIns="91425" lIns="91425" spcFirstLastPara="1" rIns="91425" wrap="square" tIns="91425">
+            <a:bodyPr spcFirstLastPara="1" wrap="square" lIns="91425" tIns="91425" rIns="91425" bIns="91425" anchor="ctr" anchorCtr="0">
               <a:noAutofit/>
             </a:bodyPr>
             <a:lstStyle/>
             <a:p>
-              <a:pPr indent="0" lvl="0" marL="0" rtl="0" algn="l">
+              <a:pPr marL="0" lvl="0" indent="0" algn="l" rtl="0">
                 <a:spcBef>
                   <a:spcPts val="0"/>
                 </a:spcBef>
@@ -4274,9 +4309,6 @@
                 </a:spcAft>
                 <a:buNone/>
               </a:pPr>
-              <a:r>
-                <a:t/>
-              </a:r>
               <a:endParaRPr/>
             </a:p>
           </p:txBody>
@@ -4294,7 +4326,7 @@
             </a:xfrm>
             <a:prstGeom prst="diagStripe">
               <a:avLst>
-                <a:gd fmla="val 50000" name="adj"/>
+                <a:gd name="adj" fmla="val 50000"/>
               </a:avLst>
             </a:prstGeom>
             <a:solidFill>
@@ -4305,12 +4337,12 @@
             </a:ln>
           </p:spPr>
           <p:txBody>
-            <a:bodyPr anchorCtr="0" anchor="ctr" bIns="91425" lIns="91425" spcFirstLastPara="1" rIns="91425" wrap="square" tIns="91425">
+            <a:bodyPr spcFirstLastPara="1" wrap="square" lIns="91425" tIns="91425" rIns="91425" bIns="91425" anchor="ctr" anchorCtr="0">
               <a:noAutofit/>
             </a:bodyPr>
             <a:lstStyle/>
             <a:p>
-              <a:pPr indent="0" lvl="0" marL="0" rtl="0" algn="l">
+              <a:pPr marL="0" lvl="0" indent="0" algn="l" rtl="0">
                 <a:spcBef>
                   <a:spcPts val="0"/>
                 </a:spcBef>
@@ -4319,9 +4351,6 @@
                 </a:spcAft>
                 <a:buNone/>
               </a:pPr>
-              <a:r>
-                <a:t/>
-              </a:r>
               <a:endParaRPr/>
             </a:p>
           </p:txBody>
@@ -4339,7 +4368,7 @@
             </a:xfrm>
             <a:prstGeom prst="diagStripe">
               <a:avLst>
-                <a:gd fmla="val 50000" name="adj"/>
+                <a:gd name="adj" fmla="val 50000"/>
               </a:avLst>
             </a:prstGeom>
             <a:solidFill>
@@ -4352,12 +4381,12 @@
             </a:ln>
           </p:spPr>
           <p:txBody>
-            <a:bodyPr anchorCtr="0" anchor="ctr" bIns="91425" lIns="91425" spcFirstLastPara="1" rIns="91425" wrap="square" tIns="91425">
+            <a:bodyPr spcFirstLastPara="1" wrap="square" lIns="91425" tIns="91425" rIns="91425" bIns="91425" anchor="ctr" anchorCtr="0">
               <a:noAutofit/>
             </a:bodyPr>
             <a:lstStyle/>
             <a:p>
-              <a:pPr indent="0" lvl="0" marL="0" rtl="0" algn="l">
+              <a:pPr marL="0" lvl="0" indent="0" algn="l" rtl="0">
                 <a:spcBef>
                   <a:spcPts val="0"/>
                 </a:spcBef>
@@ -4366,9 +4395,6 @@
                 </a:spcAft>
                 <a:buNone/>
               </a:pPr>
-              <a:r>
-                <a:t/>
-              </a:r>
               <a:endParaRPr/>
             </a:p>
           </p:txBody>
@@ -4386,7 +4412,7 @@
             </a:xfrm>
             <a:prstGeom prst="diagStripe">
               <a:avLst>
-                <a:gd fmla="val 50000" name="adj"/>
+                <a:gd name="adj" fmla="val 50000"/>
               </a:avLst>
             </a:prstGeom>
             <a:solidFill>
@@ -4399,12 +4425,12 @@
             </a:ln>
           </p:spPr>
           <p:txBody>
-            <a:bodyPr anchorCtr="0" anchor="ctr" bIns="91425" lIns="91425" spcFirstLastPara="1" rIns="91425" wrap="square" tIns="91425">
+            <a:bodyPr spcFirstLastPara="1" wrap="square" lIns="91425" tIns="91425" rIns="91425" bIns="91425" anchor="ctr" anchorCtr="0">
               <a:noAutofit/>
             </a:bodyPr>
             <a:lstStyle/>
             <a:p>
-              <a:pPr indent="0" lvl="0" marL="0" rtl="0" algn="l">
+              <a:pPr marL="0" lvl="0" indent="0" algn="l" rtl="0">
                 <a:spcBef>
                   <a:spcPts val="0"/>
                 </a:spcBef>
@@ -4413,9 +4439,6 @@
                 </a:spcAft>
                 <a:buNone/>
               </a:pPr>
-              <a:r>
-                <a:t/>
-              </a:r>
               <a:endParaRPr/>
             </a:p>
           </p:txBody>
@@ -4433,7 +4456,7 @@
             </a:xfrm>
             <a:prstGeom prst="diagStripe">
               <a:avLst>
-                <a:gd fmla="val 50000" name="adj"/>
+                <a:gd name="adj" fmla="val 50000"/>
               </a:avLst>
             </a:prstGeom>
             <a:solidFill>
@@ -4446,12 +4469,12 @@
             </a:ln>
           </p:spPr>
           <p:txBody>
-            <a:bodyPr anchorCtr="0" anchor="ctr" bIns="91425" lIns="91425" spcFirstLastPara="1" rIns="91425" wrap="square" tIns="91425">
+            <a:bodyPr spcFirstLastPara="1" wrap="square" lIns="91425" tIns="91425" rIns="91425" bIns="91425" anchor="ctr" anchorCtr="0">
               <a:noAutofit/>
             </a:bodyPr>
             <a:lstStyle/>
             <a:p>
-              <a:pPr indent="0" lvl="0" marL="0" rtl="0" algn="l">
+              <a:pPr marL="0" lvl="0" indent="0" algn="l" rtl="0">
                 <a:spcBef>
                   <a:spcPts val="0"/>
                 </a:spcBef>
@@ -4460,9 +4483,6 @@
                 </a:spcAft>
                 <a:buNone/>
               </a:pPr>
-              <a:r>
-                <a:t/>
-              </a:r>
               <a:endParaRPr/>
             </a:p>
           </p:txBody>
@@ -4480,7 +4500,7 @@
             </a:xfrm>
             <a:prstGeom prst="diagStripe">
               <a:avLst>
-                <a:gd fmla="val 50000" name="adj"/>
+                <a:gd name="adj" fmla="val 50000"/>
               </a:avLst>
             </a:prstGeom>
             <a:solidFill>
@@ -4493,12 +4513,12 @@
             </a:ln>
           </p:spPr>
           <p:txBody>
-            <a:bodyPr anchorCtr="0" anchor="ctr" bIns="91425" lIns="91425" spcFirstLastPara="1" rIns="91425" wrap="square" tIns="91425">
+            <a:bodyPr spcFirstLastPara="1" wrap="square" lIns="91425" tIns="91425" rIns="91425" bIns="91425" anchor="ctr" anchorCtr="0">
               <a:noAutofit/>
             </a:bodyPr>
             <a:lstStyle/>
             <a:p>
-              <a:pPr indent="0" lvl="0" marL="0" rtl="0" algn="l">
+              <a:pPr marL="0" lvl="0" indent="0" algn="l" rtl="0">
                 <a:spcBef>
                   <a:spcPts val="0"/>
                 </a:spcBef>
@@ -4507,9 +4527,6 @@
                 </a:spcAft>
                 <a:buNone/>
               </a:pPr>
-              <a:r>
-                <a:t/>
-              </a:r>
               <a:endParaRPr/>
             </a:p>
           </p:txBody>
@@ -4518,7 +4535,9 @@
       <p:sp>
         <p:nvSpPr>
           <p:cNvPr id="39" name="Google Shape;39;p3"/>
-          <p:cNvSpPr txBox="1"/>
+          <p:cNvSpPr txBox="1">
+            <a:spLocks noGrp="1"/>
+          </p:cNvSpPr>
           <p:nvPr>
             <p:ph type="title"/>
           </p:nvPr>
@@ -4533,7 +4552,7 @@
           </a:prstGeom>
         </p:spPr>
         <p:txBody>
-          <a:bodyPr anchorCtr="0" anchor="ctr" bIns="91425" lIns="91425" spcFirstLastPara="1" rIns="91425" wrap="square" tIns="91425">
+          <a:bodyPr spcFirstLastPara="1" wrap="square" lIns="91425" tIns="91425" rIns="91425" bIns="91425" anchor="ctr" anchorCtr="0">
             <a:noAutofit/>
           </a:bodyPr>
           <a:lstStyle>
@@ -4637,15 +4656,19 @@
               <a:defRPr/>
             </a:lvl9pPr>
           </a:lstStyle>
-          <a:p/>
+          <a:p>
+            <a:endParaRPr/>
+          </a:p>
         </p:txBody>
       </p:sp>
       <p:sp>
         <p:nvSpPr>
           <p:cNvPr id="40" name="Google Shape;40;p3"/>
-          <p:cNvSpPr txBox="1"/>
+          <p:cNvSpPr txBox="1">
+            <a:spLocks noGrp="1"/>
+          </p:cNvSpPr>
           <p:nvPr>
-            <p:ph idx="12" type="sldNum"/>
+            <p:ph type="sldNum" idx="12"/>
           </p:nvPr>
         </p:nvSpPr>
         <p:spPr>
@@ -4658,7 +4681,7 @@
           </a:prstGeom>
         </p:spPr>
         <p:txBody>
-          <a:bodyPr anchorCtr="0" anchor="ctr" bIns="91425" lIns="91425" spcFirstLastPara="1" rIns="91425" wrap="square" tIns="91425">
+          <a:bodyPr spcFirstLastPara="1" wrap="square" lIns="91425" tIns="91425" rIns="91425" bIns="91425" anchor="ctr" anchorCtr="0">
             <a:noAutofit/>
           </a:bodyPr>
           <a:lstStyle>
@@ -4700,7 +4723,7 @@
             </a:lvl9pPr>
           </a:lstStyle>
           <a:p>
-            <a:pPr indent="0" lvl="0" marL="0" rtl="0" algn="r">
+            <a:pPr marL="0" lvl="0" indent="0" algn="r" rtl="0">
               <a:spcBef>
                 <a:spcPts val="0"/>
               </a:spcBef>
@@ -4726,11 +4749,11 @@
 </file>
 
 <file path=ppt/slideLayouts/slideLayout3.xml><?xml version="1.0" encoding="utf-8"?>
-<p:sldLayout xmlns:a="http://schemas.openxmlformats.org/drawingml/2006/main" xmlns:r="http://schemas.openxmlformats.org/officeDocument/2006/relationships" xmlns:mc="http://schemas.openxmlformats.org/markup-compatibility/2006" xmlns:mv="urn:schemas-microsoft-com:mac:vml" xmlns:p="http://schemas.openxmlformats.org/presentationml/2006/main" xmlns:c="http://schemas.openxmlformats.org/drawingml/2006/chart" xmlns:dgm="http://schemas.openxmlformats.org/drawingml/2006/diagram" xmlns:o="urn:schemas-microsoft-com:office:office" xmlns:v="urn:schemas-microsoft-com:vml" xmlns:pvml="urn:schemas-microsoft-com:office:powerpoint" xmlns:com="http://schemas.openxmlformats.org/drawingml/2006/compatibility" xmlns:p14="http://schemas.microsoft.com/office/powerpoint/2010/main" xmlns:p15="http://schemas.microsoft.com/office/powerpoint/2012/main" matchingName="Title and body" type="tx">
+<p:sldLayout xmlns:a="http://schemas.openxmlformats.org/drawingml/2006/main" xmlns:r="http://schemas.openxmlformats.org/officeDocument/2006/relationships" xmlns:p="http://schemas.openxmlformats.org/presentationml/2006/main" matchingName="Title and body" type="tx">
   <p:cSld name="TITLE_AND_BODY">
     <p:spTree>
       <p:nvGrpSpPr>
-        <p:cNvPr id="41" name="Shape 41"/>
+        <p:cNvPr id="1" name="Shape 41"/>
         <p:cNvGrpSpPr/>
         <p:nvPr/>
       </p:nvGrpSpPr>
@@ -4769,7 +4792,7 @@
             </a:xfrm>
             <a:prstGeom prst="diagStripe">
               <a:avLst>
-                <a:gd fmla="val 50000" name="adj"/>
+                <a:gd name="adj" fmla="val 50000"/>
               </a:avLst>
             </a:prstGeom>
             <a:solidFill>
@@ -4780,12 +4803,12 @@
             </a:ln>
           </p:spPr>
           <p:txBody>
-            <a:bodyPr anchorCtr="0" anchor="ctr" bIns="91425" lIns="91425" spcFirstLastPara="1" rIns="91425" wrap="square" tIns="91425">
+            <a:bodyPr spcFirstLastPara="1" wrap="square" lIns="91425" tIns="91425" rIns="91425" bIns="91425" anchor="ctr" anchorCtr="0">
               <a:noAutofit/>
             </a:bodyPr>
             <a:lstStyle/>
             <a:p>
-              <a:pPr indent="0" lvl="0" marL="0" rtl="0" algn="l">
+              <a:pPr marL="0" lvl="0" indent="0" algn="l" rtl="0">
                 <a:spcBef>
                   <a:spcPts val="0"/>
                 </a:spcBef>
@@ -4794,9 +4817,6 @@
                 </a:spcAft>
                 <a:buNone/>
               </a:pPr>
-              <a:r>
-                <a:t/>
-              </a:r>
               <a:endParaRPr/>
             </a:p>
           </p:txBody>
@@ -4814,7 +4834,7 @@
             </a:xfrm>
             <a:prstGeom prst="diagStripe">
               <a:avLst>
-                <a:gd fmla="val 50000" name="adj"/>
+                <a:gd name="adj" fmla="val 50000"/>
               </a:avLst>
             </a:prstGeom>
             <a:solidFill>
@@ -4825,12 +4845,12 @@
             </a:ln>
           </p:spPr>
           <p:txBody>
-            <a:bodyPr anchorCtr="0" anchor="ctr" bIns="91425" lIns="91425" spcFirstLastPara="1" rIns="91425" wrap="square" tIns="91425">
+            <a:bodyPr spcFirstLastPara="1" wrap="square" lIns="91425" tIns="91425" rIns="91425" bIns="91425" anchor="ctr" anchorCtr="0">
               <a:noAutofit/>
             </a:bodyPr>
             <a:lstStyle/>
             <a:p>
-              <a:pPr indent="0" lvl="0" marL="0" rtl="0" algn="l">
+              <a:pPr marL="0" lvl="0" indent="0" algn="l" rtl="0">
                 <a:spcBef>
                   <a:spcPts val="0"/>
                 </a:spcBef>
@@ -4839,9 +4859,6 @@
                 </a:spcAft>
                 <a:buNone/>
               </a:pPr>
-              <a:r>
-                <a:t/>
-              </a:r>
               <a:endParaRPr/>
             </a:p>
           </p:txBody>
@@ -4850,7 +4867,9 @@
       <p:sp>
         <p:nvSpPr>
           <p:cNvPr id="45" name="Google Shape;45;p4"/>
-          <p:cNvSpPr txBox="1"/>
+          <p:cNvSpPr txBox="1">
+            <a:spLocks noGrp="1"/>
+          </p:cNvSpPr>
           <p:nvPr>
             <p:ph type="title"/>
           </p:nvPr>
@@ -4865,7 +4884,7 @@
           </a:prstGeom>
         </p:spPr>
         <p:txBody>
-          <a:bodyPr anchorCtr="0" anchor="t" bIns="91425" lIns="91425" spcFirstLastPara="1" rIns="91425" wrap="square" tIns="91425">
+          <a:bodyPr spcFirstLastPara="1" wrap="square" lIns="91425" tIns="91425" rIns="91425" bIns="91425" anchor="t" anchorCtr="0">
             <a:noAutofit/>
           </a:bodyPr>
           <a:lstStyle>
@@ -4969,15 +4988,19 @@
               <a:defRPr sz="2400"/>
             </a:lvl9pPr>
           </a:lstStyle>
-          <a:p/>
+          <a:p>
+            <a:endParaRPr/>
+          </a:p>
         </p:txBody>
       </p:sp>
       <p:sp>
         <p:nvSpPr>
           <p:cNvPr id="46" name="Google Shape;46;p4"/>
-          <p:cNvSpPr txBox="1"/>
+          <p:cNvSpPr txBox="1">
+            <a:spLocks noGrp="1"/>
+          </p:cNvSpPr>
           <p:nvPr>
-            <p:ph idx="1" type="body"/>
+            <p:ph type="body" idx="1"/>
           </p:nvPr>
         </p:nvSpPr>
         <p:spPr>
@@ -4990,11 +5013,11 @@
           </a:prstGeom>
         </p:spPr>
         <p:txBody>
-          <a:bodyPr anchorCtr="0" anchor="t" bIns="91425" lIns="91425" spcFirstLastPara="1" rIns="91425" wrap="square" tIns="91425">
+          <a:bodyPr spcFirstLastPara="1" wrap="square" lIns="91425" tIns="91425" rIns="91425" bIns="91425" anchor="t" anchorCtr="0">
             <a:noAutofit/>
           </a:bodyPr>
           <a:lstStyle>
-            <a:lvl1pPr indent="-311150" lvl="0" marL="457200">
+            <a:lvl1pPr marL="457200" lvl="0" indent="-311150">
               <a:spcBef>
                 <a:spcPts val="0"/>
               </a:spcBef>
@@ -5005,7 +5028,7 @@
               <a:buChar char="●"/>
               <a:defRPr/>
             </a:lvl1pPr>
-            <a:lvl2pPr indent="-298450" lvl="1" marL="914400">
+            <a:lvl2pPr marL="914400" lvl="1" indent="-298450">
               <a:spcBef>
                 <a:spcPts val="1600"/>
               </a:spcBef>
@@ -5016,7 +5039,7 @@
               <a:buChar char="○"/>
               <a:defRPr/>
             </a:lvl2pPr>
-            <a:lvl3pPr indent="-298450" lvl="2" marL="1371600">
+            <a:lvl3pPr marL="1371600" lvl="2" indent="-298450">
               <a:spcBef>
                 <a:spcPts val="1600"/>
               </a:spcBef>
@@ -5027,7 +5050,7 @@
               <a:buChar char="■"/>
               <a:defRPr/>
             </a:lvl3pPr>
-            <a:lvl4pPr indent="-298450" lvl="3" marL="1828800">
+            <a:lvl4pPr marL="1828800" lvl="3" indent="-298450">
               <a:spcBef>
                 <a:spcPts val="1600"/>
               </a:spcBef>
@@ -5038,7 +5061,7 @@
               <a:buChar char="●"/>
               <a:defRPr/>
             </a:lvl4pPr>
-            <a:lvl5pPr indent="-298450" lvl="4" marL="2286000">
+            <a:lvl5pPr marL="2286000" lvl="4" indent="-298450">
               <a:spcBef>
                 <a:spcPts val="1600"/>
               </a:spcBef>
@@ -5049,7 +5072,7 @@
               <a:buChar char="○"/>
               <a:defRPr/>
             </a:lvl5pPr>
-            <a:lvl6pPr indent="-298450" lvl="5" marL="2743200">
+            <a:lvl6pPr marL="2743200" lvl="5" indent="-298450">
               <a:spcBef>
                 <a:spcPts val="1600"/>
               </a:spcBef>
@@ -5060,7 +5083,7 @@
               <a:buChar char="■"/>
               <a:defRPr/>
             </a:lvl6pPr>
-            <a:lvl7pPr indent="-298450" lvl="6" marL="3200400">
+            <a:lvl7pPr marL="3200400" lvl="6" indent="-298450">
               <a:spcBef>
                 <a:spcPts val="1600"/>
               </a:spcBef>
@@ -5071,7 +5094,7 @@
               <a:buChar char="●"/>
               <a:defRPr/>
             </a:lvl7pPr>
-            <a:lvl8pPr indent="-298450" lvl="7" marL="3657600">
+            <a:lvl8pPr marL="3657600" lvl="7" indent="-298450">
               <a:spcBef>
                 <a:spcPts val="1600"/>
               </a:spcBef>
@@ -5082,7 +5105,7 @@
               <a:buChar char="○"/>
               <a:defRPr/>
             </a:lvl8pPr>
-            <a:lvl9pPr indent="-298450" lvl="8" marL="4114800">
+            <a:lvl9pPr marL="4114800" lvl="8" indent="-298450">
               <a:spcBef>
                 <a:spcPts val="1600"/>
               </a:spcBef>
@@ -5094,15 +5117,19 @@
               <a:defRPr/>
             </a:lvl9pPr>
           </a:lstStyle>
-          <a:p/>
+          <a:p>
+            <a:endParaRPr/>
+          </a:p>
         </p:txBody>
       </p:sp>
       <p:sp>
         <p:nvSpPr>
           <p:cNvPr id="47" name="Google Shape;47;p4"/>
-          <p:cNvSpPr txBox="1"/>
+          <p:cNvSpPr txBox="1">
+            <a:spLocks noGrp="1"/>
+          </p:cNvSpPr>
           <p:nvPr>
-            <p:ph idx="12" type="sldNum"/>
+            <p:ph type="sldNum" idx="12"/>
           </p:nvPr>
         </p:nvSpPr>
         <p:spPr>
@@ -5115,7 +5142,7 @@
           </a:prstGeom>
         </p:spPr>
         <p:txBody>
-          <a:bodyPr anchorCtr="0" anchor="ctr" bIns="91425" lIns="91425" spcFirstLastPara="1" rIns="91425" wrap="square" tIns="91425">
+          <a:bodyPr spcFirstLastPara="1" wrap="square" lIns="91425" tIns="91425" rIns="91425" bIns="91425" anchor="ctr" anchorCtr="0">
             <a:noAutofit/>
           </a:bodyPr>
           <a:lstStyle>
@@ -5157,7 +5184,7 @@
             </a:lvl9pPr>
           </a:lstStyle>
           <a:p>
-            <a:pPr indent="0" lvl="0" marL="0" rtl="0" algn="r">
+            <a:pPr marL="0" lvl="0" indent="0" algn="r" rtl="0">
               <a:spcBef>
                 <a:spcPts val="0"/>
               </a:spcBef>
@@ -5183,11 +5210,11 @@
 </file>
 
 <file path=ppt/slideLayouts/slideLayout4.xml><?xml version="1.0" encoding="utf-8"?>
-<p:sldLayout xmlns:a="http://schemas.openxmlformats.org/drawingml/2006/main" xmlns:r="http://schemas.openxmlformats.org/officeDocument/2006/relationships" xmlns:mc="http://schemas.openxmlformats.org/markup-compatibility/2006" xmlns:mv="urn:schemas-microsoft-com:mac:vml" xmlns:p="http://schemas.openxmlformats.org/presentationml/2006/main" xmlns:c="http://schemas.openxmlformats.org/drawingml/2006/chart" xmlns:dgm="http://schemas.openxmlformats.org/drawingml/2006/diagram" xmlns:o="urn:schemas-microsoft-com:office:office" xmlns:v="urn:schemas-microsoft-com:vml" xmlns:pvml="urn:schemas-microsoft-com:office:powerpoint" xmlns:com="http://schemas.openxmlformats.org/drawingml/2006/compatibility" xmlns:p14="http://schemas.microsoft.com/office/powerpoint/2010/main" xmlns:p15="http://schemas.microsoft.com/office/powerpoint/2012/main" matchingName="Title and two columns" type="twoColTx">
+<p:sldLayout xmlns:a="http://schemas.openxmlformats.org/drawingml/2006/main" xmlns:r="http://schemas.openxmlformats.org/officeDocument/2006/relationships" xmlns:p="http://schemas.openxmlformats.org/presentationml/2006/main" matchingName="Title and two columns" type="twoColTx">
   <p:cSld name="TITLE_AND_TWO_COLUMNS">
     <p:spTree>
       <p:nvGrpSpPr>
-        <p:cNvPr id="48" name="Shape 48"/>
+        <p:cNvPr id="1" name="Shape 48"/>
         <p:cNvGrpSpPr/>
         <p:nvPr/>
       </p:nvGrpSpPr>
@@ -5226,7 +5253,7 @@
             </a:xfrm>
             <a:prstGeom prst="diagStripe">
               <a:avLst>
-                <a:gd fmla="val 50000" name="adj"/>
+                <a:gd name="adj" fmla="val 50000"/>
               </a:avLst>
             </a:prstGeom>
             <a:solidFill>
@@ -5237,12 +5264,12 @@
             </a:ln>
           </p:spPr>
           <p:txBody>
-            <a:bodyPr anchorCtr="0" anchor="ctr" bIns="91425" lIns="91425" spcFirstLastPara="1" rIns="91425" wrap="square" tIns="91425">
+            <a:bodyPr spcFirstLastPara="1" wrap="square" lIns="91425" tIns="91425" rIns="91425" bIns="91425" anchor="ctr" anchorCtr="0">
               <a:noAutofit/>
             </a:bodyPr>
             <a:lstStyle/>
             <a:p>
-              <a:pPr indent="0" lvl="0" marL="0" rtl="0" algn="l">
+              <a:pPr marL="0" lvl="0" indent="0" algn="l" rtl="0">
                 <a:spcBef>
                   <a:spcPts val="0"/>
                 </a:spcBef>
@@ -5251,9 +5278,6 @@
                 </a:spcAft>
                 <a:buNone/>
               </a:pPr>
-              <a:r>
-                <a:t/>
-              </a:r>
               <a:endParaRPr/>
             </a:p>
           </p:txBody>
@@ -5271,7 +5295,7 @@
             </a:xfrm>
             <a:prstGeom prst="diagStripe">
               <a:avLst>
-                <a:gd fmla="val 50000" name="adj"/>
+                <a:gd name="adj" fmla="val 50000"/>
               </a:avLst>
             </a:prstGeom>
             <a:solidFill>
@@ -5282,12 +5306,12 @@
             </a:ln>
           </p:spPr>
           <p:txBody>
-            <a:bodyPr anchorCtr="0" anchor="ctr" bIns="91425" lIns="91425" spcFirstLastPara="1" rIns="91425" wrap="square" tIns="91425">
+            <a:bodyPr spcFirstLastPara="1" wrap="square" lIns="91425" tIns="91425" rIns="91425" bIns="91425" anchor="ctr" anchorCtr="0">
               <a:noAutofit/>
             </a:bodyPr>
             <a:lstStyle/>
             <a:p>
-              <a:pPr indent="0" lvl="0" marL="0" rtl="0" algn="l">
+              <a:pPr marL="0" lvl="0" indent="0" algn="l" rtl="0">
                 <a:spcBef>
                   <a:spcPts val="0"/>
                 </a:spcBef>
@@ -5296,9 +5320,6 @@
                 </a:spcAft>
                 <a:buNone/>
               </a:pPr>
-              <a:r>
-                <a:t/>
-              </a:r>
               <a:endParaRPr/>
             </a:p>
           </p:txBody>
@@ -5307,7 +5328,9 @@
       <p:sp>
         <p:nvSpPr>
           <p:cNvPr id="52" name="Google Shape;52;p5"/>
-          <p:cNvSpPr txBox="1"/>
+          <p:cNvSpPr txBox="1">
+            <a:spLocks noGrp="1"/>
+          </p:cNvSpPr>
           <p:nvPr>
             <p:ph type="title"/>
           </p:nvPr>
@@ -5322,7 +5345,7 @@
           </a:prstGeom>
         </p:spPr>
         <p:txBody>
-          <a:bodyPr anchorCtr="0" anchor="t" bIns="91425" lIns="91425" spcFirstLastPara="1" rIns="91425" wrap="square" tIns="91425">
+          <a:bodyPr spcFirstLastPara="1" wrap="square" lIns="91425" tIns="91425" rIns="91425" bIns="91425" anchor="t" anchorCtr="0">
             <a:noAutofit/>
           </a:bodyPr>
           <a:lstStyle>
@@ -5426,15 +5449,19 @@
               <a:defRPr sz="2400"/>
             </a:lvl9pPr>
           </a:lstStyle>
-          <a:p/>
+          <a:p>
+            <a:endParaRPr/>
+          </a:p>
         </p:txBody>
       </p:sp>
       <p:sp>
         <p:nvSpPr>
           <p:cNvPr id="53" name="Google Shape;53;p5"/>
-          <p:cNvSpPr txBox="1"/>
+          <p:cNvSpPr txBox="1">
+            <a:spLocks noGrp="1"/>
+          </p:cNvSpPr>
           <p:nvPr>
-            <p:ph idx="1" type="body"/>
+            <p:ph type="body" idx="1"/>
           </p:nvPr>
         </p:nvSpPr>
         <p:spPr>
@@ -5447,11 +5474,11 @@
           </a:prstGeom>
         </p:spPr>
         <p:txBody>
-          <a:bodyPr anchorCtr="0" anchor="t" bIns="91425" lIns="91425" spcFirstLastPara="1" rIns="91425" wrap="square" tIns="91425">
+          <a:bodyPr spcFirstLastPara="1" wrap="square" lIns="91425" tIns="91425" rIns="91425" bIns="91425" anchor="t" anchorCtr="0">
             <a:noAutofit/>
           </a:bodyPr>
           <a:lstStyle>
-            <a:lvl1pPr indent="-311150" lvl="0" marL="457200">
+            <a:lvl1pPr marL="457200" lvl="0" indent="-311150">
               <a:spcBef>
                 <a:spcPts val="0"/>
               </a:spcBef>
@@ -5462,7 +5489,7 @@
               <a:buChar char="●"/>
               <a:defRPr/>
             </a:lvl1pPr>
-            <a:lvl2pPr indent="-298450" lvl="1" marL="914400">
+            <a:lvl2pPr marL="914400" lvl="1" indent="-298450">
               <a:spcBef>
                 <a:spcPts val="1600"/>
               </a:spcBef>
@@ -5473,7 +5500,7 @@
               <a:buChar char="○"/>
               <a:defRPr/>
             </a:lvl2pPr>
-            <a:lvl3pPr indent="-298450" lvl="2" marL="1371600">
+            <a:lvl3pPr marL="1371600" lvl="2" indent="-298450">
               <a:spcBef>
                 <a:spcPts val="1600"/>
               </a:spcBef>
@@ -5484,7 +5511,7 @@
               <a:buChar char="■"/>
               <a:defRPr/>
             </a:lvl3pPr>
-            <a:lvl4pPr indent="-298450" lvl="3" marL="1828800">
+            <a:lvl4pPr marL="1828800" lvl="3" indent="-298450">
               <a:spcBef>
                 <a:spcPts val="1600"/>
               </a:spcBef>
@@ -5495,7 +5522,7 @@
               <a:buChar char="●"/>
               <a:defRPr/>
             </a:lvl4pPr>
-            <a:lvl5pPr indent="-298450" lvl="4" marL="2286000">
+            <a:lvl5pPr marL="2286000" lvl="4" indent="-298450">
               <a:spcBef>
                 <a:spcPts val="1600"/>
               </a:spcBef>
@@ -5506,7 +5533,7 @@
               <a:buChar char="○"/>
               <a:defRPr/>
             </a:lvl5pPr>
-            <a:lvl6pPr indent="-298450" lvl="5" marL="2743200">
+            <a:lvl6pPr marL="2743200" lvl="5" indent="-298450">
               <a:spcBef>
                 <a:spcPts val="1600"/>
               </a:spcBef>
@@ -5517,7 +5544,7 @@
               <a:buChar char="■"/>
               <a:defRPr/>
             </a:lvl6pPr>
-            <a:lvl7pPr indent="-298450" lvl="6" marL="3200400">
+            <a:lvl7pPr marL="3200400" lvl="6" indent="-298450">
               <a:spcBef>
                 <a:spcPts val="1600"/>
               </a:spcBef>
@@ -5528,7 +5555,7 @@
               <a:buChar char="●"/>
               <a:defRPr/>
             </a:lvl7pPr>
-            <a:lvl8pPr indent="-298450" lvl="7" marL="3657600">
+            <a:lvl8pPr marL="3657600" lvl="7" indent="-298450">
               <a:spcBef>
                 <a:spcPts val="1600"/>
               </a:spcBef>
@@ -5539,7 +5566,7 @@
               <a:buChar char="○"/>
               <a:defRPr/>
             </a:lvl8pPr>
-            <a:lvl9pPr indent="-298450" lvl="8" marL="4114800">
+            <a:lvl9pPr marL="4114800" lvl="8" indent="-298450">
               <a:spcBef>
                 <a:spcPts val="1600"/>
               </a:spcBef>
@@ -5551,15 +5578,19 @@
               <a:defRPr/>
             </a:lvl9pPr>
           </a:lstStyle>
-          <a:p/>
+          <a:p>
+            <a:endParaRPr/>
+          </a:p>
         </p:txBody>
       </p:sp>
       <p:sp>
         <p:nvSpPr>
           <p:cNvPr id="54" name="Google Shape;54;p5"/>
-          <p:cNvSpPr txBox="1"/>
+          <p:cNvSpPr txBox="1">
+            <a:spLocks noGrp="1"/>
+          </p:cNvSpPr>
           <p:nvPr>
-            <p:ph idx="2" type="body"/>
+            <p:ph type="body" idx="2"/>
           </p:nvPr>
         </p:nvSpPr>
         <p:spPr>
@@ -5572,11 +5603,11 @@
           </a:prstGeom>
         </p:spPr>
         <p:txBody>
-          <a:bodyPr anchorCtr="0" anchor="t" bIns="91425" lIns="91425" spcFirstLastPara="1" rIns="91425" wrap="square" tIns="91425">
+          <a:bodyPr spcFirstLastPara="1" wrap="square" lIns="91425" tIns="91425" rIns="91425" bIns="91425" anchor="t" anchorCtr="0">
             <a:noAutofit/>
           </a:bodyPr>
           <a:lstStyle>
-            <a:lvl1pPr indent="-311150" lvl="0" marL="457200">
+            <a:lvl1pPr marL="457200" lvl="0" indent="-311150">
               <a:spcBef>
                 <a:spcPts val="0"/>
               </a:spcBef>
@@ -5587,7 +5618,7 @@
               <a:buChar char="●"/>
               <a:defRPr/>
             </a:lvl1pPr>
-            <a:lvl2pPr indent="-298450" lvl="1" marL="914400">
+            <a:lvl2pPr marL="914400" lvl="1" indent="-298450">
               <a:spcBef>
                 <a:spcPts val="1600"/>
               </a:spcBef>
@@ -5598,7 +5629,7 @@
               <a:buChar char="○"/>
               <a:defRPr/>
             </a:lvl2pPr>
-            <a:lvl3pPr indent="-298450" lvl="2" marL="1371600">
+            <a:lvl3pPr marL="1371600" lvl="2" indent="-298450">
               <a:spcBef>
                 <a:spcPts val="1600"/>
               </a:spcBef>
@@ -5609,7 +5640,7 @@
               <a:buChar char="■"/>
               <a:defRPr/>
             </a:lvl3pPr>
-            <a:lvl4pPr indent="-298450" lvl="3" marL="1828800">
+            <a:lvl4pPr marL="1828800" lvl="3" indent="-298450">
               <a:spcBef>
                 <a:spcPts val="1600"/>
               </a:spcBef>
@@ -5620,7 +5651,7 @@
               <a:buChar char="●"/>
               <a:defRPr/>
             </a:lvl4pPr>
-            <a:lvl5pPr indent="-298450" lvl="4" marL="2286000">
+            <a:lvl5pPr marL="2286000" lvl="4" indent="-298450">
               <a:spcBef>
                 <a:spcPts val="1600"/>
               </a:spcBef>
@@ -5631,7 +5662,7 @@
               <a:buChar char="○"/>
               <a:defRPr/>
             </a:lvl5pPr>
-            <a:lvl6pPr indent="-298450" lvl="5" marL="2743200">
+            <a:lvl6pPr marL="2743200" lvl="5" indent="-298450">
               <a:spcBef>
                 <a:spcPts val="1600"/>
               </a:spcBef>
@@ -5642,7 +5673,7 @@
               <a:buChar char="■"/>
               <a:defRPr/>
             </a:lvl6pPr>
-            <a:lvl7pPr indent="-298450" lvl="6" marL="3200400">
+            <a:lvl7pPr marL="3200400" lvl="6" indent="-298450">
               <a:spcBef>
                 <a:spcPts val="1600"/>
               </a:spcBef>
@@ -5653,7 +5684,7 @@
               <a:buChar char="●"/>
               <a:defRPr/>
             </a:lvl7pPr>
-            <a:lvl8pPr indent="-298450" lvl="7" marL="3657600">
+            <a:lvl8pPr marL="3657600" lvl="7" indent="-298450">
               <a:spcBef>
                 <a:spcPts val="1600"/>
               </a:spcBef>
@@ -5664,7 +5695,7 @@
               <a:buChar char="○"/>
               <a:defRPr/>
             </a:lvl8pPr>
-            <a:lvl9pPr indent="-298450" lvl="8" marL="4114800">
+            <a:lvl9pPr marL="4114800" lvl="8" indent="-298450">
               <a:spcBef>
                 <a:spcPts val="1600"/>
               </a:spcBef>
@@ -5676,15 +5707,19 @@
               <a:defRPr/>
             </a:lvl9pPr>
           </a:lstStyle>
-          <a:p/>
+          <a:p>
+            <a:endParaRPr/>
+          </a:p>
         </p:txBody>
       </p:sp>
       <p:sp>
         <p:nvSpPr>
           <p:cNvPr id="55" name="Google Shape;55;p5"/>
-          <p:cNvSpPr txBox="1"/>
+          <p:cNvSpPr txBox="1">
+            <a:spLocks noGrp="1"/>
+          </p:cNvSpPr>
           <p:nvPr>
-            <p:ph idx="12" type="sldNum"/>
+            <p:ph type="sldNum" idx="12"/>
           </p:nvPr>
         </p:nvSpPr>
         <p:spPr>
@@ -5697,7 +5732,7 @@
           </a:prstGeom>
         </p:spPr>
         <p:txBody>
-          <a:bodyPr anchorCtr="0" anchor="ctr" bIns="91425" lIns="91425" spcFirstLastPara="1" rIns="91425" wrap="square" tIns="91425">
+          <a:bodyPr spcFirstLastPara="1" wrap="square" lIns="91425" tIns="91425" rIns="91425" bIns="91425" anchor="ctr" anchorCtr="0">
             <a:noAutofit/>
           </a:bodyPr>
           <a:lstStyle>
@@ -5739,7 +5774,7 @@
             </a:lvl9pPr>
           </a:lstStyle>
           <a:p>
-            <a:pPr indent="0" lvl="0" marL="0" rtl="0" algn="r">
+            <a:pPr marL="0" lvl="0" indent="0" algn="r" rtl="0">
               <a:spcBef>
                 <a:spcPts val="0"/>
               </a:spcBef>
@@ -5765,11 +5800,11 @@
 </file>
 
 <file path=ppt/slideLayouts/slideLayout5.xml><?xml version="1.0" encoding="utf-8"?>
-<p:sldLayout xmlns:a="http://schemas.openxmlformats.org/drawingml/2006/main" xmlns:r="http://schemas.openxmlformats.org/officeDocument/2006/relationships" xmlns:mc="http://schemas.openxmlformats.org/markup-compatibility/2006" xmlns:mv="urn:schemas-microsoft-com:mac:vml" xmlns:p="http://schemas.openxmlformats.org/presentationml/2006/main" xmlns:c="http://schemas.openxmlformats.org/drawingml/2006/chart" xmlns:dgm="http://schemas.openxmlformats.org/drawingml/2006/diagram" xmlns:o="urn:schemas-microsoft-com:office:office" xmlns:v="urn:schemas-microsoft-com:vml" xmlns:pvml="urn:schemas-microsoft-com:office:powerpoint" xmlns:com="http://schemas.openxmlformats.org/drawingml/2006/compatibility" xmlns:p14="http://schemas.microsoft.com/office/powerpoint/2010/main" xmlns:p15="http://schemas.microsoft.com/office/powerpoint/2012/main" matchingName="Title only" type="titleOnly">
+<p:sldLayout xmlns:a="http://schemas.openxmlformats.org/drawingml/2006/main" xmlns:r="http://schemas.openxmlformats.org/officeDocument/2006/relationships" xmlns:p="http://schemas.openxmlformats.org/presentationml/2006/main" matchingName="Title only" type="titleOnly">
   <p:cSld name="TITLE_ONLY">
     <p:spTree>
       <p:nvGrpSpPr>
-        <p:cNvPr id="56" name="Shape 56"/>
+        <p:cNvPr id="1" name="Shape 56"/>
         <p:cNvGrpSpPr/>
         <p:nvPr/>
       </p:nvGrpSpPr>
@@ -5808,7 +5843,7 @@
             </a:xfrm>
             <a:prstGeom prst="diagStripe">
               <a:avLst>
-                <a:gd fmla="val 50000" name="adj"/>
+                <a:gd name="adj" fmla="val 50000"/>
               </a:avLst>
             </a:prstGeom>
             <a:solidFill>
@@ -5819,12 +5854,12 @@
             </a:ln>
           </p:spPr>
           <p:txBody>
-            <a:bodyPr anchorCtr="0" anchor="ctr" bIns="91425" lIns="91425" spcFirstLastPara="1" rIns="91425" wrap="square" tIns="91425">
+            <a:bodyPr spcFirstLastPara="1" wrap="square" lIns="91425" tIns="91425" rIns="91425" bIns="91425" anchor="ctr" anchorCtr="0">
               <a:noAutofit/>
             </a:bodyPr>
             <a:lstStyle/>
             <a:p>
-              <a:pPr indent="0" lvl="0" marL="0" rtl="0" algn="l">
+              <a:pPr marL="0" lvl="0" indent="0" algn="l" rtl="0">
                 <a:spcBef>
                   <a:spcPts val="0"/>
                 </a:spcBef>
@@ -5833,9 +5868,6 @@
                 </a:spcAft>
                 <a:buNone/>
               </a:pPr>
-              <a:r>
-                <a:t/>
-              </a:r>
               <a:endParaRPr/>
             </a:p>
           </p:txBody>
@@ -5853,7 +5885,7 @@
             </a:xfrm>
             <a:prstGeom prst="diagStripe">
               <a:avLst>
-                <a:gd fmla="val 50000" name="adj"/>
+                <a:gd name="adj" fmla="val 50000"/>
               </a:avLst>
             </a:prstGeom>
             <a:solidFill>
@@ -5864,12 +5896,12 @@
             </a:ln>
           </p:spPr>
           <p:txBody>
-            <a:bodyPr anchorCtr="0" anchor="ctr" bIns="91425" lIns="91425" spcFirstLastPara="1" rIns="91425" wrap="square" tIns="91425">
+            <a:bodyPr spcFirstLastPara="1" wrap="square" lIns="91425" tIns="91425" rIns="91425" bIns="91425" anchor="ctr" anchorCtr="0">
               <a:noAutofit/>
             </a:bodyPr>
             <a:lstStyle/>
             <a:p>
-              <a:pPr indent="0" lvl="0" marL="0" rtl="0" algn="l">
+              <a:pPr marL="0" lvl="0" indent="0" algn="l" rtl="0">
                 <a:spcBef>
                   <a:spcPts val="0"/>
                 </a:spcBef>
@@ -5878,9 +5910,6 @@
                 </a:spcAft>
                 <a:buNone/>
               </a:pPr>
-              <a:r>
-                <a:t/>
-              </a:r>
               <a:endParaRPr/>
             </a:p>
           </p:txBody>
@@ -5889,7 +5918,9 @@
       <p:sp>
         <p:nvSpPr>
           <p:cNvPr id="60" name="Google Shape;60;p6"/>
-          <p:cNvSpPr txBox="1"/>
+          <p:cNvSpPr txBox="1">
+            <a:spLocks noGrp="1"/>
+          </p:cNvSpPr>
           <p:nvPr>
             <p:ph type="title"/>
           </p:nvPr>
@@ -5904,7 +5935,7 @@
           </a:prstGeom>
         </p:spPr>
         <p:txBody>
-          <a:bodyPr anchorCtr="0" anchor="t" bIns="91425" lIns="91425" spcFirstLastPara="1" rIns="91425" wrap="square" tIns="91425">
+          <a:bodyPr spcFirstLastPara="1" wrap="square" lIns="91425" tIns="91425" rIns="91425" bIns="91425" anchor="t" anchorCtr="0">
             <a:noAutofit/>
           </a:bodyPr>
           <a:lstStyle>
@@ -6008,15 +6039,19 @@
               <a:defRPr sz="2400"/>
             </a:lvl9pPr>
           </a:lstStyle>
-          <a:p/>
+          <a:p>
+            <a:endParaRPr/>
+          </a:p>
         </p:txBody>
       </p:sp>
       <p:sp>
         <p:nvSpPr>
           <p:cNvPr id="61" name="Google Shape;61;p6"/>
-          <p:cNvSpPr txBox="1"/>
+          <p:cNvSpPr txBox="1">
+            <a:spLocks noGrp="1"/>
+          </p:cNvSpPr>
           <p:nvPr>
-            <p:ph idx="12" type="sldNum"/>
+            <p:ph type="sldNum" idx="12"/>
           </p:nvPr>
         </p:nvSpPr>
         <p:spPr>
@@ -6029,7 +6064,7 @@
           </a:prstGeom>
         </p:spPr>
         <p:txBody>
-          <a:bodyPr anchorCtr="0" anchor="ctr" bIns="91425" lIns="91425" spcFirstLastPara="1" rIns="91425" wrap="square" tIns="91425">
+          <a:bodyPr spcFirstLastPara="1" wrap="square" lIns="91425" tIns="91425" rIns="91425" bIns="91425" anchor="ctr" anchorCtr="0">
             <a:noAutofit/>
           </a:bodyPr>
           <a:lstStyle>
@@ -6071,7 +6106,7 @@
             </a:lvl9pPr>
           </a:lstStyle>
           <a:p>
-            <a:pPr indent="0" lvl="0" marL="0" rtl="0" algn="r">
+            <a:pPr marL="0" lvl="0" indent="0" algn="r" rtl="0">
               <a:spcBef>
                 <a:spcPts val="0"/>
               </a:spcBef>
@@ -6097,11 +6132,11 @@
 </file>
 
 <file path=ppt/slideLayouts/slideLayout6.xml><?xml version="1.0" encoding="utf-8"?>
-<p:sldLayout xmlns:a="http://schemas.openxmlformats.org/drawingml/2006/main" xmlns:r="http://schemas.openxmlformats.org/officeDocument/2006/relationships" xmlns:mc="http://schemas.openxmlformats.org/markup-compatibility/2006" xmlns:mv="urn:schemas-microsoft-com:mac:vml" xmlns:p="http://schemas.openxmlformats.org/presentationml/2006/main" xmlns:c="http://schemas.openxmlformats.org/drawingml/2006/chart" xmlns:dgm="http://schemas.openxmlformats.org/drawingml/2006/diagram" xmlns:o="urn:schemas-microsoft-com:office:office" xmlns:v="urn:schemas-microsoft-com:vml" xmlns:pvml="urn:schemas-microsoft-com:office:powerpoint" xmlns:com="http://schemas.openxmlformats.org/drawingml/2006/compatibility" xmlns:p14="http://schemas.microsoft.com/office/powerpoint/2010/main" xmlns:p15="http://schemas.microsoft.com/office/powerpoint/2012/main" matchingName="One column text">
+<p:sldLayout xmlns:a="http://schemas.openxmlformats.org/drawingml/2006/main" xmlns:r="http://schemas.openxmlformats.org/officeDocument/2006/relationships" xmlns:p="http://schemas.openxmlformats.org/presentationml/2006/main" matchingName="One column text">
   <p:cSld name="ONE_COLUMN_TEXT">
     <p:spTree>
       <p:nvGrpSpPr>
-        <p:cNvPr id="62" name="Shape 62"/>
+        <p:cNvPr id="1" name="Shape 62"/>
         <p:cNvGrpSpPr/>
         <p:nvPr/>
       </p:nvGrpSpPr>
@@ -6140,7 +6175,7 @@
             </a:xfrm>
             <a:prstGeom prst="diagStripe">
               <a:avLst>
-                <a:gd fmla="val 50000" name="adj"/>
+                <a:gd name="adj" fmla="val 50000"/>
               </a:avLst>
             </a:prstGeom>
             <a:solidFill>
@@ -6151,12 +6186,12 @@
             </a:ln>
           </p:spPr>
           <p:txBody>
-            <a:bodyPr anchorCtr="0" anchor="ctr" bIns="91425" lIns="91425" spcFirstLastPara="1" rIns="91425" wrap="square" tIns="91425">
+            <a:bodyPr spcFirstLastPara="1" wrap="square" lIns="91425" tIns="91425" rIns="91425" bIns="91425" anchor="ctr" anchorCtr="0">
               <a:noAutofit/>
             </a:bodyPr>
             <a:lstStyle/>
             <a:p>
-              <a:pPr indent="0" lvl="0" marL="0" rtl="0" algn="l">
+              <a:pPr marL="0" lvl="0" indent="0" algn="l" rtl="0">
                 <a:spcBef>
                   <a:spcPts val="0"/>
                 </a:spcBef>
@@ -6165,9 +6200,6 @@
                 </a:spcAft>
                 <a:buNone/>
               </a:pPr>
-              <a:r>
-                <a:t/>
-              </a:r>
               <a:endParaRPr/>
             </a:p>
           </p:txBody>
@@ -6185,7 +6217,7 @@
             </a:xfrm>
             <a:prstGeom prst="diagStripe">
               <a:avLst>
-                <a:gd fmla="val 50000" name="adj"/>
+                <a:gd name="adj" fmla="val 50000"/>
               </a:avLst>
             </a:prstGeom>
             <a:solidFill>
@@ -6196,12 +6228,12 @@
             </a:ln>
           </p:spPr>
           <p:txBody>
-            <a:bodyPr anchorCtr="0" anchor="ctr" bIns="91425" lIns="91425" spcFirstLastPara="1" rIns="91425" wrap="square" tIns="91425">
+            <a:bodyPr spcFirstLastPara="1" wrap="square" lIns="91425" tIns="91425" rIns="91425" bIns="91425" anchor="ctr" anchorCtr="0">
               <a:noAutofit/>
             </a:bodyPr>
             <a:lstStyle/>
             <a:p>
-              <a:pPr indent="0" lvl="0" marL="0" rtl="0" algn="l">
+              <a:pPr marL="0" lvl="0" indent="0" algn="l" rtl="0">
                 <a:spcBef>
                   <a:spcPts val="0"/>
                 </a:spcBef>
@@ -6210,9 +6242,6 @@
                 </a:spcAft>
                 <a:buNone/>
               </a:pPr>
-              <a:r>
-                <a:t/>
-              </a:r>
               <a:endParaRPr/>
             </a:p>
           </p:txBody>
@@ -6221,7 +6250,9 @@
       <p:sp>
         <p:nvSpPr>
           <p:cNvPr id="66" name="Google Shape;66;p7"/>
-          <p:cNvSpPr txBox="1"/>
+          <p:cNvSpPr txBox="1">
+            <a:spLocks noGrp="1"/>
+          </p:cNvSpPr>
           <p:nvPr>
             <p:ph type="title"/>
           </p:nvPr>
@@ -6236,7 +6267,7 @@
           </a:prstGeom>
         </p:spPr>
         <p:txBody>
-          <a:bodyPr anchorCtr="0" anchor="t" bIns="91425" lIns="91425" spcFirstLastPara="1" rIns="91425" wrap="square" tIns="91425">
+          <a:bodyPr spcFirstLastPara="1" wrap="square" lIns="91425" tIns="91425" rIns="91425" bIns="91425" anchor="t" anchorCtr="0">
             <a:noAutofit/>
           </a:bodyPr>
           <a:lstStyle>
@@ -6340,15 +6371,19 @@
               <a:defRPr sz="2400"/>
             </a:lvl9pPr>
           </a:lstStyle>
-          <a:p/>
+          <a:p>
+            <a:endParaRPr/>
+          </a:p>
         </p:txBody>
       </p:sp>
       <p:sp>
         <p:nvSpPr>
           <p:cNvPr id="67" name="Google Shape;67;p7"/>
-          <p:cNvSpPr txBox="1"/>
+          <p:cNvSpPr txBox="1">
+            <a:spLocks noGrp="1"/>
+          </p:cNvSpPr>
           <p:nvPr>
-            <p:ph idx="1" type="body"/>
+            <p:ph type="body" idx="1"/>
           </p:nvPr>
         </p:nvSpPr>
         <p:spPr>
@@ -6361,11 +6396,11 @@
           </a:prstGeom>
         </p:spPr>
         <p:txBody>
-          <a:bodyPr anchorCtr="0" anchor="t" bIns="91425" lIns="91425" spcFirstLastPara="1" rIns="91425" wrap="square" tIns="91425">
+          <a:bodyPr spcFirstLastPara="1" wrap="square" lIns="91425" tIns="91425" rIns="91425" bIns="91425" anchor="t" anchorCtr="0">
             <a:noAutofit/>
           </a:bodyPr>
           <a:lstStyle>
-            <a:lvl1pPr indent="-311150" lvl="0" marL="457200">
+            <a:lvl1pPr marL="457200" lvl="0" indent="-311150">
               <a:spcBef>
                 <a:spcPts val="0"/>
               </a:spcBef>
@@ -6376,7 +6411,7 @@
               <a:buChar char="●"/>
               <a:defRPr/>
             </a:lvl1pPr>
-            <a:lvl2pPr indent="-298450" lvl="1" marL="914400">
+            <a:lvl2pPr marL="914400" lvl="1" indent="-298450">
               <a:spcBef>
                 <a:spcPts val="1600"/>
               </a:spcBef>
@@ -6387,7 +6422,7 @@
               <a:buChar char="○"/>
               <a:defRPr/>
             </a:lvl2pPr>
-            <a:lvl3pPr indent="-298450" lvl="2" marL="1371600">
+            <a:lvl3pPr marL="1371600" lvl="2" indent="-298450">
               <a:spcBef>
                 <a:spcPts val="1600"/>
               </a:spcBef>
@@ -6398,7 +6433,7 @@
               <a:buChar char="■"/>
               <a:defRPr/>
             </a:lvl3pPr>
-            <a:lvl4pPr indent="-298450" lvl="3" marL="1828800">
+            <a:lvl4pPr marL="1828800" lvl="3" indent="-298450">
               <a:spcBef>
                 <a:spcPts val="1600"/>
               </a:spcBef>
@@ -6409,7 +6444,7 @@
               <a:buChar char="●"/>
               <a:defRPr/>
             </a:lvl4pPr>
-            <a:lvl5pPr indent="-298450" lvl="4" marL="2286000">
+            <a:lvl5pPr marL="2286000" lvl="4" indent="-298450">
               <a:spcBef>
                 <a:spcPts val="1600"/>
               </a:spcBef>
@@ -6420,7 +6455,7 @@
               <a:buChar char="○"/>
               <a:defRPr/>
             </a:lvl5pPr>
-            <a:lvl6pPr indent="-298450" lvl="5" marL="2743200">
+            <a:lvl6pPr marL="2743200" lvl="5" indent="-298450">
               <a:spcBef>
                 <a:spcPts val="1600"/>
               </a:spcBef>
@@ -6431,7 +6466,7 @@
               <a:buChar char="■"/>
               <a:defRPr/>
             </a:lvl6pPr>
-            <a:lvl7pPr indent="-298450" lvl="6" marL="3200400">
+            <a:lvl7pPr marL="3200400" lvl="6" indent="-298450">
               <a:spcBef>
                 <a:spcPts val="1600"/>
               </a:spcBef>
@@ -6442,7 +6477,7 @@
               <a:buChar char="●"/>
               <a:defRPr/>
             </a:lvl7pPr>
-            <a:lvl8pPr indent="-298450" lvl="7" marL="3657600">
+            <a:lvl8pPr marL="3657600" lvl="7" indent="-298450">
               <a:spcBef>
                 <a:spcPts val="1600"/>
               </a:spcBef>
@@ -6453,7 +6488,7 @@
               <a:buChar char="○"/>
               <a:defRPr/>
             </a:lvl8pPr>
-            <a:lvl9pPr indent="-298450" lvl="8" marL="4114800">
+            <a:lvl9pPr marL="4114800" lvl="8" indent="-298450">
               <a:spcBef>
                 <a:spcPts val="1600"/>
               </a:spcBef>
@@ -6465,15 +6500,19 @@
               <a:defRPr/>
             </a:lvl9pPr>
           </a:lstStyle>
-          <a:p/>
+          <a:p>
+            <a:endParaRPr/>
+          </a:p>
         </p:txBody>
       </p:sp>
       <p:sp>
         <p:nvSpPr>
           <p:cNvPr id="68" name="Google Shape;68;p7"/>
-          <p:cNvSpPr txBox="1"/>
+          <p:cNvSpPr txBox="1">
+            <a:spLocks noGrp="1"/>
+          </p:cNvSpPr>
           <p:nvPr>
-            <p:ph idx="12" type="sldNum"/>
+            <p:ph type="sldNum" idx="12"/>
           </p:nvPr>
         </p:nvSpPr>
         <p:spPr>
@@ -6486,7 +6525,7 @@
           </a:prstGeom>
         </p:spPr>
         <p:txBody>
-          <a:bodyPr anchorCtr="0" anchor="ctr" bIns="91425" lIns="91425" spcFirstLastPara="1" rIns="91425" wrap="square" tIns="91425">
+          <a:bodyPr spcFirstLastPara="1" wrap="square" lIns="91425" tIns="91425" rIns="91425" bIns="91425" anchor="ctr" anchorCtr="0">
             <a:noAutofit/>
           </a:bodyPr>
           <a:lstStyle>
@@ -6528,7 +6567,7 @@
             </a:lvl9pPr>
           </a:lstStyle>
           <a:p>
-            <a:pPr indent="0" lvl="0" marL="0" rtl="0" algn="r">
+            <a:pPr marL="0" lvl="0" indent="0" algn="r" rtl="0">
               <a:spcBef>
                 <a:spcPts val="0"/>
               </a:spcBef>
@@ -6554,11 +6593,11 @@
 </file>
 
 <file path=ppt/slideLayouts/slideLayout7.xml><?xml version="1.0" encoding="utf-8"?>
-<p:sldLayout xmlns:a="http://schemas.openxmlformats.org/drawingml/2006/main" xmlns:r="http://schemas.openxmlformats.org/officeDocument/2006/relationships" xmlns:mc="http://schemas.openxmlformats.org/markup-compatibility/2006" xmlns:mv="urn:schemas-microsoft-com:mac:vml" xmlns:p="http://schemas.openxmlformats.org/presentationml/2006/main" xmlns:c="http://schemas.openxmlformats.org/drawingml/2006/chart" xmlns:dgm="http://schemas.openxmlformats.org/drawingml/2006/diagram" xmlns:o="urn:schemas-microsoft-com:office:office" xmlns:v="urn:schemas-microsoft-com:vml" xmlns:pvml="urn:schemas-microsoft-com:office:powerpoint" xmlns:com="http://schemas.openxmlformats.org/drawingml/2006/compatibility" xmlns:p14="http://schemas.microsoft.com/office/powerpoint/2010/main" xmlns:p15="http://schemas.microsoft.com/office/powerpoint/2012/main" matchingName="Main point">
+<p:sldLayout xmlns:a="http://schemas.openxmlformats.org/drawingml/2006/main" xmlns:r="http://schemas.openxmlformats.org/officeDocument/2006/relationships" xmlns:p="http://schemas.openxmlformats.org/presentationml/2006/main" matchingName="Main point">
   <p:cSld name="MAIN_POINT">
     <p:spTree>
       <p:nvGrpSpPr>
-        <p:cNvPr id="69" name="Shape 69"/>
+        <p:cNvPr id="1" name="Shape 69"/>
         <p:cNvGrpSpPr/>
         <p:nvPr/>
       </p:nvGrpSpPr>
@@ -6597,7 +6636,7 @@
             </a:xfrm>
             <a:prstGeom prst="diagStripe">
               <a:avLst>
-                <a:gd fmla="val 49469" name="adj"/>
+                <a:gd name="adj" fmla="val 49469"/>
               </a:avLst>
             </a:prstGeom>
             <a:solidFill>
@@ -6610,12 +6649,12 @@
             </a:ln>
           </p:spPr>
           <p:txBody>
-            <a:bodyPr anchorCtr="0" anchor="ctr" bIns="91425" lIns="91425" spcFirstLastPara="1" rIns="91425" wrap="square" tIns="91425">
+            <a:bodyPr spcFirstLastPara="1" wrap="square" lIns="91425" tIns="91425" rIns="91425" bIns="91425" anchor="ctr" anchorCtr="0">
               <a:noAutofit/>
             </a:bodyPr>
             <a:lstStyle/>
             <a:p>
-              <a:pPr indent="0" lvl="0" marL="0" rtl="0" algn="l">
+              <a:pPr marL="0" lvl="0" indent="0" algn="l" rtl="0">
                 <a:spcBef>
                   <a:spcPts val="0"/>
                 </a:spcBef>
@@ -6624,9 +6663,6 @@
                 </a:spcAft>
                 <a:buNone/>
               </a:pPr>
-              <a:r>
-                <a:t/>
-              </a:r>
               <a:endParaRPr/>
             </a:p>
           </p:txBody>
@@ -6644,7 +6680,7 @@
             </a:xfrm>
             <a:prstGeom prst="diagStripe">
               <a:avLst>
-                <a:gd fmla="val 0" name="adj"/>
+                <a:gd name="adj" fmla="val 0"/>
               </a:avLst>
             </a:prstGeom>
             <a:solidFill>
@@ -6657,12 +6693,12 @@
             </a:ln>
           </p:spPr>
           <p:txBody>
-            <a:bodyPr anchorCtr="0" anchor="ctr" bIns="91425" lIns="91425" spcFirstLastPara="1" rIns="91425" wrap="square" tIns="91425">
+            <a:bodyPr spcFirstLastPara="1" wrap="square" lIns="91425" tIns="91425" rIns="91425" bIns="91425" anchor="ctr" anchorCtr="0">
               <a:noAutofit/>
             </a:bodyPr>
             <a:lstStyle/>
             <a:p>
-              <a:pPr indent="0" lvl="0" marL="0" rtl="0" algn="l">
+              <a:pPr marL="0" lvl="0" indent="0" algn="l" rtl="0">
                 <a:spcBef>
                   <a:spcPts val="0"/>
                 </a:spcBef>
@@ -6671,9 +6707,6 @@
                 </a:spcAft>
                 <a:buNone/>
               </a:pPr>
-              <a:r>
-                <a:t/>
-              </a:r>
               <a:endParaRPr/>
             </a:p>
           </p:txBody>
@@ -6691,7 +6724,7 @@
             </a:xfrm>
             <a:prstGeom prst="diagStripe">
               <a:avLst>
-                <a:gd fmla="val 50000" name="adj"/>
+                <a:gd name="adj" fmla="val 50000"/>
               </a:avLst>
             </a:prstGeom>
             <a:solidFill>
@@ -6704,12 +6737,12 @@
             </a:ln>
           </p:spPr>
           <p:txBody>
-            <a:bodyPr anchorCtr="0" anchor="ctr" bIns="91425" lIns="91425" spcFirstLastPara="1" rIns="91425" wrap="square" tIns="91425">
+            <a:bodyPr spcFirstLastPara="1" wrap="square" lIns="91425" tIns="91425" rIns="91425" bIns="91425" anchor="ctr" anchorCtr="0">
               <a:noAutofit/>
             </a:bodyPr>
             <a:lstStyle/>
             <a:p>
-              <a:pPr indent="0" lvl="0" marL="0" rtl="0" algn="l">
+              <a:pPr marL="0" lvl="0" indent="0" algn="l" rtl="0">
                 <a:spcBef>
                   <a:spcPts val="0"/>
                 </a:spcBef>
@@ -6718,9 +6751,6 @@
                 </a:spcAft>
                 <a:buNone/>
               </a:pPr>
-              <a:r>
-                <a:t/>
-              </a:r>
               <a:endParaRPr/>
             </a:p>
           </p:txBody>
@@ -6738,7 +6768,7 @@
             </a:xfrm>
             <a:prstGeom prst="diagStripe">
               <a:avLst>
-                <a:gd fmla="val 50000" name="adj"/>
+                <a:gd name="adj" fmla="val 50000"/>
               </a:avLst>
             </a:prstGeom>
             <a:solidFill>
@@ -6751,12 +6781,12 @@
             </a:ln>
           </p:spPr>
           <p:txBody>
-            <a:bodyPr anchorCtr="0" anchor="ctr" bIns="91425" lIns="91425" spcFirstLastPara="1" rIns="91425" wrap="square" tIns="91425">
+            <a:bodyPr spcFirstLastPara="1" wrap="square" lIns="91425" tIns="91425" rIns="91425" bIns="91425" anchor="ctr" anchorCtr="0">
               <a:noAutofit/>
             </a:bodyPr>
             <a:lstStyle/>
             <a:p>
-              <a:pPr indent="0" lvl="0" marL="0" rtl="0" algn="l">
+              <a:pPr marL="0" lvl="0" indent="0" algn="l" rtl="0">
                 <a:spcBef>
                   <a:spcPts val="0"/>
                 </a:spcBef>
@@ -6765,9 +6795,6 @@
                 </a:spcAft>
                 <a:buNone/>
               </a:pPr>
-              <a:r>
-                <a:t/>
-              </a:r>
               <a:endParaRPr/>
             </a:p>
           </p:txBody>
@@ -6785,7 +6812,7 @@
             </a:xfrm>
             <a:prstGeom prst="diagStripe">
               <a:avLst>
-                <a:gd fmla="val 50000" name="adj"/>
+                <a:gd name="adj" fmla="val 50000"/>
               </a:avLst>
             </a:prstGeom>
             <a:solidFill>
@@ -6798,12 +6825,12 @@
             </a:ln>
           </p:spPr>
           <p:txBody>
-            <a:bodyPr anchorCtr="0" anchor="ctr" bIns="91425" lIns="91425" spcFirstLastPara="1" rIns="91425" wrap="square" tIns="91425">
+            <a:bodyPr spcFirstLastPara="1" wrap="square" lIns="91425" tIns="91425" rIns="91425" bIns="91425" anchor="ctr" anchorCtr="0">
               <a:noAutofit/>
             </a:bodyPr>
             <a:lstStyle/>
             <a:p>
-              <a:pPr indent="0" lvl="0" marL="0" rtl="0" algn="l">
+              <a:pPr marL="0" lvl="0" indent="0" algn="l" rtl="0">
                 <a:spcBef>
                   <a:spcPts val="0"/>
                 </a:spcBef>
@@ -6812,9 +6839,6 @@
                 </a:spcAft>
                 <a:buNone/>
               </a:pPr>
-              <a:r>
-                <a:t/>
-              </a:r>
               <a:endParaRPr/>
             </a:p>
           </p:txBody>
@@ -6832,7 +6856,7 @@
             </a:xfrm>
             <a:prstGeom prst="diagStripe">
               <a:avLst>
-                <a:gd fmla="val 50000" name="adj"/>
+                <a:gd name="adj" fmla="val 50000"/>
               </a:avLst>
             </a:prstGeom>
             <a:solidFill>
@@ -6845,12 +6869,12 @@
             </a:ln>
           </p:spPr>
           <p:txBody>
-            <a:bodyPr anchorCtr="0" anchor="ctr" bIns="91425" lIns="91425" spcFirstLastPara="1" rIns="91425" wrap="square" tIns="91425">
+            <a:bodyPr spcFirstLastPara="1" wrap="square" lIns="91425" tIns="91425" rIns="91425" bIns="91425" anchor="ctr" anchorCtr="0">
               <a:noAutofit/>
             </a:bodyPr>
             <a:lstStyle/>
             <a:p>
-              <a:pPr indent="0" lvl="0" marL="0" rtl="0" algn="l">
+              <a:pPr marL="0" lvl="0" indent="0" algn="l" rtl="0">
                 <a:spcBef>
                   <a:spcPts val="0"/>
                 </a:spcBef>
@@ -6859,9 +6883,6 @@
                 </a:spcAft>
                 <a:buNone/>
               </a:pPr>
-              <a:r>
-                <a:t/>
-              </a:r>
               <a:endParaRPr/>
             </a:p>
           </p:txBody>
@@ -6879,7 +6900,7 @@
             </a:xfrm>
             <a:prstGeom prst="diagStripe">
               <a:avLst>
-                <a:gd fmla="val 50000" name="adj"/>
+                <a:gd name="adj" fmla="val 50000"/>
               </a:avLst>
             </a:prstGeom>
             <a:solidFill>
@@ -6892,12 +6913,12 @@
             </a:ln>
           </p:spPr>
           <p:txBody>
-            <a:bodyPr anchorCtr="0" anchor="ctr" bIns="91425" lIns="91425" spcFirstLastPara="1" rIns="91425" wrap="square" tIns="91425">
+            <a:bodyPr spcFirstLastPara="1" wrap="square" lIns="91425" tIns="91425" rIns="91425" bIns="91425" anchor="ctr" anchorCtr="0">
               <a:noAutofit/>
             </a:bodyPr>
             <a:lstStyle/>
             <a:p>
-              <a:pPr indent="0" lvl="0" marL="0" rtl="0" algn="l">
+              <a:pPr marL="0" lvl="0" indent="0" algn="l" rtl="0">
                 <a:spcBef>
                   <a:spcPts val="0"/>
                 </a:spcBef>
@@ -6906,9 +6927,6 @@
                 </a:spcAft>
                 <a:buNone/>
               </a:pPr>
-              <a:r>
-                <a:t/>
-              </a:r>
               <a:endParaRPr/>
             </a:p>
           </p:txBody>
@@ -6926,7 +6944,7 @@
             </a:xfrm>
             <a:prstGeom prst="diagStripe">
               <a:avLst>
-                <a:gd fmla="val 50000" name="adj"/>
+                <a:gd name="adj" fmla="val 50000"/>
               </a:avLst>
             </a:prstGeom>
             <a:solidFill>
@@ -6937,12 +6955,12 @@
             </a:ln>
           </p:spPr>
           <p:txBody>
-            <a:bodyPr anchorCtr="0" anchor="ctr" bIns="91425" lIns="91425" spcFirstLastPara="1" rIns="91425" wrap="square" tIns="91425">
+            <a:bodyPr spcFirstLastPara="1" wrap="square" lIns="91425" tIns="91425" rIns="91425" bIns="91425" anchor="ctr" anchorCtr="0">
               <a:noAutofit/>
             </a:bodyPr>
             <a:lstStyle/>
             <a:p>
-              <a:pPr indent="0" lvl="0" marL="0" rtl="0" algn="l">
+              <a:pPr marL="0" lvl="0" indent="0" algn="l" rtl="0">
                 <a:spcBef>
                   <a:spcPts val="0"/>
                 </a:spcBef>
@@ -6951,9 +6969,6 @@
                 </a:spcAft>
                 <a:buNone/>
               </a:pPr>
-              <a:r>
-                <a:t/>
-              </a:r>
               <a:endParaRPr/>
             </a:p>
           </p:txBody>
@@ -6971,7 +6986,7 @@
             </a:xfrm>
             <a:prstGeom prst="diagStripe">
               <a:avLst>
-                <a:gd fmla="val 50000" name="adj"/>
+                <a:gd name="adj" fmla="val 50000"/>
               </a:avLst>
             </a:prstGeom>
             <a:solidFill>
@@ -6984,12 +6999,12 @@
             </a:ln>
           </p:spPr>
           <p:txBody>
-            <a:bodyPr anchorCtr="0" anchor="ctr" bIns="91425" lIns="91425" spcFirstLastPara="1" rIns="91425" wrap="square" tIns="91425">
+            <a:bodyPr spcFirstLastPara="1" wrap="square" lIns="91425" tIns="91425" rIns="91425" bIns="91425" anchor="ctr" anchorCtr="0">
               <a:noAutofit/>
             </a:bodyPr>
             <a:lstStyle/>
             <a:p>
-              <a:pPr indent="0" lvl="0" marL="0" rtl="0" algn="l">
+              <a:pPr marL="0" lvl="0" indent="0" algn="l" rtl="0">
                 <a:spcBef>
                   <a:spcPts val="0"/>
                 </a:spcBef>
@@ -6998,9 +7013,6 @@
                 </a:spcAft>
                 <a:buNone/>
               </a:pPr>
-              <a:r>
-                <a:t/>
-              </a:r>
               <a:endParaRPr/>
             </a:p>
           </p:txBody>
@@ -7018,7 +7030,7 @@
             </a:xfrm>
             <a:prstGeom prst="diagStripe">
               <a:avLst>
-                <a:gd fmla="val 50000" name="adj"/>
+                <a:gd name="adj" fmla="val 50000"/>
               </a:avLst>
             </a:prstGeom>
             <a:solidFill>
@@ -7031,12 +7043,12 @@
             </a:ln>
           </p:spPr>
           <p:txBody>
-            <a:bodyPr anchorCtr="0" anchor="ctr" bIns="91425" lIns="91425" spcFirstLastPara="1" rIns="91425" wrap="square" tIns="91425">
+            <a:bodyPr spcFirstLastPara="1" wrap="square" lIns="91425" tIns="91425" rIns="91425" bIns="91425" anchor="ctr" anchorCtr="0">
               <a:noAutofit/>
             </a:bodyPr>
             <a:lstStyle/>
             <a:p>
-              <a:pPr indent="0" lvl="0" marL="0" rtl="0" algn="l">
+              <a:pPr marL="0" lvl="0" indent="0" algn="l" rtl="0">
                 <a:spcBef>
                   <a:spcPts val="0"/>
                 </a:spcBef>
@@ -7045,9 +7057,6 @@
                 </a:spcAft>
                 <a:buNone/>
               </a:pPr>
-              <a:r>
-                <a:t/>
-              </a:r>
               <a:endParaRPr/>
             </a:p>
           </p:txBody>
@@ -7065,7 +7074,7 @@
             </a:xfrm>
             <a:prstGeom prst="diagStripe">
               <a:avLst>
-                <a:gd fmla="val 50000" name="adj"/>
+                <a:gd name="adj" fmla="val 50000"/>
               </a:avLst>
             </a:prstGeom>
             <a:solidFill>
@@ -7078,12 +7087,12 @@
             </a:ln>
           </p:spPr>
           <p:txBody>
-            <a:bodyPr anchorCtr="0" anchor="ctr" bIns="91425" lIns="91425" spcFirstLastPara="1" rIns="91425" wrap="square" tIns="91425">
+            <a:bodyPr spcFirstLastPara="1" wrap="square" lIns="91425" tIns="91425" rIns="91425" bIns="91425" anchor="ctr" anchorCtr="0">
               <a:noAutofit/>
             </a:bodyPr>
             <a:lstStyle/>
             <a:p>
-              <a:pPr indent="0" lvl="0" marL="0" rtl="0" algn="l">
+              <a:pPr marL="0" lvl="0" indent="0" algn="l" rtl="0">
                 <a:spcBef>
                   <a:spcPts val="0"/>
                 </a:spcBef>
@@ -7092,9 +7101,6 @@
                 </a:spcAft>
                 <a:buNone/>
               </a:pPr>
-              <a:r>
-                <a:t/>
-              </a:r>
               <a:endParaRPr/>
             </a:p>
           </p:txBody>
@@ -7112,7 +7118,7 @@
             </a:xfrm>
             <a:prstGeom prst="diagStripe">
               <a:avLst>
-                <a:gd fmla="val 50000" name="adj"/>
+                <a:gd name="adj" fmla="val 50000"/>
               </a:avLst>
             </a:prstGeom>
             <a:solidFill>
@@ -7125,12 +7131,12 @@
             </a:ln>
           </p:spPr>
           <p:txBody>
-            <a:bodyPr anchorCtr="0" anchor="ctr" bIns="91425" lIns="91425" spcFirstLastPara="1" rIns="91425" wrap="square" tIns="91425">
+            <a:bodyPr spcFirstLastPara="1" wrap="square" lIns="91425" tIns="91425" rIns="91425" bIns="91425" anchor="ctr" anchorCtr="0">
               <a:noAutofit/>
             </a:bodyPr>
             <a:lstStyle/>
             <a:p>
-              <a:pPr indent="0" lvl="0" marL="0" rtl="0" algn="l">
+              <a:pPr marL="0" lvl="0" indent="0" algn="l" rtl="0">
                 <a:spcBef>
                   <a:spcPts val="0"/>
                 </a:spcBef>
@@ -7139,9 +7145,6 @@
                 </a:spcAft>
                 <a:buNone/>
               </a:pPr>
-              <a:r>
-                <a:t/>
-              </a:r>
               <a:endParaRPr/>
             </a:p>
           </p:txBody>
@@ -7159,7 +7162,7 @@
             </a:xfrm>
             <a:prstGeom prst="diagStripe">
               <a:avLst>
-                <a:gd fmla="val 50000" name="adj"/>
+                <a:gd name="adj" fmla="val 50000"/>
               </a:avLst>
             </a:prstGeom>
             <a:solidFill>
@@ -7172,12 +7175,12 @@
             </a:ln>
           </p:spPr>
           <p:txBody>
-            <a:bodyPr anchorCtr="0" anchor="ctr" bIns="91425" lIns="91425" spcFirstLastPara="1" rIns="91425" wrap="square" tIns="91425">
+            <a:bodyPr spcFirstLastPara="1" wrap="square" lIns="91425" tIns="91425" rIns="91425" bIns="91425" anchor="ctr" anchorCtr="0">
               <a:noAutofit/>
             </a:bodyPr>
             <a:lstStyle/>
             <a:p>
-              <a:pPr indent="0" lvl="0" marL="0" rtl="0" algn="l">
+              <a:pPr marL="0" lvl="0" indent="0" algn="l" rtl="0">
                 <a:spcBef>
                   <a:spcPts val="0"/>
                 </a:spcBef>
@@ -7186,9 +7189,6 @@
                 </a:spcAft>
                 <a:buNone/>
               </a:pPr>
-              <a:r>
-                <a:t/>
-              </a:r>
               <a:endParaRPr/>
             </a:p>
           </p:txBody>
@@ -7206,7 +7206,7 @@
             </a:xfrm>
             <a:prstGeom prst="diagStripe">
               <a:avLst>
-                <a:gd fmla="val 50000" name="adj"/>
+                <a:gd name="adj" fmla="val 50000"/>
               </a:avLst>
             </a:prstGeom>
             <a:solidFill>
@@ -7217,12 +7217,12 @@
             </a:ln>
           </p:spPr>
           <p:txBody>
-            <a:bodyPr anchorCtr="0" anchor="ctr" bIns="91425" lIns="91425" spcFirstLastPara="1" rIns="91425" wrap="square" tIns="91425">
+            <a:bodyPr spcFirstLastPara="1" wrap="square" lIns="91425" tIns="91425" rIns="91425" bIns="91425" anchor="ctr" anchorCtr="0">
               <a:noAutofit/>
             </a:bodyPr>
             <a:lstStyle/>
             <a:p>
-              <a:pPr indent="0" lvl="0" marL="0" rtl="0" algn="l">
+              <a:pPr marL="0" lvl="0" indent="0" algn="l" rtl="0">
                 <a:spcBef>
                   <a:spcPts val="0"/>
                 </a:spcBef>
@@ -7231,9 +7231,6 @@
                 </a:spcAft>
                 <a:buNone/>
               </a:pPr>
-              <a:r>
-                <a:t/>
-              </a:r>
               <a:endParaRPr/>
             </a:p>
           </p:txBody>
@@ -7251,7 +7248,7 @@
             </a:xfrm>
             <a:prstGeom prst="diagStripe">
               <a:avLst>
-                <a:gd fmla="val 50000" name="adj"/>
+                <a:gd name="adj" fmla="val 50000"/>
               </a:avLst>
             </a:prstGeom>
             <a:solidFill>
@@ -7264,12 +7261,12 @@
             </a:ln>
           </p:spPr>
           <p:txBody>
-            <a:bodyPr anchorCtr="0" anchor="ctr" bIns="91425" lIns="91425" spcFirstLastPara="1" rIns="91425" wrap="square" tIns="91425">
+            <a:bodyPr spcFirstLastPara="1" wrap="square" lIns="91425" tIns="91425" rIns="91425" bIns="91425" anchor="ctr" anchorCtr="0">
               <a:noAutofit/>
             </a:bodyPr>
             <a:lstStyle/>
             <a:p>
-              <a:pPr indent="0" lvl="0" marL="0" rtl="0" algn="l">
+              <a:pPr marL="0" lvl="0" indent="0" algn="l" rtl="0">
                 <a:spcBef>
                   <a:spcPts val="0"/>
                 </a:spcBef>
@@ -7278,9 +7275,6 @@
                 </a:spcAft>
                 <a:buNone/>
               </a:pPr>
-              <a:r>
-                <a:t/>
-              </a:r>
               <a:endParaRPr/>
             </a:p>
           </p:txBody>
@@ -7298,7 +7292,7 @@
             </a:xfrm>
             <a:prstGeom prst="diagStripe">
               <a:avLst>
-                <a:gd fmla="val 50000" name="adj"/>
+                <a:gd name="adj" fmla="val 50000"/>
               </a:avLst>
             </a:prstGeom>
             <a:solidFill>
@@ -7311,12 +7305,12 @@
             </a:ln>
           </p:spPr>
           <p:txBody>
-            <a:bodyPr anchorCtr="0" anchor="ctr" bIns="91425" lIns="91425" spcFirstLastPara="1" rIns="91425" wrap="square" tIns="91425">
+            <a:bodyPr spcFirstLastPara="1" wrap="square" lIns="91425" tIns="91425" rIns="91425" bIns="91425" anchor="ctr" anchorCtr="0">
               <a:noAutofit/>
             </a:bodyPr>
             <a:lstStyle/>
             <a:p>
-              <a:pPr indent="0" lvl="0" marL="0" rtl="0" algn="l">
+              <a:pPr marL="0" lvl="0" indent="0" algn="l" rtl="0">
                 <a:spcBef>
                   <a:spcPts val="0"/>
                 </a:spcBef>
@@ -7325,9 +7319,6 @@
                 </a:spcAft>
                 <a:buNone/>
               </a:pPr>
-              <a:r>
-                <a:t/>
-              </a:r>
               <a:endParaRPr/>
             </a:p>
           </p:txBody>
@@ -7345,7 +7336,7 @@
             </a:xfrm>
             <a:prstGeom prst="diagStripe">
               <a:avLst>
-                <a:gd fmla="val 50000" name="adj"/>
+                <a:gd name="adj" fmla="val 50000"/>
               </a:avLst>
             </a:prstGeom>
             <a:solidFill>
@@ -7358,12 +7349,12 @@
             </a:ln>
           </p:spPr>
           <p:txBody>
-            <a:bodyPr anchorCtr="0" anchor="ctr" bIns="91425" lIns="91425" spcFirstLastPara="1" rIns="91425" wrap="square" tIns="91425">
+            <a:bodyPr spcFirstLastPara="1" wrap="square" lIns="91425" tIns="91425" rIns="91425" bIns="91425" anchor="ctr" anchorCtr="0">
               <a:noAutofit/>
             </a:bodyPr>
             <a:lstStyle/>
             <a:p>
-              <a:pPr indent="0" lvl="0" marL="0" rtl="0" algn="l">
+              <a:pPr marL="0" lvl="0" indent="0" algn="l" rtl="0">
                 <a:spcBef>
                   <a:spcPts val="0"/>
                 </a:spcBef>
@@ -7372,9 +7363,6 @@
                 </a:spcAft>
                 <a:buNone/>
               </a:pPr>
-              <a:r>
-                <a:t/>
-              </a:r>
               <a:endParaRPr/>
             </a:p>
           </p:txBody>
@@ -7392,7 +7380,7 @@
             </a:xfrm>
             <a:prstGeom prst="diagStripe">
               <a:avLst>
-                <a:gd fmla="val 50000" name="adj"/>
+                <a:gd name="adj" fmla="val 50000"/>
               </a:avLst>
             </a:prstGeom>
             <a:solidFill>
@@ -7405,12 +7393,12 @@
             </a:ln>
           </p:spPr>
           <p:txBody>
-            <a:bodyPr anchorCtr="0" anchor="ctr" bIns="91425" lIns="91425" spcFirstLastPara="1" rIns="91425" wrap="square" tIns="91425">
+            <a:bodyPr spcFirstLastPara="1" wrap="square" lIns="91425" tIns="91425" rIns="91425" bIns="91425" anchor="ctr" anchorCtr="0">
               <a:noAutofit/>
             </a:bodyPr>
             <a:lstStyle/>
             <a:p>
-              <a:pPr indent="0" lvl="0" marL="0" rtl="0" algn="l">
+              <a:pPr marL="0" lvl="0" indent="0" algn="l" rtl="0">
                 <a:spcBef>
                   <a:spcPts val="0"/>
                 </a:spcBef>
@@ -7419,9 +7407,6 @@
                 </a:spcAft>
                 <a:buNone/>
               </a:pPr>
-              <a:r>
-                <a:t/>
-              </a:r>
               <a:endParaRPr/>
             </a:p>
           </p:txBody>
@@ -7430,7 +7415,9 @@
       <p:sp>
         <p:nvSpPr>
           <p:cNvPr id="89" name="Google Shape;89;p8"/>
-          <p:cNvSpPr txBox="1"/>
+          <p:cNvSpPr txBox="1">
+            <a:spLocks noGrp="1"/>
+          </p:cNvSpPr>
           <p:nvPr>
             <p:ph type="title"/>
           </p:nvPr>
@@ -7445,7 +7432,7 @@
           </a:prstGeom>
         </p:spPr>
         <p:txBody>
-          <a:bodyPr anchorCtr="0" anchor="ctr" bIns="91425" lIns="91425" spcFirstLastPara="1" rIns="91425" wrap="square" tIns="91425">
+          <a:bodyPr spcFirstLastPara="1" wrap="square" lIns="91425" tIns="91425" rIns="91425" bIns="91425" anchor="ctr" anchorCtr="0">
             <a:noAutofit/>
           </a:bodyPr>
           <a:lstStyle>
@@ -7549,15 +7536,19 @@
               <a:defRPr/>
             </a:lvl9pPr>
           </a:lstStyle>
-          <a:p/>
+          <a:p>
+            <a:endParaRPr/>
+          </a:p>
         </p:txBody>
       </p:sp>
       <p:sp>
         <p:nvSpPr>
           <p:cNvPr id="90" name="Google Shape;90;p8"/>
-          <p:cNvSpPr txBox="1"/>
+          <p:cNvSpPr txBox="1">
+            <a:spLocks noGrp="1"/>
+          </p:cNvSpPr>
           <p:nvPr>
-            <p:ph idx="12" type="sldNum"/>
+            <p:ph type="sldNum" idx="12"/>
           </p:nvPr>
         </p:nvSpPr>
         <p:spPr>
@@ -7570,7 +7561,7 @@
           </a:prstGeom>
         </p:spPr>
         <p:txBody>
-          <a:bodyPr anchorCtr="0" anchor="ctr" bIns="91425" lIns="91425" spcFirstLastPara="1" rIns="91425" wrap="square" tIns="91425">
+          <a:bodyPr spcFirstLastPara="1" wrap="square" lIns="91425" tIns="91425" rIns="91425" bIns="91425" anchor="ctr" anchorCtr="0">
             <a:noAutofit/>
           </a:bodyPr>
           <a:lstStyle>
@@ -7612,7 +7603,7 @@
             </a:lvl9pPr>
           </a:lstStyle>
           <a:p>
-            <a:pPr indent="0" lvl="0" marL="0" rtl="0" algn="r">
+            <a:pPr marL="0" lvl="0" indent="0" algn="r" rtl="0">
               <a:spcBef>
                 <a:spcPts val="0"/>
               </a:spcBef>
@@ -7638,11 +7629,11 @@
 </file>
 
 <file path=ppt/slideLayouts/slideLayout8.xml><?xml version="1.0" encoding="utf-8"?>
-<p:sldLayout xmlns:a="http://schemas.openxmlformats.org/drawingml/2006/main" xmlns:r="http://schemas.openxmlformats.org/officeDocument/2006/relationships" xmlns:mc="http://schemas.openxmlformats.org/markup-compatibility/2006" xmlns:mv="urn:schemas-microsoft-com:mac:vml" xmlns:p="http://schemas.openxmlformats.org/presentationml/2006/main" xmlns:c="http://schemas.openxmlformats.org/drawingml/2006/chart" xmlns:dgm="http://schemas.openxmlformats.org/drawingml/2006/diagram" xmlns:o="urn:schemas-microsoft-com:office:office" xmlns:v="urn:schemas-microsoft-com:vml" xmlns:pvml="urn:schemas-microsoft-com:office:powerpoint" xmlns:com="http://schemas.openxmlformats.org/drawingml/2006/compatibility" xmlns:p14="http://schemas.microsoft.com/office/powerpoint/2010/main" xmlns:p15="http://schemas.microsoft.com/office/powerpoint/2012/main" matchingName="Section title and description">
+<p:sldLayout xmlns:a="http://schemas.openxmlformats.org/drawingml/2006/main" xmlns:r="http://schemas.openxmlformats.org/officeDocument/2006/relationships" xmlns:p="http://schemas.openxmlformats.org/presentationml/2006/main" matchingName="Section title and description">
   <p:cSld name="SECTION_TITLE_AND_DESCRIPTION">
     <p:spTree>
       <p:nvGrpSpPr>
-        <p:cNvPr id="91" name="Shape 91"/>
+        <p:cNvPr id="1" name="Shape 91"/>
         <p:cNvGrpSpPr/>
         <p:nvPr/>
       </p:nvGrpSpPr>
@@ -7681,7 +7672,7 @@
             </a:xfrm>
             <a:prstGeom prst="diagStripe">
               <a:avLst>
-                <a:gd fmla="val 50000" name="adj"/>
+                <a:gd name="adj" fmla="val 50000"/>
               </a:avLst>
             </a:prstGeom>
             <a:solidFill>
@@ -7692,12 +7683,12 @@
             </a:ln>
           </p:spPr>
           <p:txBody>
-            <a:bodyPr anchorCtr="0" anchor="ctr" bIns="91425" lIns="91425" spcFirstLastPara="1" rIns="91425" wrap="square" tIns="91425">
+            <a:bodyPr spcFirstLastPara="1" wrap="square" lIns="91425" tIns="91425" rIns="91425" bIns="91425" anchor="ctr" anchorCtr="0">
               <a:noAutofit/>
             </a:bodyPr>
             <a:lstStyle/>
             <a:p>
-              <a:pPr indent="0" lvl="0" marL="0" rtl="0" algn="l">
+              <a:pPr marL="0" lvl="0" indent="0" algn="l" rtl="0">
                 <a:spcBef>
                   <a:spcPts val="0"/>
                 </a:spcBef>
@@ -7706,9 +7697,6 @@
                 </a:spcAft>
                 <a:buNone/>
               </a:pPr>
-              <a:r>
-                <a:t/>
-              </a:r>
               <a:endParaRPr/>
             </a:p>
           </p:txBody>
@@ -7726,7 +7714,7 @@
             </a:xfrm>
             <a:prstGeom prst="diagStripe">
               <a:avLst>
-                <a:gd fmla="val 50000" name="adj"/>
+                <a:gd name="adj" fmla="val 50000"/>
               </a:avLst>
             </a:prstGeom>
             <a:solidFill>
@@ -7737,12 +7725,12 @@
             </a:ln>
           </p:spPr>
           <p:txBody>
-            <a:bodyPr anchorCtr="0" anchor="ctr" bIns="91425" lIns="91425" spcFirstLastPara="1" rIns="91425" wrap="square" tIns="91425">
+            <a:bodyPr spcFirstLastPara="1" wrap="square" lIns="91425" tIns="91425" rIns="91425" bIns="91425" anchor="ctr" anchorCtr="0">
               <a:noAutofit/>
             </a:bodyPr>
             <a:lstStyle/>
             <a:p>
-              <a:pPr indent="0" lvl="0" marL="0" rtl="0" algn="l">
+              <a:pPr marL="0" lvl="0" indent="0" algn="l" rtl="0">
                 <a:spcBef>
                   <a:spcPts val="0"/>
                 </a:spcBef>
@@ -7751,9 +7739,6 @@
                 </a:spcAft>
                 <a:buNone/>
               </a:pPr>
-              <a:r>
-                <a:t/>
-              </a:r>
               <a:endParaRPr/>
             </a:p>
           </p:txBody>
@@ -7762,7 +7747,9 @@
       <p:sp>
         <p:nvSpPr>
           <p:cNvPr id="95" name="Google Shape;95;p9"/>
-          <p:cNvSpPr txBox="1"/>
+          <p:cNvSpPr txBox="1">
+            <a:spLocks noGrp="1"/>
+          </p:cNvSpPr>
           <p:nvPr>
             <p:ph type="title"/>
           </p:nvPr>
@@ -7777,7 +7764,7 @@
           </a:prstGeom>
         </p:spPr>
         <p:txBody>
-          <a:bodyPr anchorCtr="0" anchor="t" bIns="91425" lIns="91425" spcFirstLastPara="1" rIns="91425" wrap="square" tIns="91425">
+          <a:bodyPr spcFirstLastPara="1" wrap="square" lIns="91425" tIns="91425" rIns="91425" bIns="91425" anchor="t" anchorCtr="0">
             <a:noAutofit/>
           </a:bodyPr>
           <a:lstStyle>
@@ -7881,15 +7868,19 @@
               <a:defRPr sz="2400"/>
             </a:lvl9pPr>
           </a:lstStyle>
-          <a:p/>
+          <a:p>
+            <a:endParaRPr/>
+          </a:p>
         </p:txBody>
       </p:sp>
       <p:sp>
         <p:nvSpPr>
           <p:cNvPr id="96" name="Google Shape;96;p9"/>
-          <p:cNvSpPr txBox="1"/>
+          <p:cNvSpPr txBox="1">
+            <a:spLocks noGrp="1"/>
+          </p:cNvSpPr>
           <p:nvPr>
-            <p:ph idx="1" type="subTitle"/>
+            <p:ph type="subTitle" idx="1"/>
           </p:nvPr>
         </p:nvSpPr>
         <p:spPr>
@@ -7902,7 +7893,7 @@
           </a:prstGeom>
         </p:spPr>
         <p:txBody>
-          <a:bodyPr anchorCtr="0" anchor="t" bIns="91425" lIns="91425" spcFirstLastPara="1" rIns="91425" wrap="square" tIns="91425">
+          <a:bodyPr spcFirstLastPara="1" wrap="square" lIns="91425" tIns="91425" rIns="91425" bIns="91425" anchor="t" anchorCtr="0">
             <a:noAutofit/>
           </a:bodyPr>
           <a:lstStyle>
@@ -8033,15 +8024,19 @@
               <a:defRPr sz="1300"/>
             </a:lvl9pPr>
           </a:lstStyle>
-          <a:p/>
+          <a:p>
+            <a:endParaRPr/>
+          </a:p>
         </p:txBody>
       </p:sp>
       <p:sp>
         <p:nvSpPr>
           <p:cNvPr id="97" name="Google Shape;97;p9"/>
-          <p:cNvSpPr txBox="1"/>
+          <p:cNvSpPr txBox="1">
+            <a:spLocks noGrp="1"/>
+          </p:cNvSpPr>
           <p:nvPr>
-            <p:ph idx="2" type="body"/>
+            <p:ph type="body" idx="2"/>
           </p:nvPr>
         </p:nvSpPr>
         <p:spPr>
@@ -8054,11 +8049,11 @@
           </a:prstGeom>
         </p:spPr>
         <p:txBody>
-          <a:bodyPr anchorCtr="0" anchor="t" bIns="91425" lIns="91425" spcFirstLastPara="1" rIns="91425" wrap="square" tIns="91425">
+          <a:bodyPr spcFirstLastPara="1" wrap="square" lIns="91425" tIns="91425" rIns="91425" bIns="91425" anchor="t" anchorCtr="0">
             <a:noAutofit/>
           </a:bodyPr>
           <a:lstStyle>
-            <a:lvl1pPr indent="-311150" lvl="0" marL="457200">
+            <a:lvl1pPr marL="457200" lvl="0" indent="-311150">
               <a:spcBef>
                 <a:spcPts val="0"/>
               </a:spcBef>
@@ -8069,7 +8064,7 @@
               <a:buChar char="●"/>
               <a:defRPr/>
             </a:lvl1pPr>
-            <a:lvl2pPr indent="-298450" lvl="1" marL="914400">
+            <a:lvl2pPr marL="914400" lvl="1" indent="-298450">
               <a:spcBef>
                 <a:spcPts val="1600"/>
               </a:spcBef>
@@ -8080,7 +8075,7 @@
               <a:buChar char="○"/>
               <a:defRPr/>
             </a:lvl2pPr>
-            <a:lvl3pPr indent="-298450" lvl="2" marL="1371600">
+            <a:lvl3pPr marL="1371600" lvl="2" indent="-298450">
               <a:spcBef>
                 <a:spcPts val="1600"/>
               </a:spcBef>
@@ -8091,7 +8086,7 @@
               <a:buChar char="■"/>
               <a:defRPr/>
             </a:lvl3pPr>
-            <a:lvl4pPr indent="-298450" lvl="3" marL="1828800">
+            <a:lvl4pPr marL="1828800" lvl="3" indent="-298450">
               <a:spcBef>
                 <a:spcPts val="1600"/>
               </a:spcBef>
@@ -8102,7 +8097,7 @@
               <a:buChar char="●"/>
               <a:defRPr/>
             </a:lvl4pPr>
-            <a:lvl5pPr indent="-298450" lvl="4" marL="2286000">
+            <a:lvl5pPr marL="2286000" lvl="4" indent="-298450">
               <a:spcBef>
                 <a:spcPts val="1600"/>
               </a:spcBef>
@@ -8113,7 +8108,7 @@
               <a:buChar char="○"/>
               <a:defRPr/>
             </a:lvl5pPr>
-            <a:lvl6pPr indent="-298450" lvl="5" marL="2743200">
+            <a:lvl6pPr marL="2743200" lvl="5" indent="-298450">
               <a:spcBef>
                 <a:spcPts val="1600"/>
               </a:spcBef>
@@ -8124,7 +8119,7 @@
               <a:buChar char="■"/>
               <a:defRPr/>
             </a:lvl6pPr>
-            <a:lvl7pPr indent="-298450" lvl="6" marL="3200400">
+            <a:lvl7pPr marL="3200400" lvl="6" indent="-298450">
               <a:spcBef>
                 <a:spcPts val="1600"/>
               </a:spcBef>
@@ -8135,7 +8130,7 @@
               <a:buChar char="●"/>
               <a:defRPr/>
             </a:lvl7pPr>
-            <a:lvl8pPr indent="-298450" lvl="7" marL="3657600">
+            <a:lvl8pPr marL="3657600" lvl="7" indent="-298450">
               <a:spcBef>
                 <a:spcPts val="1600"/>
               </a:spcBef>
@@ -8146,7 +8141,7 @@
               <a:buChar char="○"/>
               <a:defRPr/>
             </a:lvl8pPr>
-            <a:lvl9pPr indent="-298450" lvl="8" marL="4114800">
+            <a:lvl9pPr marL="4114800" lvl="8" indent="-298450">
               <a:spcBef>
                 <a:spcPts val="1600"/>
               </a:spcBef>
@@ -8158,15 +8153,19 @@
               <a:defRPr/>
             </a:lvl9pPr>
           </a:lstStyle>
-          <a:p/>
+          <a:p>
+            <a:endParaRPr/>
+          </a:p>
         </p:txBody>
       </p:sp>
       <p:sp>
         <p:nvSpPr>
           <p:cNvPr id="98" name="Google Shape;98;p9"/>
-          <p:cNvSpPr txBox="1"/>
+          <p:cNvSpPr txBox="1">
+            <a:spLocks noGrp="1"/>
+          </p:cNvSpPr>
           <p:nvPr>
-            <p:ph idx="12" type="sldNum"/>
+            <p:ph type="sldNum" idx="12"/>
           </p:nvPr>
         </p:nvSpPr>
         <p:spPr>
@@ -8179,7 +8178,7 @@
           </a:prstGeom>
         </p:spPr>
         <p:txBody>
-          <a:bodyPr anchorCtr="0" anchor="ctr" bIns="91425" lIns="91425" spcFirstLastPara="1" rIns="91425" wrap="square" tIns="91425">
+          <a:bodyPr spcFirstLastPara="1" wrap="square" lIns="91425" tIns="91425" rIns="91425" bIns="91425" anchor="ctr" anchorCtr="0">
             <a:noAutofit/>
           </a:bodyPr>
           <a:lstStyle>
@@ -8221,7 +8220,7 @@
             </a:lvl9pPr>
           </a:lstStyle>
           <a:p>
-            <a:pPr indent="0" lvl="0" marL="0" rtl="0" algn="r">
+            <a:pPr marL="0" lvl="0" indent="0" algn="r" rtl="0">
               <a:spcBef>
                 <a:spcPts val="0"/>
               </a:spcBef>
@@ -8247,11 +8246,11 @@
 </file>
 
 <file path=ppt/slideLayouts/slideLayout9.xml><?xml version="1.0" encoding="utf-8"?>
-<p:sldLayout xmlns:a="http://schemas.openxmlformats.org/drawingml/2006/main" xmlns:r="http://schemas.openxmlformats.org/officeDocument/2006/relationships" xmlns:mc="http://schemas.openxmlformats.org/markup-compatibility/2006" xmlns:mv="urn:schemas-microsoft-com:mac:vml" xmlns:p="http://schemas.openxmlformats.org/presentationml/2006/main" xmlns:c="http://schemas.openxmlformats.org/drawingml/2006/chart" xmlns:dgm="http://schemas.openxmlformats.org/drawingml/2006/diagram" xmlns:o="urn:schemas-microsoft-com:office:office" xmlns:v="urn:schemas-microsoft-com:vml" xmlns:pvml="urn:schemas-microsoft-com:office:powerpoint" xmlns:com="http://schemas.openxmlformats.org/drawingml/2006/compatibility" xmlns:p14="http://schemas.microsoft.com/office/powerpoint/2010/main" xmlns:p15="http://schemas.microsoft.com/office/powerpoint/2012/main" matchingName="Caption">
+<p:sldLayout xmlns:a="http://schemas.openxmlformats.org/drawingml/2006/main" xmlns:r="http://schemas.openxmlformats.org/officeDocument/2006/relationships" xmlns:p="http://schemas.openxmlformats.org/presentationml/2006/main" matchingName="Caption">
   <p:cSld name="CAPTION_ONLY">
     <p:spTree>
       <p:nvGrpSpPr>
-        <p:cNvPr id="99" name="Shape 99"/>
+        <p:cNvPr id="1" name="Shape 99"/>
         <p:cNvGrpSpPr/>
         <p:nvPr/>
       </p:nvGrpSpPr>
@@ -8290,7 +8289,7 @@
             </a:xfrm>
             <a:prstGeom prst="diagStripe">
               <a:avLst>
-                <a:gd fmla="val 50000" name="adj"/>
+                <a:gd name="adj" fmla="val 50000"/>
               </a:avLst>
             </a:prstGeom>
             <a:solidFill>
@@ -8303,12 +8302,12 @@
             </a:ln>
           </p:spPr>
           <p:txBody>
-            <a:bodyPr anchorCtr="0" anchor="ctr" bIns="91425" lIns="91425" spcFirstLastPara="1" rIns="91425" wrap="square" tIns="91425">
+            <a:bodyPr spcFirstLastPara="1" wrap="square" lIns="91425" tIns="91425" rIns="91425" bIns="91425" anchor="ctr" anchorCtr="0">
               <a:noAutofit/>
             </a:bodyPr>
             <a:lstStyle/>
             <a:p>
-              <a:pPr indent="0" lvl="0" marL="0" rtl="0" algn="l">
+              <a:pPr marL="0" lvl="0" indent="0" algn="l" rtl="0">
                 <a:spcBef>
                   <a:spcPts val="0"/>
                 </a:spcBef>
@@ -8317,9 +8316,6 @@
                 </a:spcAft>
                 <a:buNone/>
               </a:pPr>
-              <a:r>
-                <a:t/>
-              </a:r>
               <a:endParaRPr/>
             </a:p>
           </p:txBody>
@@ -8337,7 +8333,7 @@
             </a:xfrm>
             <a:prstGeom prst="diagStripe">
               <a:avLst>
-                <a:gd fmla="val 50000" name="adj"/>
+                <a:gd name="adj" fmla="val 50000"/>
               </a:avLst>
             </a:prstGeom>
             <a:solidFill>
@@ -8350,12 +8346,12 @@
             </a:ln>
           </p:spPr>
           <p:txBody>
-            <a:bodyPr anchorCtr="0" anchor="ctr" bIns="91425" lIns="91425" spcFirstLastPara="1" rIns="91425" wrap="square" tIns="91425">
+            <a:bodyPr spcFirstLastPara="1" wrap="square" lIns="91425" tIns="91425" rIns="91425" bIns="91425" anchor="ctr" anchorCtr="0">
               <a:noAutofit/>
             </a:bodyPr>
             <a:lstStyle/>
             <a:p>
-              <a:pPr indent="0" lvl="0" marL="0" rtl="0" algn="l">
+              <a:pPr marL="0" lvl="0" indent="0" algn="l" rtl="0">
                 <a:spcBef>
                   <a:spcPts val="0"/>
                 </a:spcBef>
@@ -8364,9 +8360,6 @@
                 </a:spcAft>
                 <a:buNone/>
               </a:pPr>
-              <a:r>
-                <a:t/>
-              </a:r>
               <a:endParaRPr/>
             </a:p>
           </p:txBody>
@@ -8375,9 +8368,11 @@
       <p:sp>
         <p:nvSpPr>
           <p:cNvPr id="103" name="Google Shape;103;p10"/>
-          <p:cNvSpPr txBox="1"/>
+          <p:cNvSpPr txBox="1">
+            <a:spLocks noGrp="1"/>
+          </p:cNvSpPr>
           <p:nvPr>
-            <p:ph idx="1" type="body"/>
+            <p:ph type="body" idx="1"/>
           </p:nvPr>
         </p:nvSpPr>
         <p:spPr>
@@ -8390,11 +8385,11 @@
           </a:prstGeom>
         </p:spPr>
         <p:txBody>
-          <a:bodyPr anchorCtr="0" anchor="ctr" bIns="91425" lIns="91425" spcFirstLastPara="1" rIns="91425" wrap="square" tIns="91425">
+          <a:bodyPr spcFirstLastPara="1" wrap="square" lIns="91425" tIns="91425" rIns="91425" bIns="91425" anchor="ctr" anchorCtr="0">
             <a:noAutofit/>
           </a:bodyPr>
           <a:lstStyle>
-            <a:lvl1pPr indent="-228600" lvl="0" marL="457200">
+            <a:lvl1pPr marL="457200" lvl="0" indent="-228600">
               <a:lnSpc>
                 <a:spcPct val="100000"/>
               </a:lnSpc>
@@ -8409,15 +8404,19 @@
               <a:defRPr/>
             </a:lvl1pPr>
           </a:lstStyle>
-          <a:p/>
+          <a:p>
+            <a:endParaRPr/>
+          </a:p>
         </p:txBody>
       </p:sp>
       <p:sp>
         <p:nvSpPr>
           <p:cNvPr id="104" name="Google Shape;104;p10"/>
-          <p:cNvSpPr txBox="1"/>
+          <p:cNvSpPr txBox="1">
+            <a:spLocks noGrp="1"/>
+          </p:cNvSpPr>
           <p:nvPr>
-            <p:ph idx="12" type="sldNum"/>
+            <p:ph type="sldNum" idx="12"/>
           </p:nvPr>
         </p:nvSpPr>
         <p:spPr>
@@ -8430,7 +8429,7 @@
           </a:prstGeom>
         </p:spPr>
         <p:txBody>
-          <a:bodyPr anchorCtr="0" anchor="ctr" bIns="91425" lIns="91425" spcFirstLastPara="1" rIns="91425" wrap="square" tIns="91425">
+          <a:bodyPr spcFirstLastPara="1" wrap="square" lIns="91425" tIns="91425" rIns="91425" bIns="91425" anchor="ctr" anchorCtr="0">
             <a:noAutofit/>
           </a:bodyPr>
           <a:lstStyle>
@@ -8472,7 +8471,7 @@
             </a:lvl9pPr>
           </a:lstStyle>
           <a:p>
-            <a:pPr indent="0" lvl="0" marL="0" rtl="0" algn="r">
+            <a:pPr marL="0" lvl="0" indent="0" algn="r" rtl="0">
               <a:spcBef>
                 <a:spcPts val="0"/>
               </a:spcBef>
@@ -8498,18 +8497,19 @@
 </file>
 
 <file path=ppt/slideMasters/slideMaster1.xml><?xml version="1.0" encoding="utf-8"?>
-<p:sldMaster xmlns:a="http://schemas.openxmlformats.org/drawingml/2006/main" xmlns:r="http://schemas.openxmlformats.org/officeDocument/2006/relationships" xmlns:mc="http://schemas.openxmlformats.org/markup-compatibility/2006" xmlns:mv="urn:schemas-microsoft-com:mac:vml" xmlns:p="http://schemas.openxmlformats.org/presentationml/2006/main" xmlns:c="http://schemas.openxmlformats.org/drawingml/2006/chart" xmlns:dgm="http://schemas.openxmlformats.org/drawingml/2006/diagram" xmlns:o="urn:schemas-microsoft-com:office:office" xmlns:v="urn:schemas-microsoft-com:vml" xmlns:pvml="urn:schemas-microsoft-com:office:powerpoint" xmlns:com="http://schemas.openxmlformats.org/drawingml/2006/compatibility" xmlns:p14="http://schemas.microsoft.com/office/powerpoint/2010/main" xmlns:p15="http://schemas.microsoft.com/office/powerpoint/2012/main">
+<p:sldMaster xmlns:a="http://schemas.openxmlformats.org/drawingml/2006/main" xmlns:r="http://schemas.openxmlformats.org/officeDocument/2006/relationships" xmlns:p="http://schemas.openxmlformats.org/presentationml/2006/main">
   <p:cSld name="focus">
     <p:bg>
       <p:bgPr>
         <a:solidFill>
           <a:schemeClr val="dk1"/>
         </a:solidFill>
+        <a:effectLst/>
       </p:bgPr>
     </p:bg>
     <p:spTree>
       <p:nvGrpSpPr>
-        <p:cNvPr id="5" name="Shape 5"/>
+        <p:cNvPr id="1" name="Shape 5"/>
         <p:cNvGrpSpPr/>
         <p:nvPr/>
       </p:nvGrpSpPr>
@@ -8524,7 +8524,9 @@
       <p:sp>
         <p:nvSpPr>
           <p:cNvPr id="6" name="Google Shape;6;p1"/>
-          <p:cNvSpPr txBox="1"/>
+          <p:cNvSpPr txBox="1">
+            <a:spLocks noGrp="1"/>
+          </p:cNvSpPr>
           <p:nvPr>
             <p:ph type="title"/>
           </p:nvPr>
@@ -8543,7 +8545,7 @@
           </a:ln>
         </p:spPr>
         <p:txBody>
-          <a:bodyPr anchorCtr="0" anchor="t" bIns="91425" lIns="91425" spcFirstLastPara="1" rIns="91425" wrap="square" tIns="91425">
+          <a:bodyPr spcFirstLastPara="1" wrap="square" lIns="91425" tIns="91425" rIns="91425" bIns="91425" anchor="t" anchorCtr="0">
             <a:noAutofit/>
           </a:bodyPr>
           <a:lstStyle>
@@ -8755,15 +8757,19 @@
               </a:defRPr>
             </a:lvl9pPr>
           </a:lstStyle>
-          <a:p/>
+          <a:p>
+            <a:endParaRPr/>
+          </a:p>
         </p:txBody>
       </p:sp>
       <p:sp>
         <p:nvSpPr>
           <p:cNvPr id="7" name="Google Shape;7;p1"/>
-          <p:cNvSpPr txBox="1"/>
+          <p:cNvSpPr txBox="1">
+            <a:spLocks noGrp="1"/>
+          </p:cNvSpPr>
           <p:nvPr>
-            <p:ph idx="1" type="body"/>
+            <p:ph type="body" idx="1"/>
           </p:nvPr>
         </p:nvSpPr>
         <p:spPr>
@@ -8780,11 +8786,11 @@
           </a:ln>
         </p:spPr>
         <p:txBody>
-          <a:bodyPr anchorCtr="0" anchor="t" bIns="91425" lIns="91425" spcFirstLastPara="1" rIns="91425" wrap="square" tIns="91425">
+          <a:bodyPr spcFirstLastPara="1" wrap="square" lIns="91425" tIns="91425" rIns="91425" bIns="91425" anchor="t" anchorCtr="0">
             <a:noAutofit/>
           </a:bodyPr>
           <a:lstStyle>
-            <a:lvl1pPr indent="-311150" lvl="0" marL="457200">
+            <a:lvl1pPr marL="457200" lvl="0" indent="-311150">
               <a:lnSpc>
                 <a:spcPct val="115000"/>
               </a:lnSpc>
@@ -8810,7 +8816,7 @@
                 <a:sym typeface="Lato"/>
               </a:defRPr>
             </a:lvl1pPr>
-            <a:lvl2pPr indent="-298450" lvl="1" marL="914400">
+            <a:lvl2pPr marL="914400" lvl="1" indent="-298450">
               <a:lnSpc>
                 <a:spcPct val="115000"/>
               </a:lnSpc>
@@ -8836,7 +8842,7 @@
                 <a:sym typeface="Lato"/>
               </a:defRPr>
             </a:lvl2pPr>
-            <a:lvl3pPr indent="-298450" lvl="2" marL="1371600">
+            <a:lvl3pPr marL="1371600" lvl="2" indent="-298450">
               <a:lnSpc>
                 <a:spcPct val="115000"/>
               </a:lnSpc>
@@ -8862,7 +8868,7 @@
                 <a:sym typeface="Lato"/>
               </a:defRPr>
             </a:lvl3pPr>
-            <a:lvl4pPr indent="-298450" lvl="3" marL="1828800">
+            <a:lvl4pPr marL="1828800" lvl="3" indent="-298450">
               <a:lnSpc>
                 <a:spcPct val="115000"/>
               </a:lnSpc>
@@ -8888,7 +8894,7 @@
                 <a:sym typeface="Lato"/>
               </a:defRPr>
             </a:lvl4pPr>
-            <a:lvl5pPr indent="-298450" lvl="4" marL="2286000">
+            <a:lvl5pPr marL="2286000" lvl="4" indent="-298450">
               <a:lnSpc>
                 <a:spcPct val="115000"/>
               </a:lnSpc>
@@ -8914,7 +8920,7 @@
                 <a:sym typeface="Lato"/>
               </a:defRPr>
             </a:lvl5pPr>
-            <a:lvl6pPr indent="-298450" lvl="5" marL="2743200">
+            <a:lvl6pPr marL="2743200" lvl="5" indent="-298450">
               <a:lnSpc>
                 <a:spcPct val="115000"/>
               </a:lnSpc>
@@ -8940,7 +8946,7 @@
                 <a:sym typeface="Lato"/>
               </a:defRPr>
             </a:lvl6pPr>
-            <a:lvl7pPr indent="-298450" lvl="6" marL="3200400">
+            <a:lvl7pPr marL="3200400" lvl="6" indent="-298450">
               <a:lnSpc>
                 <a:spcPct val="115000"/>
               </a:lnSpc>
@@ -8966,7 +8972,7 @@
                 <a:sym typeface="Lato"/>
               </a:defRPr>
             </a:lvl7pPr>
-            <a:lvl8pPr indent="-298450" lvl="7" marL="3657600">
+            <a:lvl8pPr marL="3657600" lvl="7" indent="-298450">
               <a:lnSpc>
                 <a:spcPct val="115000"/>
               </a:lnSpc>
@@ -8992,7 +8998,7 @@
                 <a:sym typeface="Lato"/>
               </a:defRPr>
             </a:lvl8pPr>
-            <a:lvl9pPr indent="-298450" lvl="8" marL="4114800">
+            <a:lvl9pPr marL="4114800" lvl="8" indent="-298450">
               <a:lnSpc>
                 <a:spcPct val="115000"/>
               </a:lnSpc>
@@ -9019,15 +9025,19 @@
               </a:defRPr>
             </a:lvl9pPr>
           </a:lstStyle>
-          <a:p/>
+          <a:p>
+            <a:endParaRPr/>
+          </a:p>
         </p:txBody>
       </p:sp>
       <p:sp>
         <p:nvSpPr>
           <p:cNvPr id="8" name="Google Shape;8;p1"/>
-          <p:cNvSpPr txBox="1"/>
+          <p:cNvSpPr txBox="1">
+            <a:spLocks noGrp="1"/>
+          </p:cNvSpPr>
           <p:nvPr>
-            <p:ph idx="12" type="sldNum"/>
+            <p:ph type="sldNum" idx="12"/>
           </p:nvPr>
         </p:nvSpPr>
         <p:spPr>
@@ -9044,7 +9054,7 @@
           </a:ln>
         </p:spPr>
         <p:txBody>
-          <a:bodyPr anchorCtr="0" anchor="ctr" bIns="91425" lIns="91425" spcFirstLastPara="1" rIns="91425" wrap="square" tIns="91425">
+          <a:bodyPr spcFirstLastPara="1" wrap="square" lIns="91425" tIns="91425" rIns="91425" bIns="91425" anchor="ctr" anchorCtr="0">
             <a:noAutofit/>
           </a:bodyPr>
           <a:lstStyle>
@@ -9158,7 +9168,7 @@
             </a:lvl9pPr>
           </a:lstStyle>
           <a:p>
-            <a:pPr indent="0" lvl="0" marL="0" rtl="0" algn="r">
+            <a:pPr marL="0" lvl="0" indent="0" algn="r" rtl="0">
               <a:spcBef>
                 <a:spcPts val="0"/>
               </a:spcBef>
@@ -9177,7 +9187,7 @@
       </p:sp>
     </p:spTree>
   </p:cSld>
-  <p:clrMap accent1="accent1" accent2="accent2" accent3="accent3" accent4="accent4" accent5="accent5" accent6="accent6" bg1="lt1" bg2="dk2" tx1="dk1" tx2="lt2" folHlink="folHlink" hlink="hlink"/>
+  <p:clrMap bg1="lt1" tx1="dk1" bg2="dk2" tx2="lt2" accent1="accent1" accent2="accent2" accent3="accent3" accent4="accent4" accent5="accent5" accent6="accent6" hlink="hlink" folHlink="folHlink"/>
   <p:sldLayoutIdLst>
     <p:sldLayoutId id="2147483648" r:id="rId1"/>
     <p:sldLayoutId id="2147483649" r:id="rId2"/>
@@ -9191,10 +9201,10 @@
     <p:sldLayoutId id="2147483657" r:id="rId10"/>
     <p:sldLayoutId id="2147483658" r:id="rId11"/>
   </p:sldLayoutIdLst>
-  <p:hf dt="0" ftr="0" hdr="0" sldNum="0"/>
+  <p:hf sldNum="0" hdr="0" ftr="0" dt="0"/>
   <p:txStyles>
     <p:titleStyle>
-      <a:defPPr lvl="0" marR="0" rtl="0" algn="l">
+      <a:defPPr marR="0" lvl="0" algn="l" rtl="0">
         <a:lnSpc>
           <a:spcPct val="100000"/>
         </a:lnSpc>
@@ -9205,7 +9215,7 @@
           <a:spcPts val="0"/>
         </a:spcAft>
       </a:defPPr>
-      <a:lvl1pPr lvl="0" marR="0" rtl="0" algn="l">
+      <a:lvl1pPr marR="0" lvl="0" algn="l" rtl="0">
         <a:lnSpc>
           <a:spcPct val="100000"/>
         </a:lnSpc>
@@ -9219,7 +9229,7 @@
           <a:srgbClr val="000000"/>
         </a:buClr>
         <a:buFont typeface="Arial"/>
-        <a:defRPr b="0" i="0" sz="1400" u="none" cap="none" strike="noStrike">
+        <a:defRPr sz="1400" b="0" i="0" u="none" strike="noStrike" cap="none">
           <a:solidFill>
             <a:srgbClr val="000000"/>
           </a:solidFill>
@@ -9229,7 +9239,7 @@
           <a:sym typeface="Arial"/>
         </a:defRPr>
       </a:lvl1pPr>
-      <a:lvl2pPr lvl="1" marR="0" rtl="0" algn="l">
+      <a:lvl2pPr marR="0" lvl="1" algn="l" rtl="0">
         <a:lnSpc>
           <a:spcPct val="100000"/>
         </a:lnSpc>
@@ -9243,7 +9253,7 @@
           <a:srgbClr val="000000"/>
         </a:buClr>
         <a:buFont typeface="Arial"/>
-        <a:defRPr b="0" i="0" sz="1400" u="none" cap="none" strike="noStrike">
+        <a:defRPr sz="1400" b="0" i="0" u="none" strike="noStrike" cap="none">
           <a:solidFill>
             <a:srgbClr val="000000"/>
           </a:solidFill>
@@ -9253,7 +9263,7 @@
           <a:sym typeface="Arial"/>
         </a:defRPr>
       </a:lvl2pPr>
-      <a:lvl3pPr lvl="2" marR="0" rtl="0" algn="l">
+      <a:lvl3pPr marR="0" lvl="2" algn="l" rtl="0">
         <a:lnSpc>
           <a:spcPct val="100000"/>
         </a:lnSpc>
@@ -9267,7 +9277,7 @@
           <a:srgbClr val="000000"/>
         </a:buClr>
         <a:buFont typeface="Arial"/>
-        <a:defRPr b="0" i="0" sz="1400" u="none" cap="none" strike="noStrike">
+        <a:defRPr sz="1400" b="0" i="0" u="none" strike="noStrike" cap="none">
           <a:solidFill>
             <a:srgbClr val="000000"/>
           </a:solidFill>
@@ -9277,7 +9287,7 @@
           <a:sym typeface="Arial"/>
         </a:defRPr>
       </a:lvl3pPr>
-      <a:lvl4pPr lvl="3" marR="0" rtl="0" algn="l">
+      <a:lvl4pPr marR="0" lvl="3" algn="l" rtl="0">
         <a:lnSpc>
           <a:spcPct val="100000"/>
         </a:lnSpc>
@@ -9291,7 +9301,7 @@
           <a:srgbClr val="000000"/>
         </a:buClr>
         <a:buFont typeface="Arial"/>
-        <a:defRPr b="0" i="0" sz="1400" u="none" cap="none" strike="noStrike">
+        <a:defRPr sz="1400" b="0" i="0" u="none" strike="noStrike" cap="none">
           <a:solidFill>
             <a:srgbClr val="000000"/>
           </a:solidFill>
@@ -9301,7 +9311,7 @@
           <a:sym typeface="Arial"/>
         </a:defRPr>
       </a:lvl4pPr>
-      <a:lvl5pPr lvl="4" marR="0" rtl="0" algn="l">
+      <a:lvl5pPr marR="0" lvl="4" algn="l" rtl="0">
         <a:lnSpc>
           <a:spcPct val="100000"/>
         </a:lnSpc>
@@ -9315,7 +9325,7 @@
           <a:srgbClr val="000000"/>
         </a:buClr>
         <a:buFont typeface="Arial"/>
-        <a:defRPr b="0" i="0" sz="1400" u="none" cap="none" strike="noStrike">
+        <a:defRPr sz="1400" b="0" i="0" u="none" strike="noStrike" cap="none">
           <a:solidFill>
             <a:srgbClr val="000000"/>
           </a:solidFill>
@@ -9325,7 +9335,7 @@
           <a:sym typeface="Arial"/>
         </a:defRPr>
       </a:lvl5pPr>
-      <a:lvl6pPr lvl="5" marR="0" rtl="0" algn="l">
+      <a:lvl6pPr marR="0" lvl="5" algn="l" rtl="0">
         <a:lnSpc>
           <a:spcPct val="100000"/>
         </a:lnSpc>
@@ -9339,7 +9349,7 @@
           <a:srgbClr val="000000"/>
         </a:buClr>
         <a:buFont typeface="Arial"/>
-        <a:defRPr b="0" i="0" sz="1400" u="none" cap="none" strike="noStrike">
+        <a:defRPr sz="1400" b="0" i="0" u="none" strike="noStrike" cap="none">
           <a:solidFill>
             <a:srgbClr val="000000"/>
           </a:solidFill>
@@ -9349,7 +9359,7 @@
           <a:sym typeface="Arial"/>
         </a:defRPr>
       </a:lvl6pPr>
-      <a:lvl7pPr lvl="6" marR="0" rtl="0" algn="l">
+      <a:lvl7pPr marR="0" lvl="6" algn="l" rtl="0">
         <a:lnSpc>
           <a:spcPct val="100000"/>
         </a:lnSpc>
@@ -9363,7 +9373,7 @@
           <a:srgbClr val="000000"/>
         </a:buClr>
         <a:buFont typeface="Arial"/>
-        <a:defRPr b="0" i="0" sz="1400" u="none" cap="none" strike="noStrike">
+        <a:defRPr sz="1400" b="0" i="0" u="none" strike="noStrike" cap="none">
           <a:solidFill>
             <a:srgbClr val="000000"/>
           </a:solidFill>
@@ -9373,7 +9383,7 @@
           <a:sym typeface="Arial"/>
         </a:defRPr>
       </a:lvl7pPr>
-      <a:lvl8pPr lvl="7" marR="0" rtl="0" algn="l">
+      <a:lvl8pPr marR="0" lvl="7" algn="l" rtl="0">
         <a:lnSpc>
           <a:spcPct val="100000"/>
         </a:lnSpc>
@@ -9387,7 +9397,7 @@
           <a:srgbClr val="000000"/>
         </a:buClr>
         <a:buFont typeface="Arial"/>
-        <a:defRPr b="0" i="0" sz="1400" u="none" cap="none" strike="noStrike">
+        <a:defRPr sz="1400" b="0" i="0" u="none" strike="noStrike" cap="none">
           <a:solidFill>
             <a:srgbClr val="000000"/>
           </a:solidFill>
@@ -9397,7 +9407,7 @@
           <a:sym typeface="Arial"/>
         </a:defRPr>
       </a:lvl8pPr>
-      <a:lvl9pPr lvl="8" marR="0" rtl="0" algn="l">
+      <a:lvl9pPr marR="0" lvl="8" algn="l" rtl="0">
         <a:lnSpc>
           <a:spcPct val="100000"/>
         </a:lnSpc>
@@ -9411,7 +9421,7 @@
           <a:srgbClr val="000000"/>
         </a:buClr>
         <a:buFont typeface="Arial"/>
-        <a:defRPr b="0" i="0" sz="1400" u="none" cap="none" strike="noStrike">
+        <a:defRPr sz="1400" b="0" i="0" u="none" strike="noStrike" cap="none">
           <a:solidFill>
             <a:srgbClr val="000000"/>
           </a:solidFill>
@@ -9423,7 +9433,7 @@
       </a:lvl9pPr>
     </p:titleStyle>
     <p:bodyStyle>
-      <a:defPPr lvl="0" marR="0" rtl="0" algn="l">
+      <a:defPPr marR="0" lvl="0" algn="l" rtl="0">
         <a:lnSpc>
           <a:spcPct val="100000"/>
         </a:lnSpc>
@@ -9434,7 +9444,7 @@
           <a:spcPts val="0"/>
         </a:spcAft>
       </a:defPPr>
-      <a:lvl1pPr lvl="0" marR="0" rtl="0" algn="l">
+      <a:lvl1pPr marR="0" lvl="0" algn="l" rtl="0">
         <a:lnSpc>
           <a:spcPct val="100000"/>
         </a:lnSpc>
@@ -9448,7 +9458,7 @@
           <a:srgbClr val="000000"/>
         </a:buClr>
         <a:buFont typeface="Arial"/>
-        <a:defRPr b="0" i="0" sz="1400" u="none" cap="none" strike="noStrike">
+        <a:defRPr sz="1400" b="0" i="0" u="none" strike="noStrike" cap="none">
           <a:solidFill>
             <a:srgbClr val="000000"/>
           </a:solidFill>
@@ -9458,7 +9468,7 @@
           <a:sym typeface="Arial"/>
         </a:defRPr>
       </a:lvl1pPr>
-      <a:lvl2pPr lvl="1" marR="0" rtl="0" algn="l">
+      <a:lvl2pPr marR="0" lvl="1" algn="l" rtl="0">
         <a:lnSpc>
           <a:spcPct val="100000"/>
         </a:lnSpc>
@@ -9472,7 +9482,7 @@
           <a:srgbClr val="000000"/>
         </a:buClr>
         <a:buFont typeface="Arial"/>
-        <a:defRPr b="0" i="0" sz="1400" u="none" cap="none" strike="noStrike">
+        <a:defRPr sz="1400" b="0" i="0" u="none" strike="noStrike" cap="none">
           <a:solidFill>
             <a:srgbClr val="000000"/>
           </a:solidFill>
@@ -9482,7 +9492,7 @@
           <a:sym typeface="Arial"/>
         </a:defRPr>
       </a:lvl2pPr>
-      <a:lvl3pPr lvl="2" marR="0" rtl="0" algn="l">
+      <a:lvl3pPr marR="0" lvl="2" algn="l" rtl="0">
         <a:lnSpc>
           <a:spcPct val="100000"/>
         </a:lnSpc>
@@ -9496,7 +9506,7 @@
           <a:srgbClr val="000000"/>
         </a:buClr>
         <a:buFont typeface="Arial"/>
-        <a:defRPr b="0" i="0" sz="1400" u="none" cap="none" strike="noStrike">
+        <a:defRPr sz="1400" b="0" i="0" u="none" strike="noStrike" cap="none">
           <a:solidFill>
             <a:srgbClr val="000000"/>
           </a:solidFill>
@@ -9506,7 +9516,7 @@
           <a:sym typeface="Arial"/>
         </a:defRPr>
       </a:lvl3pPr>
-      <a:lvl4pPr lvl="3" marR="0" rtl="0" algn="l">
+      <a:lvl4pPr marR="0" lvl="3" algn="l" rtl="0">
         <a:lnSpc>
           <a:spcPct val="100000"/>
         </a:lnSpc>
@@ -9520,7 +9530,7 @@
           <a:srgbClr val="000000"/>
         </a:buClr>
         <a:buFont typeface="Arial"/>
-        <a:defRPr b="0" i="0" sz="1400" u="none" cap="none" strike="noStrike">
+        <a:defRPr sz="1400" b="0" i="0" u="none" strike="noStrike" cap="none">
           <a:solidFill>
             <a:srgbClr val="000000"/>
           </a:solidFill>
@@ -9530,7 +9540,7 @@
           <a:sym typeface="Arial"/>
         </a:defRPr>
       </a:lvl4pPr>
-      <a:lvl5pPr lvl="4" marR="0" rtl="0" algn="l">
+      <a:lvl5pPr marR="0" lvl="4" algn="l" rtl="0">
         <a:lnSpc>
           <a:spcPct val="100000"/>
         </a:lnSpc>
@@ -9544,7 +9554,7 @@
           <a:srgbClr val="000000"/>
         </a:buClr>
         <a:buFont typeface="Arial"/>
-        <a:defRPr b="0" i="0" sz="1400" u="none" cap="none" strike="noStrike">
+        <a:defRPr sz="1400" b="0" i="0" u="none" strike="noStrike" cap="none">
           <a:solidFill>
             <a:srgbClr val="000000"/>
           </a:solidFill>
@@ -9554,7 +9564,7 @@
           <a:sym typeface="Arial"/>
         </a:defRPr>
       </a:lvl5pPr>
-      <a:lvl6pPr lvl="5" marR="0" rtl="0" algn="l">
+      <a:lvl6pPr marR="0" lvl="5" algn="l" rtl="0">
         <a:lnSpc>
           <a:spcPct val="100000"/>
         </a:lnSpc>
@@ -9568,7 +9578,7 @@
           <a:srgbClr val="000000"/>
         </a:buClr>
         <a:buFont typeface="Arial"/>
-        <a:defRPr b="0" i="0" sz="1400" u="none" cap="none" strike="noStrike">
+        <a:defRPr sz="1400" b="0" i="0" u="none" strike="noStrike" cap="none">
           <a:solidFill>
             <a:srgbClr val="000000"/>
           </a:solidFill>
@@ -9578,7 +9588,7 @@
           <a:sym typeface="Arial"/>
         </a:defRPr>
       </a:lvl6pPr>
-      <a:lvl7pPr lvl="6" marR="0" rtl="0" algn="l">
+      <a:lvl7pPr marR="0" lvl="6" algn="l" rtl="0">
         <a:lnSpc>
           <a:spcPct val="100000"/>
         </a:lnSpc>
@@ -9592,7 +9602,7 @@
           <a:srgbClr val="000000"/>
         </a:buClr>
         <a:buFont typeface="Arial"/>
-        <a:defRPr b="0" i="0" sz="1400" u="none" cap="none" strike="noStrike">
+        <a:defRPr sz="1400" b="0" i="0" u="none" strike="noStrike" cap="none">
           <a:solidFill>
             <a:srgbClr val="000000"/>
           </a:solidFill>
@@ -9602,7 +9612,7 @@
           <a:sym typeface="Arial"/>
         </a:defRPr>
       </a:lvl7pPr>
-      <a:lvl8pPr lvl="7" marR="0" rtl="0" algn="l">
+      <a:lvl8pPr marR="0" lvl="7" algn="l" rtl="0">
         <a:lnSpc>
           <a:spcPct val="100000"/>
         </a:lnSpc>
@@ -9616,7 +9626,7 @@
           <a:srgbClr val="000000"/>
         </a:buClr>
         <a:buFont typeface="Arial"/>
-        <a:defRPr b="0" i="0" sz="1400" u="none" cap="none" strike="noStrike">
+        <a:defRPr sz="1400" b="0" i="0" u="none" strike="noStrike" cap="none">
           <a:solidFill>
             <a:srgbClr val="000000"/>
           </a:solidFill>
@@ -9626,7 +9636,7 @@
           <a:sym typeface="Arial"/>
         </a:defRPr>
       </a:lvl8pPr>
-      <a:lvl9pPr lvl="8" marR="0" rtl="0" algn="l">
+      <a:lvl9pPr marR="0" lvl="8" algn="l" rtl="0">
         <a:lnSpc>
           <a:spcPct val="100000"/>
         </a:lnSpc>
@@ -9640,7 +9650,7 @@
           <a:srgbClr val="000000"/>
         </a:buClr>
         <a:buFont typeface="Arial"/>
-        <a:defRPr b="0" i="0" sz="1400" u="none" cap="none" strike="noStrike">
+        <a:defRPr sz="1400" b="0" i="0" u="none" strike="noStrike" cap="none">
           <a:solidFill>
             <a:srgbClr val="000000"/>
           </a:solidFill>
@@ -9652,7 +9662,7 @@
       </a:lvl9pPr>
     </p:bodyStyle>
     <p:otherStyle>
-      <a:defPPr lvl="0" marR="0" rtl="0" algn="l">
+      <a:defPPr marR="0" lvl="0" algn="l" rtl="0">
         <a:lnSpc>
           <a:spcPct val="100000"/>
         </a:lnSpc>
@@ -9663,7 +9673,7 @@
           <a:spcPts val="0"/>
         </a:spcAft>
       </a:defPPr>
-      <a:lvl1pPr lvl="0" marR="0" rtl="0" algn="l">
+      <a:lvl1pPr marR="0" lvl="0" algn="l" rtl="0">
         <a:lnSpc>
           <a:spcPct val="100000"/>
         </a:lnSpc>
@@ -9677,7 +9687,7 @@
           <a:srgbClr val="000000"/>
         </a:buClr>
         <a:buFont typeface="Arial"/>
-        <a:defRPr b="0" i="0" sz="1400" u="none" cap="none" strike="noStrike">
+        <a:defRPr sz="1400" b="0" i="0" u="none" strike="noStrike" cap="none">
           <a:solidFill>
             <a:srgbClr val="000000"/>
           </a:solidFill>
@@ -9687,7 +9697,7 @@
           <a:sym typeface="Arial"/>
         </a:defRPr>
       </a:lvl1pPr>
-      <a:lvl2pPr lvl="1" marR="0" rtl="0" algn="l">
+      <a:lvl2pPr marR="0" lvl="1" algn="l" rtl="0">
         <a:lnSpc>
           <a:spcPct val="100000"/>
         </a:lnSpc>
@@ -9701,7 +9711,7 @@
           <a:srgbClr val="000000"/>
         </a:buClr>
         <a:buFont typeface="Arial"/>
-        <a:defRPr b="0" i="0" sz="1400" u="none" cap="none" strike="noStrike">
+        <a:defRPr sz="1400" b="0" i="0" u="none" strike="noStrike" cap="none">
           <a:solidFill>
             <a:srgbClr val="000000"/>
           </a:solidFill>
@@ -9711,7 +9721,7 @@
           <a:sym typeface="Arial"/>
         </a:defRPr>
       </a:lvl2pPr>
-      <a:lvl3pPr lvl="2" marR="0" rtl="0" algn="l">
+      <a:lvl3pPr marR="0" lvl="2" algn="l" rtl="0">
         <a:lnSpc>
           <a:spcPct val="100000"/>
         </a:lnSpc>
@@ -9725,7 +9735,7 @@
           <a:srgbClr val="000000"/>
         </a:buClr>
         <a:buFont typeface="Arial"/>
-        <a:defRPr b="0" i="0" sz="1400" u="none" cap="none" strike="noStrike">
+        <a:defRPr sz="1400" b="0" i="0" u="none" strike="noStrike" cap="none">
           <a:solidFill>
             <a:srgbClr val="000000"/>
           </a:solidFill>
@@ -9735,7 +9745,7 @@
           <a:sym typeface="Arial"/>
         </a:defRPr>
       </a:lvl3pPr>
-      <a:lvl4pPr lvl="3" marR="0" rtl="0" algn="l">
+      <a:lvl4pPr marR="0" lvl="3" algn="l" rtl="0">
         <a:lnSpc>
           <a:spcPct val="100000"/>
         </a:lnSpc>
@@ -9749,7 +9759,7 @@
           <a:srgbClr val="000000"/>
         </a:buClr>
         <a:buFont typeface="Arial"/>
-        <a:defRPr b="0" i="0" sz="1400" u="none" cap="none" strike="noStrike">
+        <a:defRPr sz="1400" b="0" i="0" u="none" strike="noStrike" cap="none">
           <a:solidFill>
             <a:srgbClr val="000000"/>
           </a:solidFill>
@@ -9759,7 +9769,7 @@
           <a:sym typeface="Arial"/>
         </a:defRPr>
       </a:lvl4pPr>
-      <a:lvl5pPr lvl="4" marR="0" rtl="0" algn="l">
+      <a:lvl5pPr marR="0" lvl="4" algn="l" rtl="0">
         <a:lnSpc>
           <a:spcPct val="100000"/>
         </a:lnSpc>
@@ -9773,7 +9783,7 @@
           <a:srgbClr val="000000"/>
         </a:buClr>
         <a:buFont typeface="Arial"/>
-        <a:defRPr b="0" i="0" sz="1400" u="none" cap="none" strike="noStrike">
+        <a:defRPr sz="1400" b="0" i="0" u="none" strike="noStrike" cap="none">
           <a:solidFill>
             <a:srgbClr val="000000"/>
           </a:solidFill>
@@ -9783,7 +9793,7 @@
           <a:sym typeface="Arial"/>
         </a:defRPr>
       </a:lvl5pPr>
-      <a:lvl6pPr lvl="5" marR="0" rtl="0" algn="l">
+      <a:lvl6pPr marR="0" lvl="5" algn="l" rtl="0">
         <a:lnSpc>
           <a:spcPct val="100000"/>
         </a:lnSpc>
@@ -9797,7 +9807,7 @@
           <a:srgbClr val="000000"/>
         </a:buClr>
         <a:buFont typeface="Arial"/>
-        <a:defRPr b="0" i="0" sz="1400" u="none" cap="none" strike="noStrike">
+        <a:defRPr sz="1400" b="0" i="0" u="none" strike="noStrike" cap="none">
           <a:solidFill>
             <a:srgbClr val="000000"/>
           </a:solidFill>
@@ -9807,7 +9817,7 @@
           <a:sym typeface="Arial"/>
         </a:defRPr>
       </a:lvl6pPr>
-      <a:lvl7pPr lvl="6" marR="0" rtl="0" algn="l">
+      <a:lvl7pPr marR="0" lvl="6" algn="l" rtl="0">
         <a:lnSpc>
           <a:spcPct val="100000"/>
         </a:lnSpc>
@@ -9821,7 +9831,7 @@
           <a:srgbClr val="000000"/>
         </a:buClr>
         <a:buFont typeface="Arial"/>
-        <a:defRPr b="0" i="0" sz="1400" u="none" cap="none" strike="noStrike">
+        <a:defRPr sz="1400" b="0" i="0" u="none" strike="noStrike" cap="none">
           <a:solidFill>
             <a:srgbClr val="000000"/>
           </a:solidFill>
@@ -9831,7 +9841,7 @@
           <a:sym typeface="Arial"/>
         </a:defRPr>
       </a:lvl7pPr>
-      <a:lvl8pPr lvl="7" marR="0" rtl="0" algn="l">
+      <a:lvl8pPr marR="0" lvl="7" algn="l" rtl="0">
         <a:lnSpc>
           <a:spcPct val="100000"/>
         </a:lnSpc>
@@ -9845,7 +9855,7 @@
           <a:srgbClr val="000000"/>
         </a:buClr>
         <a:buFont typeface="Arial"/>
-        <a:defRPr b="0" i="0" sz="1400" u="none" cap="none" strike="noStrike">
+        <a:defRPr sz="1400" b="0" i="0" u="none" strike="noStrike" cap="none">
           <a:solidFill>
             <a:srgbClr val="000000"/>
           </a:solidFill>
@@ -9855,7 +9865,7 @@
           <a:sym typeface="Arial"/>
         </a:defRPr>
       </a:lvl8pPr>
-      <a:lvl9pPr lvl="8" marR="0" rtl="0" algn="l">
+      <a:lvl9pPr marR="0" lvl="8" algn="l" rtl="0">
         <a:lnSpc>
           <a:spcPct val="100000"/>
         </a:lnSpc>
@@ -9869,7 +9879,7 @@
           <a:srgbClr val="000000"/>
         </a:buClr>
         <a:buFont typeface="Arial"/>
-        <a:defRPr b="0" i="0" sz="1400" u="none" cap="none" strike="noStrike">
+        <a:defRPr sz="1400" b="0" i="0" u="none" strike="noStrike" cap="none">
           <a:solidFill>
             <a:srgbClr val="000000"/>
           </a:solidFill>
@@ -9885,11 +9895,11 @@
 </file>
 
 <file path=ppt/slides/slide1.xml><?xml version="1.0" encoding="utf-8"?>
-<p:sld xmlns:a="http://schemas.openxmlformats.org/drawingml/2006/main" xmlns:r="http://schemas.openxmlformats.org/officeDocument/2006/relationships" xmlns:mc="http://schemas.openxmlformats.org/markup-compatibility/2006" xmlns:mv="urn:schemas-microsoft-com:mac:vml" xmlns:p="http://schemas.openxmlformats.org/presentationml/2006/main" xmlns:c="http://schemas.openxmlformats.org/drawingml/2006/chart" xmlns:dgm="http://schemas.openxmlformats.org/drawingml/2006/diagram" xmlns:o="urn:schemas-microsoft-com:office:office" xmlns:v="urn:schemas-microsoft-com:vml" xmlns:pvml="urn:schemas-microsoft-com:office:powerpoint" xmlns:com="http://schemas.openxmlformats.org/drawingml/2006/compatibility" xmlns:p14="http://schemas.microsoft.com/office/powerpoint/2010/main" xmlns:p15="http://schemas.microsoft.com/office/powerpoint/2012/main">
+<p:sld xmlns:a="http://schemas.openxmlformats.org/drawingml/2006/main" xmlns:r="http://schemas.openxmlformats.org/officeDocument/2006/relationships" xmlns:p="http://schemas.openxmlformats.org/presentationml/2006/main">
   <p:cSld>
     <p:spTree>
       <p:nvGrpSpPr>
-        <p:cNvPr id="133" name="Shape 133"/>
+        <p:cNvPr id="1" name="Shape 133"/>
         <p:cNvGrpSpPr/>
         <p:nvPr/>
       </p:nvGrpSpPr>
@@ -9904,7 +9914,9 @@
       <p:sp>
         <p:nvSpPr>
           <p:cNvPr id="134" name="Google Shape;134;p13"/>
-          <p:cNvSpPr txBox="1"/>
+          <p:cNvSpPr txBox="1">
+            <a:spLocks noGrp="1"/>
+          </p:cNvSpPr>
           <p:nvPr>
             <p:ph type="ctrTitle"/>
           </p:nvPr>
@@ -9919,12 +9931,12 @@
           </a:prstGeom>
         </p:spPr>
         <p:txBody>
-          <a:bodyPr anchorCtr="0" anchor="t" bIns="91425" lIns="91425" spcFirstLastPara="1" rIns="91425" wrap="square" tIns="91425">
+          <a:bodyPr spcFirstLastPara="1" wrap="square" lIns="91425" tIns="91425" rIns="91425" bIns="91425" anchor="t" anchorCtr="0">
             <a:noAutofit/>
           </a:bodyPr>
           <a:lstStyle/>
           <a:p>
-            <a:pPr indent="0" lvl="0" marL="0" rtl="0" algn="l">
+            <a:pPr marL="0" lvl="0" indent="0" algn="l" rtl="0">
               <a:spcBef>
                 <a:spcPts val="0"/>
               </a:spcBef>
@@ -9944,9 +9956,11 @@
       <p:sp>
         <p:nvSpPr>
           <p:cNvPr id="135" name="Google Shape;135;p13"/>
-          <p:cNvSpPr txBox="1"/>
+          <p:cNvSpPr txBox="1">
+            <a:spLocks noGrp="1"/>
+          </p:cNvSpPr>
           <p:nvPr>
-            <p:ph idx="1" type="subTitle"/>
+            <p:ph type="subTitle" idx="1"/>
           </p:nvPr>
         </p:nvSpPr>
         <p:spPr>
@@ -9959,12 +9973,12 @@
           </a:prstGeom>
         </p:spPr>
         <p:txBody>
-          <a:bodyPr anchorCtr="0" anchor="t" bIns="91425" lIns="91425" spcFirstLastPara="1" rIns="91425" wrap="square" tIns="91425">
+          <a:bodyPr spcFirstLastPara="1" wrap="square" lIns="91425" tIns="91425" rIns="91425" bIns="91425" anchor="t" anchorCtr="0">
             <a:noAutofit/>
           </a:bodyPr>
           <a:lstStyle/>
           <a:p>
-            <a:pPr indent="0" lvl="0" marL="0" rtl="0" algn="l">
+            <a:pPr marL="0" lvl="0" indent="0" algn="l" rtl="0">
               <a:spcBef>
                 <a:spcPts val="0"/>
               </a:spcBef>
@@ -9990,11 +10004,11 @@
 </file>
 
 <file path=ppt/slides/slide10.xml><?xml version="1.0" encoding="utf-8"?>
-<p:sld xmlns:a="http://schemas.openxmlformats.org/drawingml/2006/main" xmlns:r="http://schemas.openxmlformats.org/officeDocument/2006/relationships" xmlns:mc="http://schemas.openxmlformats.org/markup-compatibility/2006" xmlns:mv="urn:schemas-microsoft-com:mac:vml" xmlns:p="http://schemas.openxmlformats.org/presentationml/2006/main" xmlns:c="http://schemas.openxmlformats.org/drawingml/2006/chart" xmlns:dgm="http://schemas.openxmlformats.org/drawingml/2006/diagram" xmlns:o="urn:schemas-microsoft-com:office:office" xmlns:v="urn:schemas-microsoft-com:vml" xmlns:pvml="urn:schemas-microsoft-com:office:powerpoint" xmlns:com="http://schemas.openxmlformats.org/drawingml/2006/compatibility" xmlns:p14="http://schemas.microsoft.com/office/powerpoint/2010/main" xmlns:p15="http://schemas.microsoft.com/office/powerpoint/2012/main">
+<p:sld xmlns:a="http://schemas.openxmlformats.org/drawingml/2006/main" xmlns:r="http://schemas.openxmlformats.org/officeDocument/2006/relationships" xmlns:p="http://schemas.openxmlformats.org/presentationml/2006/main">
   <p:cSld>
     <p:spTree>
       <p:nvGrpSpPr>
-        <p:cNvPr id="187" name="Shape 187"/>
+        <p:cNvPr id="1" name="Shape 187"/>
         <p:cNvGrpSpPr/>
         <p:nvPr/>
       </p:nvGrpSpPr>
@@ -10009,7 +10023,9 @@
       <p:sp>
         <p:nvSpPr>
           <p:cNvPr id="188" name="Google Shape;188;p22"/>
-          <p:cNvSpPr txBox="1"/>
+          <p:cNvSpPr txBox="1">
+            <a:spLocks noGrp="1"/>
+          </p:cNvSpPr>
           <p:nvPr>
             <p:ph type="title"/>
           </p:nvPr>
@@ -10024,12 +10040,12 @@
           </a:prstGeom>
         </p:spPr>
         <p:txBody>
-          <a:bodyPr anchorCtr="0" anchor="t" bIns="91425" lIns="91425" spcFirstLastPara="1" rIns="91425" wrap="square" tIns="91425">
+          <a:bodyPr spcFirstLastPara="1" wrap="square" lIns="91425" tIns="91425" rIns="91425" bIns="91425" anchor="t" anchorCtr="0">
             <a:noAutofit/>
           </a:bodyPr>
           <a:lstStyle/>
           <a:p>
-            <a:pPr indent="0" lvl="0" marL="0" rtl="0" algn="l">
+            <a:pPr marL="0" lvl="0" indent="0" algn="l" rtl="0">
               <a:spcBef>
                 <a:spcPts val="0"/>
               </a:spcBef>
@@ -10049,9 +10065,11 @@
       <p:sp>
         <p:nvSpPr>
           <p:cNvPr id="189" name="Google Shape;189;p22"/>
-          <p:cNvSpPr txBox="1"/>
+          <p:cNvSpPr txBox="1">
+            <a:spLocks noGrp="1"/>
+          </p:cNvSpPr>
           <p:nvPr>
-            <p:ph idx="1" type="body"/>
+            <p:ph type="body" idx="1"/>
           </p:nvPr>
         </p:nvSpPr>
         <p:spPr>
@@ -10064,12 +10082,12 @@
           </a:prstGeom>
         </p:spPr>
         <p:txBody>
-          <a:bodyPr anchorCtr="0" anchor="t" bIns="91425" lIns="91425" spcFirstLastPara="1" rIns="91425" wrap="square" tIns="91425">
+          <a:bodyPr spcFirstLastPara="1" wrap="square" lIns="91425" tIns="91425" rIns="91425" bIns="91425" anchor="t" anchorCtr="0">
             <a:noAutofit/>
           </a:bodyPr>
           <a:lstStyle/>
           <a:p>
-            <a:pPr indent="-311150" lvl="0" marL="457200" rtl="0" algn="l">
+            <a:pPr marL="457200" lvl="0" indent="-311150" algn="l" rtl="0">
               <a:spcBef>
                 <a:spcPts val="0"/>
               </a:spcBef>
@@ -10086,7 +10104,7 @@
             <a:endParaRPr/>
           </a:p>
           <a:p>
-            <a:pPr indent="0" lvl="0" marL="457200" rtl="0" algn="l">
+            <a:pPr marL="457200" lvl="0" indent="0" algn="l" rtl="0">
               <a:spcBef>
                 <a:spcPts val="1600"/>
               </a:spcBef>
@@ -10095,13 +10113,10 @@
               </a:spcAft>
               <a:buNone/>
             </a:pPr>
-            <a:r>
-              <a:t/>
-            </a:r>
             <a:endParaRPr/>
           </a:p>
           <a:p>
-            <a:pPr indent="-311150" lvl="0" marL="457200" rtl="0" algn="l">
+            <a:pPr marL="457200" lvl="0" indent="-311150" algn="l" rtl="0">
               <a:spcBef>
                 <a:spcPts val="1600"/>
               </a:spcBef>
@@ -10131,7 +10146,7 @@
             <a:endParaRPr/>
           </a:p>
           <a:p>
-            <a:pPr indent="0" lvl="0" marL="457200" rtl="0" algn="l">
+            <a:pPr marL="457200" lvl="0" indent="0" algn="l" rtl="0">
               <a:spcBef>
                 <a:spcPts val="1600"/>
               </a:spcBef>
@@ -10140,13 +10155,10 @@
               </a:spcAft>
               <a:buNone/>
             </a:pPr>
-            <a:r>
-              <a:t/>
-            </a:r>
             <a:endParaRPr/>
           </a:p>
           <a:p>
-            <a:pPr indent="-311150" lvl="0" marL="457200" rtl="0" algn="l">
+            <a:pPr marL="457200" lvl="0" indent="-311150" algn="l" rtl="0">
               <a:spcBef>
                 <a:spcPts val="1600"/>
               </a:spcBef>
@@ -10161,7 +10173,7 @@
               <a:t>POTVIN, R., &amp; LEVENBERG, J. (2016). </a:t>
             </a:r>
             <a:r>
-              <a:rPr i="1" lang="en"/>
+              <a:rPr lang="en" i="1"/>
               <a:t>Why Google Stores Billions of Lines of Code in a Single Repository</a:t>
             </a:r>
             <a:r>
@@ -10181,11 +10193,11 @@
 </file>
 
 <file path=ppt/slides/slide2.xml><?xml version="1.0" encoding="utf-8"?>
-<p:sld xmlns:a="http://schemas.openxmlformats.org/drawingml/2006/main" xmlns:r="http://schemas.openxmlformats.org/officeDocument/2006/relationships" xmlns:mc="http://schemas.openxmlformats.org/markup-compatibility/2006" xmlns:mv="urn:schemas-microsoft-com:mac:vml" xmlns:p="http://schemas.openxmlformats.org/presentationml/2006/main" xmlns:c="http://schemas.openxmlformats.org/drawingml/2006/chart" xmlns:dgm="http://schemas.openxmlformats.org/drawingml/2006/diagram" xmlns:o="urn:schemas-microsoft-com:office:office" xmlns:v="urn:schemas-microsoft-com:vml" xmlns:pvml="urn:schemas-microsoft-com:office:powerpoint" xmlns:com="http://schemas.openxmlformats.org/drawingml/2006/compatibility" xmlns:p14="http://schemas.microsoft.com/office/powerpoint/2010/main" xmlns:p15="http://schemas.microsoft.com/office/powerpoint/2012/main">
+<p:sld xmlns:a="http://schemas.openxmlformats.org/drawingml/2006/main" xmlns:r="http://schemas.openxmlformats.org/officeDocument/2006/relationships" xmlns:p="http://schemas.openxmlformats.org/presentationml/2006/main">
   <p:cSld>
     <p:spTree>
       <p:nvGrpSpPr>
-        <p:cNvPr id="139" name="Shape 139"/>
+        <p:cNvPr id="1" name="Shape 139"/>
         <p:cNvGrpSpPr/>
         <p:nvPr/>
       </p:nvGrpSpPr>
@@ -10200,7 +10212,9 @@
       <p:sp>
         <p:nvSpPr>
           <p:cNvPr id="140" name="Google Shape;140;p14"/>
-          <p:cNvSpPr txBox="1"/>
+          <p:cNvSpPr txBox="1">
+            <a:spLocks noGrp="1"/>
+          </p:cNvSpPr>
           <p:nvPr>
             <p:ph type="title"/>
           </p:nvPr>
@@ -10215,12 +10229,12 @@
           </a:prstGeom>
         </p:spPr>
         <p:txBody>
-          <a:bodyPr anchorCtr="0" anchor="t" bIns="91425" lIns="91425" spcFirstLastPara="1" rIns="91425" wrap="square" tIns="91425">
+          <a:bodyPr spcFirstLastPara="1" wrap="square" lIns="91425" tIns="91425" rIns="91425" bIns="91425" anchor="t" anchorCtr="0">
             <a:noAutofit/>
           </a:bodyPr>
           <a:lstStyle/>
           <a:p>
-            <a:pPr indent="0" lvl="0" marL="0" rtl="0" algn="l">
+            <a:pPr marL="0" lvl="0" indent="0" algn="l" rtl="0">
               <a:spcBef>
                 <a:spcPts val="0"/>
               </a:spcBef>
@@ -10240,9 +10254,11 @@
       <p:sp>
         <p:nvSpPr>
           <p:cNvPr id="141" name="Google Shape;141;p14"/>
-          <p:cNvSpPr txBox="1"/>
+          <p:cNvSpPr txBox="1">
+            <a:spLocks noGrp="1"/>
+          </p:cNvSpPr>
           <p:nvPr>
-            <p:ph idx="1" type="body"/>
+            <p:ph type="body" idx="1"/>
           </p:nvPr>
         </p:nvSpPr>
         <p:spPr>
@@ -10255,12 +10271,12 @@
           </a:prstGeom>
         </p:spPr>
         <p:txBody>
-          <a:bodyPr anchorCtr="0" anchor="t" bIns="91425" lIns="91425" spcFirstLastPara="1" rIns="91425" wrap="square" tIns="91425">
+          <a:bodyPr spcFirstLastPara="1" wrap="square" lIns="91425" tIns="91425" rIns="91425" bIns="91425" anchor="t" anchorCtr="0">
             <a:noAutofit/>
           </a:bodyPr>
           <a:lstStyle/>
           <a:p>
-            <a:pPr indent="-311150" lvl="0" marL="457200" rtl="0" algn="l">
+            <a:pPr marL="457200" lvl="0" indent="-311150" algn="l" rtl="0">
               <a:spcBef>
                 <a:spcPts val="0"/>
               </a:spcBef>
@@ -10277,7 +10293,7 @@
             <a:endParaRPr/>
           </a:p>
           <a:p>
-            <a:pPr indent="-311150" lvl="0" marL="457200" rtl="0" algn="l">
+            <a:pPr marL="457200" lvl="0" indent="-311150" algn="l" rtl="0">
               <a:spcBef>
                 <a:spcPts val="0"/>
               </a:spcBef>
@@ -10294,7 +10310,7 @@
             <a:endParaRPr/>
           </a:p>
           <a:p>
-            <a:pPr indent="-311150" lvl="0" marL="457200" rtl="0" algn="l">
+            <a:pPr marL="457200" lvl="0" indent="-311150" algn="l" rtl="0">
               <a:spcBef>
                 <a:spcPts val="0"/>
               </a:spcBef>
@@ -10311,7 +10327,7 @@
             <a:endParaRPr/>
           </a:p>
           <a:p>
-            <a:pPr indent="-298450" lvl="1" marL="914400" rtl="0" algn="l">
+            <a:pPr marL="914400" lvl="1" indent="-298450" algn="l" rtl="0">
               <a:spcBef>
                 <a:spcPts val="0"/>
               </a:spcBef>
@@ -10328,7 +10344,7 @@
             <a:endParaRPr/>
           </a:p>
           <a:p>
-            <a:pPr indent="-298450" lvl="1" marL="914400" rtl="0" algn="l">
+            <a:pPr marL="914400" lvl="1" indent="-298450" algn="l" rtl="0">
               <a:spcBef>
                 <a:spcPts val="0"/>
               </a:spcBef>
@@ -10345,7 +10361,7 @@
             <a:endParaRPr/>
           </a:p>
           <a:p>
-            <a:pPr indent="-298450" lvl="1" marL="914400" rtl="0" algn="l">
+            <a:pPr marL="914400" lvl="1" indent="-298450" algn="l" rtl="0">
               <a:spcBef>
                 <a:spcPts val="0"/>
               </a:spcBef>
@@ -10362,7 +10378,7 @@
             <a:endParaRPr/>
           </a:p>
           <a:p>
-            <a:pPr indent="0" lvl="0" marL="457200" rtl="0" algn="l">
+            <a:pPr marL="457200" lvl="0" indent="0" algn="l" rtl="0">
               <a:spcBef>
                 <a:spcPts val="1600"/>
               </a:spcBef>
@@ -10371,9 +10387,6 @@
               </a:spcAft>
               <a:buNone/>
             </a:pPr>
-            <a:r>
-              <a:t/>
-            </a:r>
             <a:endParaRPr/>
           </a:p>
         </p:txBody>
@@ -10387,11 +10400,11 @@
 </file>
 
 <file path=ppt/slides/slide3.xml><?xml version="1.0" encoding="utf-8"?>
-<p:sld xmlns:a="http://schemas.openxmlformats.org/drawingml/2006/main" xmlns:r="http://schemas.openxmlformats.org/officeDocument/2006/relationships" xmlns:mc="http://schemas.openxmlformats.org/markup-compatibility/2006" xmlns:mv="urn:schemas-microsoft-com:mac:vml" xmlns:p="http://schemas.openxmlformats.org/presentationml/2006/main" xmlns:c="http://schemas.openxmlformats.org/drawingml/2006/chart" xmlns:dgm="http://schemas.openxmlformats.org/drawingml/2006/diagram" xmlns:o="urn:schemas-microsoft-com:office:office" xmlns:v="urn:schemas-microsoft-com:vml" xmlns:pvml="urn:schemas-microsoft-com:office:powerpoint" xmlns:com="http://schemas.openxmlformats.org/drawingml/2006/compatibility" xmlns:p14="http://schemas.microsoft.com/office/powerpoint/2010/main" xmlns:p15="http://schemas.microsoft.com/office/powerpoint/2012/main">
+<p:sld xmlns:a="http://schemas.openxmlformats.org/drawingml/2006/main" xmlns:r="http://schemas.openxmlformats.org/officeDocument/2006/relationships" xmlns:p="http://schemas.openxmlformats.org/presentationml/2006/main">
   <p:cSld>
     <p:spTree>
       <p:nvGrpSpPr>
-        <p:cNvPr id="145" name="Shape 145"/>
+        <p:cNvPr id="1" name="Shape 145"/>
         <p:cNvGrpSpPr/>
         <p:nvPr/>
       </p:nvGrpSpPr>
@@ -10406,7 +10419,9 @@
       <p:sp>
         <p:nvSpPr>
           <p:cNvPr id="146" name="Google Shape;146;p15"/>
-          <p:cNvSpPr txBox="1"/>
+          <p:cNvSpPr txBox="1">
+            <a:spLocks noGrp="1"/>
+          </p:cNvSpPr>
           <p:nvPr>
             <p:ph type="title"/>
           </p:nvPr>
@@ -10421,12 +10436,12 @@
           </a:prstGeom>
         </p:spPr>
         <p:txBody>
-          <a:bodyPr anchorCtr="0" anchor="t" bIns="91425" lIns="91425" spcFirstLastPara="1" rIns="91425" wrap="square" tIns="91425">
+          <a:bodyPr spcFirstLastPara="1" wrap="square" lIns="91425" tIns="91425" rIns="91425" bIns="91425" anchor="t" anchorCtr="0">
             <a:noAutofit/>
           </a:bodyPr>
           <a:lstStyle/>
           <a:p>
-            <a:pPr indent="0" lvl="0" marL="0" rtl="0" algn="l">
+            <a:pPr marL="0" lvl="0" indent="0" algn="l" rtl="0">
               <a:spcBef>
                 <a:spcPts val="0"/>
               </a:spcBef>
@@ -10446,9 +10461,11 @@
       <p:sp>
         <p:nvSpPr>
           <p:cNvPr id="147" name="Google Shape;147;p15"/>
-          <p:cNvSpPr txBox="1"/>
+          <p:cNvSpPr txBox="1">
+            <a:spLocks noGrp="1"/>
+          </p:cNvSpPr>
           <p:nvPr>
-            <p:ph idx="1" type="body"/>
+            <p:ph type="body" idx="1"/>
           </p:nvPr>
         </p:nvSpPr>
         <p:spPr>
@@ -10461,12 +10478,12 @@
           </a:prstGeom>
         </p:spPr>
         <p:txBody>
-          <a:bodyPr anchorCtr="0" anchor="t" bIns="91425" lIns="91425" spcFirstLastPara="1" rIns="91425" wrap="square" tIns="91425">
+          <a:bodyPr spcFirstLastPara="1" wrap="square" lIns="91425" tIns="91425" rIns="91425" bIns="91425" anchor="t" anchorCtr="0">
             <a:noAutofit/>
           </a:bodyPr>
           <a:lstStyle/>
           <a:p>
-            <a:pPr indent="-311150" lvl="0" marL="457200" rtl="0" algn="l">
+            <a:pPr marL="457200" lvl="0" indent="-311150" algn="l" rtl="0">
               <a:spcBef>
                 <a:spcPts val="0"/>
               </a:spcBef>
@@ -10483,7 +10500,7 @@
             <a:endParaRPr/>
           </a:p>
           <a:p>
-            <a:pPr indent="-311150" lvl="0" marL="457200" rtl="0" algn="l">
+            <a:pPr marL="457200" lvl="0" indent="-311150" algn="l" rtl="0">
               <a:spcBef>
                 <a:spcPts val="0"/>
               </a:spcBef>
@@ -10500,7 +10517,7 @@
             <a:endParaRPr/>
           </a:p>
           <a:p>
-            <a:pPr indent="-298450" lvl="1" marL="914400" rtl="0" algn="l">
+            <a:pPr marL="914400" lvl="1" indent="-298450" algn="l" rtl="0">
               <a:spcBef>
                 <a:spcPts val="0"/>
               </a:spcBef>
@@ -10517,7 +10534,7 @@
             <a:endParaRPr/>
           </a:p>
           <a:p>
-            <a:pPr indent="-298450" lvl="1" marL="914400" rtl="0" algn="l">
+            <a:pPr marL="914400" lvl="1" indent="-298450" algn="l" rtl="0">
               <a:spcBef>
                 <a:spcPts val="0"/>
               </a:spcBef>
@@ -10534,7 +10551,7 @@
             <a:endParaRPr/>
           </a:p>
           <a:p>
-            <a:pPr indent="-298450" lvl="1" marL="914400" rtl="0" algn="l">
+            <a:pPr marL="914400" lvl="1" indent="-298450" algn="l" rtl="0">
               <a:spcBef>
                 <a:spcPts val="0"/>
               </a:spcBef>
@@ -10551,7 +10568,7 @@
             <a:endParaRPr/>
           </a:p>
           <a:p>
-            <a:pPr indent="-311150" lvl="0" marL="457200" rtl="0" algn="l">
+            <a:pPr marL="457200" lvl="0" indent="-311150" algn="l" rtl="0">
               <a:spcBef>
                 <a:spcPts val="0"/>
               </a:spcBef>
@@ -10578,11 +10595,11 @@
 </file>
 
 <file path=ppt/slides/slide4.xml><?xml version="1.0" encoding="utf-8"?>
-<p:sld xmlns:a="http://schemas.openxmlformats.org/drawingml/2006/main" xmlns:r="http://schemas.openxmlformats.org/officeDocument/2006/relationships" xmlns:mc="http://schemas.openxmlformats.org/markup-compatibility/2006" xmlns:mv="urn:schemas-microsoft-com:mac:vml" xmlns:p="http://schemas.openxmlformats.org/presentationml/2006/main" xmlns:c="http://schemas.openxmlformats.org/drawingml/2006/chart" xmlns:dgm="http://schemas.openxmlformats.org/drawingml/2006/diagram" xmlns:o="urn:schemas-microsoft-com:office:office" xmlns:v="urn:schemas-microsoft-com:vml" xmlns:pvml="urn:schemas-microsoft-com:office:powerpoint" xmlns:com="http://schemas.openxmlformats.org/drawingml/2006/compatibility" xmlns:p14="http://schemas.microsoft.com/office/powerpoint/2010/main" xmlns:p15="http://schemas.microsoft.com/office/powerpoint/2012/main">
+<p:sld xmlns:a="http://schemas.openxmlformats.org/drawingml/2006/main" xmlns:r="http://schemas.openxmlformats.org/officeDocument/2006/relationships" xmlns:p="http://schemas.openxmlformats.org/presentationml/2006/main">
   <p:cSld>
     <p:spTree>
       <p:nvGrpSpPr>
-        <p:cNvPr id="151" name="Shape 151"/>
+        <p:cNvPr id="1" name="Shape 151"/>
         <p:cNvGrpSpPr/>
         <p:nvPr/>
       </p:nvGrpSpPr>
@@ -10597,7 +10614,9 @@
       <p:sp>
         <p:nvSpPr>
           <p:cNvPr id="152" name="Google Shape;152;p16"/>
-          <p:cNvSpPr txBox="1"/>
+          <p:cNvSpPr txBox="1">
+            <a:spLocks noGrp="1"/>
+          </p:cNvSpPr>
           <p:nvPr>
             <p:ph type="title"/>
           </p:nvPr>
@@ -10612,12 +10631,12 @@
           </a:prstGeom>
         </p:spPr>
         <p:txBody>
-          <a:bodyPr anchorCtr="0" anchor="t" bIns="91425" lIns="91425" spcFirstLastPara="1" rIns="91425" wrap="square" tIns="91425">
+          <a:bodyPr spcFirstLastPara="1" wrap="square" lIns="91425" tIns="91425" rIns="91425" bIns="91425" anchor="t" anchorCtr="0">
             <a:noAutofit/>
           </a:bodyPr>
           <a:lstStyle/>
           <a:p>
-            <a:pPr indent="0" lvl="0" marL="0" rtl="0" algn="l">
+            <a:pPr marL="0" lvl="0" indent="0" algn="l" rtl="0">
               <a:spcBef>
                 <a:spcPts val="0"/>
               </a:spcBef>
@@ -10637,9 +10656,11 @@
       <p:sp>
         <p:nvSpPr>
           <p:cNvPr id="153" name="Google Shape;153;p16"/>
-          <p:cNvSpPr txBox="1"/>
+          <p:cNvSpPr txBox="1">
+            <a:spLocks noGrp="1"/>
+          </p:cNvSpPr>
           <p:nvPr>
-            <p:ph idx="1" type="body"/>
+            <p:ph type="body" idx="1"/>
           </p:nvPr>
         </p:nvSpPr>
         <p:spPr>
@@ -10652,12 +10673,12 @@
           </a:prstGeom>
         </p:spPr>
         <p:txBody>
-          <a:bodyPr anchorCtr="0" anchor="t" bIns="91425" lIns="91425" spcFirstLastPara="1" rIns="91425" wrap="square" tIns="91425">
+          <a:bodyPr spcFirstLastPara="1" wrap="square" lIns="91425" tIns="91425" rIns="91425" bIns="91425" anchor="t" anchorCtr="0">
             <a:noAutofit/>
           </a:bodyPr>
           <a:lstStyle/>
           <a:p>
-            <a:pPr indent="0" lvl="0" marL="0" rtl="0" algn="l">
+            <a:pPr marL="0" lvl="0" indent="0" algn="l" rtl="0">
               <a:spcBef>
                 <a:spcPts val="0"/>
               </a:spcBef>
@@ -10673,7 +10694,7 @@
             <a:endParaRPr/>
           </a:p>
           <a:p>
-            <a:pPr indent="0" lvl="0" marL="0" rtl="0" algn="l">
+            <a:pPr marL="0" lvl="0" indent="0" algn="l" rtl="0">
               <a:spcBef>
                 <a:spcPts val="1600"/>
               </a:spcBef>
@@ -10689,7 +10710,7 @@
             <a:endParaRPr/>
           </a:p>
           <a:p>
-            <a:pPr indent="-311150" lvl="0" marL="457200" rtl="0" algn="l">
+            <a:pPr marL="457200" lvl="0" indent="-311150" algn="l" rtl="0">
               <a:spcBef>
                 <a:spcPts val="1600"/>
               </a:spcBef>
@@ -10706,7 +10727,7 @@
             <a:endParaRPr/>
           </a:p>
           <a:p>
-            <a:pPr indent="-311150" lvl="0" marL="457200" rtl="0" algn="l">
+            <a:pPr marL="457200" lvl="0" indent="-311150" algn="l" rtl="0">
               <a:spcBef>
                 <a:spcPts val="0"/>
               </a:spcBef>
@@ -10723,7 +10744,7 @@
             <a:endParaRPr/>
           </a:p>
           <a:p>
-            <a:pPr indent="-311150" lvl="0" marL="457200" rtl="0" algn="l">
+            <a:pPr marL="457200" lvl="0" indent="-311150" algn="l" rtl="0">
               <a:spcBef>
                 <a:spcPts val="0"/>
               </a:spcBef>
@@ -10740,7 +10761,7 @@
             <a:endParaRPr/>
           </a:p>
           <a:p>
-            <a:pPr indent="-311150" lvl="0" marL="457200" rtl="0" algn="l">
+            <a:pPr marL="457200" lvl="0" indent="-311150" algn="l" rtl="0">
               <a:spcBef>
                 <a:spcPts val="0"/>
               </a:spcBef>
@@ -10757,7 +10778,7 @@
             <a:endParaRPr/>
           </a:p>
           <a:p>
-            <a:pPr indent="-311150" lvl="0" marL="457200" rtl="0" algn="l">
+            <a:pPr marL="457200" lvl="0" indent="-311150" algn="l" rtl="0">
               <a:spcBef>
                 <a:spcPts val="0"/>
               </a:spcBef>
@@ -10774,7 +10795,7 @@
             <a:endParaRPr/>
           </a:p>
           <a:p>
-            <a:pPr indent="0" lvl="0" marL="0" rtl="0" algn="l">
+            <a:pPr marL="0" lvl="0" indent="0" algn="l" rtl="0">
               <a:spcBef>
                 <a:spcPts val="1600"/>
               </a:spcBef>
@@ -10783,9 +10804,6 @@
               </a:spcAft>
               <a:buNone/>
             </a:pPr>
-            <a:r>
-              <a:t/>
-            </a:r>
             <a:endParaRPr/>
           </a:p>
         </p:txBody>
@@ -10799,11 +10817,11 @@
 </file>
 
 <file path=ppt/slides/slide5.xml><?xml version="1.0" encoding="utf-8"?>
-<p:sld xmlns:a="http://schemas.openxmlformats.org/drawingml/2006/main" xmlns:r="http://schemas.openxmlformats.org/officeDocument/2006/relationships" xmlns:mc="http://schemas.openxmlformats.org/markup-compatibility/2006" xmlns:mv="urn:schemas-microsoft-com:mac:vml" xmlns:p="http://schemas.openxmlformats.org/presentationml/2006/main" xmlns:c="http://schemas.openxmlformats.org/drawingml/2006/chart" xmlns:dgm="http://schemas.openxmlformats.org/drawingml/2006/diagram" xmlns:o="urn:schemas-microsoft-com:office:office" xmlns:v="urn:schemas-microsoft-com:vml" xmlns:pvml="urn:schemas-microsoft-com:office:powerpoint" xmlns:com="http://schemas.openxmlformats.org/drawingml/2006/compatibility" xmlns:p14="http://schemas.microsoft.com/office/powerpoint/2010/main" xmlns:p15="http://schemas.microsoft.com/office/powerpoint/2012/main">
+<p:sld xmlns:a="http://schemas.openxmlformats.org/drawingml/2006/main" xmlns:r="http://schemas.openxmlformats.org/officeDocument/2006/relationships" xmlns:p="http://schemas.openxmlformats.org/presentationml/2006/main">
   <p:cSld>
     <p:spTree>
       <p:nvGrpSpPr>
-        <p:cNvPr id="157" name="Shape 157"/>
+        <p:cNvPr id="1" name="Shape 157"/>
         <p:cNvGrpSpPr/>
         <p:nvPr/>
       </p:nvGrpSpPr>
@@ -10818,7 +10836,9 @@
       <p:sp>
         <p:nvSpPr>
           <p:cNvPr id="158" name="Google Shape;158;p17"/>
-          <p:cNvSpPr txBox="1"/>
+          <p:cNvSpPr txBox="1">
+            <a:spLocks noGrp="1"/>
+          </p:cNvSpPr>
           <p:nvPr>
             <p:ph type="title"/>
           </p:nvPr>
@@ -10833,12 +10853,12 @@
           </a:prstGeom>
         </p:spPr>
         <p:txBody>
-          <a:bodyPr anchorCtr="0" anchor="t" bIns="91425" lIns="91425" spcFirstLastPara="1" rIns="91425" wrap="square" tIns="91425">
+          <a:bodyPr spcFirstLastPara="1" wrap="square" lIns="91425" tIns="91425" rIns="91425" bIns="91425" anchor="t" anchorCtr="0">
             <a:noAutofit/>
           </a:bodyPr>
           <a:lstStyle/>
           <a:p>
-            <a:pPr indent="0" lvl="0" marL="0" rtl="0" algn="l">
+            <a:pPr marL="0" lvl="0" indent="0" algn="l" rtl="0">
               <a:spcBef>
                 <a:spcPts val="0"/>
               </a:spcBef>
@@ -10858,9 +10878,11 @@
       <p:sp>
         <p:nvSpPr>
           <p:cNvPr id="159" name="Google Shape;159;p17"/>
-          <p:cNvSpPr txBox="1"/>
+          <p:cNvSpPr txBox="1">
+            <a:spLocks noGrp="1"/>
+          </p:cNvSpPr>
           <p:nvPr>
-            <p:ph idx="1" type="body"/>
+            <p:ph type="body" idx="1"/>
           </p:nvPr>
         </p:nvSpPr>
         <p:spPr>
@@ -10873,12 +10895,12 @@
           </a:prstGeom>
         </p:spPr>
         <p:txBody>
-          <a:bodyPr anchorCtr="0" anchor="t" bIns="91425" lIns="91425" spcFirstLastPara="1" rIns="91425" wrap="square" tIns="91425">
+          <a:bodyPr spcFirstLastPara="1" wrap="square" lIns="91425" tIns="91425" rIns="91425" bIns="91425" anchor="t" anchorCtr="0">
             <a:noAutofit/>
           </a:bodyPr>
           <a:lstStyle/>
           <a:p>
-            <a:pPr indent="-311150" lvl="0" marL="457200" rtl="0" algn="l">
+            <a:pPr marL="457200" lvl="0" indent="-311150" algn="l" rtl="0">
               <a:spcBef>
                 <a:spcPts val="0"/>
               </a:spcBef>
@@ -10895,7 +10917,7 @@
             <a:endParaRPr/>
           </a:p>
           <a:p>
-            <a:pPr indent="-311150" lvl="0" marL="457200" rtl="0" algn="l">
+            <a:pPr marL="457200" lvl="0" indent="-311150" algn="l" rtl="0">
               <a:spcBef>
                 <a:spcPts val="0"/>
               </a:spcBef>
@@ -10907,16 +10929,12 @@
             </a:pPr>
             <a:r>
               <a:rPr lang="en"/>
-              <a:t>Things such as authentication, encryption libraries and services should be placed inside of your repository. This is because “putting our information security artifacts there makes it much easier to influence the daily work of Dev and Ops” </a:t>
-            </a:r>
-            <a:r>
-              <a:rPr lang="en"/>
-              <a:t>(Kim, Willis, Debois, Humble, 2016, p 315)</a:t>
+              <a:t>Things such as authentication, encryption libraries and services should be placed inside of your repository. This is because “putting our information security artifacts there makes it much easier to influence the daily work of Dev and Ops” (Kim, Willis, Debois, Humble, 2016, p 315)</a:t>
             </a:r>
             <a:endParaRPr/>
           </a:p>
           <a:p>
-            <a:pPr indent="-311150" lvl="0" marL="457200" rtl="0" algn="l">
+            <a:pPr marL="457200" lvl="0" indent="-311150" algn="l" rtl="0">
               <a:spcBef>
                 <a:spcPts val="0"/>
               </a:spcBef>
@@ -10943,11 +10961,11 @@
 </file>
 
 <file path=ppt/slides/slide6.xml><?xml version="1.0" encoding="utf-8"?>
-<p:sld xmlns:a="http://schemas.openxmlformats.org/drawingml/2006/main" xmlns:r="http://schemas.openxmlformats.org/officeDocument/2006/relationships" xmlns:mc="http://schemas.openxmlformats.org/markup-compatibility/2006" xmlns:mv="urn:schemas-microsoft-com:mac:vml" xmlns:p="http://schemas.openxmlformats.org/presentationml/2006/main" xmlns:c="http://schemas.openxmlformats.org/drawingml/2006/chart" xmlns:dgm="http://schemas.openxmlformats.org/drawingml/2006/diagram" xmlns:o="urn:schemas-microsoft-com:office:office" xmlns:v="urn:schemas-microsoft-com:vml" xmlns:pvml="urn:schemas-microsoft-com:office:powerpoint" xmlns:com="http://schemas.openxmlformats.org/drawingml/2006/compatibility" xmlns:p14="http://schemas.microsoft.com/office/powerpoint/2010/main" xmlns:p15="http://schemas.microsoft.com/office/powerpoint/2012/main">
+<p:sld xmlns:a="http://schemas.openxmlformats.org/drawingml/2006/main" xmlns:r="http://schemas.openxmlformats.org/officeDocument/2006/relationships" xmlns:p="http://schemas.openxmlformats.org/presentationml/2006/main">
   <p:cSld>
     <p:spTree>
       <p:nvGrpSpPr>
-        <p:cNvPr id="163" name="Shape 163"/>
+        <p:cNvPr id="1" name="Shape 163"/>
         <p:cNvGrpSpPr/>
         <p:nvPr/>
       </p:nvGrpSpPr>
@@ -10962,7 +10980,9 @@
       <p:sp>
         <p:nvSpPr>
           <p:cNvPr id="164" name="Google Shape;164;p18"/>
-          <p:cNvSpPr txBox="1"/>
+          <p:cNvSpPr txBox="1">
+            <a:spLocks noGrp="1"/>
+          </p:cNvSpPr>
           <p:nvPr>
             <p:ph type="title"/>
           </p:nvPr>
@@ -10977,12 +10997,12 @@
           </a:prstGeom>
         </p:spPr>
         <p:txBody>
-          <a:bodyPr anchorCtr="0" anchor="t" bIns="91425" lIns="91425" spcFirstLastPara="1" rIns="91425" wrap="square" tIns="91425">
+          <a:bodyPr spcFirstLastPara="1" wrap="square" lIns="91425" tIns="91425" rIns="91425" bIns="91425" anchor="t" anchorCtr="0">
             <a:noAutofit/>
           </a:bodyPr>
           <a:lstStyle/>
           <a:p>
-            <a:pPr indent="0" lvl="0" marL="0" rtl="0" algn="l">
+            <a:pPr marL="0" lvl="0" indent="0" algn="l" rtl="0">
               <a:spcBef>
                 <a:spcPts val="0"/>
               </a:spcBef>
@@ -11002,9 +11022,11 @@
       <p:sp>
         <p:nvSpPr>
           <p:cNvPr id="165" name="Google Shape;165;p18"/>
-          <p:cNvSpPr txBox="1"/>
+          <p:cNvSpPr txBox="1">
+            <a:spLocks noGrp="1"/>
+          </p:cNvSpPr>
           <p:nvPr>
-            <p:ph idx="1" type="body"/>
+            <p:ph type="body" idx="1"/>
           </p:nvPr>
         </p:nvSpPr>
         <p:spPr>
@@ -11017,12 +11039,12 @@
           </a:prstGeom>
         </p:spPr>
         <p:txBody>
-          <a:bodyPr anchorCtr="0" anchor="t" bIns="91425" lIns="91425" spcFirstLastPara="1" rIns="91425" wrap="square" tIns="91425">
+          <a:bodyPr spcFirstLastPara="1" wrap="square" lIns="91425" tIns="91425" rIns="91425" bIns="91425" anchor="t" anchorCtr="0">
             <a:noAutofit/>
           </a:bodyPr>
           <a:lstStyle/>
           <a:p>
-            <a:pPr indent="-311150" lvl="0" marL="457200" rtl="0" algn="l">
+            <a:pPr marL="457200" lvl="0" indent="-311150" algn="l" rtl="0">
               <a:spcBef>
                 <a:spcPts val="0"/>
               </a:spcBef>
@@ -11039,7 +11061,7 @@
             <a:endParaRPr/>
           </a:p>
           <a:p>
-            <a:pPr indent="-311150" lvl="0" marL="457200" rtl="0" algn="l">
+            <a:pPr marL="457200" lvl="0" indent="-311150" algn="l" rtl="0">
               <a:spcBef>
                 <a:spcPts val="0"/>
               </a:spcBef>
@@ -11056,7 +11078,7 @@
             <a:endParaRPr/>
           </a:p>
           <a:p>
-            <a:pPr indent="-311150" lvl="0" marL="457200" rtl="0" algn="l">
+            <a:pPr marL="457200" lvl="0" indent="-311150" algn="l" rtl="0">
               <a:spcBef>
                 <a:spcPts val="0"/>
               </a:spcBef>
@@ -11083,11 +11105,11 @@
 </file>
 
 <file path=ppt/slides/slide7.xml><?xml version="1.0" encoding="utf-8"?>
-<p:sld xmlns:a="http://schemas.openxmlformats.org/drawingml/2006/main" xmlns:r="http://schemas.openxmlformats.org/officeDocument/2006/relationships" xmlns:mc="http://schemas.openxmlformats.org/markup-compatibility/2006" xmlns:mv="urn:schemas-microsoft-com:mac:vml" xmlns:p="http://schemas.openxmlformats.org/presentationml/2006/main" xmlns:c="http://schemas.openxmlformats.org/drawingml/2006/chart" xmlns:dgm="http://schemas.openxmlformats.org/drawingml/2006/diagram" xmlns:o="urn:schemas-microsoft-com:office:office" xmlns:v="urn:schemas-microsoft-com:vml" xmlns:pvml="urn:schemas-microsoft-com:office:powerpoint" xmlns:com="http://schemas.openxmlformats.org/drawingml/2006/compatibility" xmlns:p14="http://schemas.microsoft.com/office/powerpoint/2010/main" xmlns:p15="http://schemas.microsoft.com/office/powerpoint/2012/main">
+<p:sld xmlns:a="http://schemas.openxmlformats.org/drawingml/2006/main" xmlns:r="http://schemas.openxmlformats.org/officeDocument/2006/relationships" xmlns:p="http://schemas.openxmlformats.org/presentationml/2006/main">
   <p:cSld>
     <p:spTree>
       <p:nvGrpSpPr>
-        <p:cNvPr id="169" name="Shape 169"/>
+        <p:cNvPr id="1" name="Shape 169"/>
         <p:cNvGrpSpPr/>
         <p:nvPr/>
       </p:nvGrpSpPr>
@@ -11102,7 +11124,9 @@
       <p:sp>
         <p:nvSpPr>
           <p:cNvPr id="170" name="Google Shape;170;p19"/>
-          <p:cNvSpPr txBox="1"/>
+          <p:cNvSpPr txBox="1">
+            <a:spLocks noGrp="1"/>
+          </p:cNvSpPr>
           <p:nvPr>
             <p:ph type="title"/>
           </p:nvPr>
@@ -11117,12 +11141,12 @@
           </a:prstGeom>
         </p:spPr>
         <p:txBody>
-          <a:bodyPr anchorCtr="0" anchor="t" bIns="91425" lIns="91425" spcFirstLastPara="1" rIns="91425" wrap="square" tIns="91425">
+          <a:bodyPr spcFirstLastPara="1" wrap="square" lIns="91425" tIns="91425" rIns="91425" bIns="91425" anchor="t" anchorCtr="0">
             <a:noAutofit/>
           </a:bodyPr>
           <a:lstStyle/>
           <a:p>
-            <a:pPr indent="0" lvl="0" marL="0" rtl="0" algn="l">
+            <a:pPr marL="0" lvl="0" indent="0" algn="l" rtl="0">
               <a:spcBef>
                 <a:spcPts val="0"/>
               </a:spcBef>
@@ -11142,9 +11166,11 @@
       <p:sp>
         <p:nvSpPr>
           <p:cNvPr id="171" name="Google Shape;171;p19"/>
-          <p:cNvSpPr txBox="1"/>
+          <p:cNvSpPr txBox="1">
+            <a:spLocks noGrp="1"/>
+          </p:cNvSpPr>
           <p:nvPr>
-            <p:ph idx="1" type="body"/>
+            <p:ph type="body" idx="1"/>
           </p:nvPr>
         </p:nvSpPr>
         <p:spPr>
@@ -11157,12 +11183,12 @@
           </a:prstGeom>
         </p:spPr>
         <p:txBody>
-          <a:bodyPr anchorCtr="0" anchor="t" bIns="91425" lIns="91425" spcFirstLastPara="1" rIns="91425" wrap="square" tIns="91425">
+          <a:bodyPr spcFirstLastPara="1" wrap="square" lIns="91425" tIns="91425" rIns="91425" bIns="91425" anchor="t" anchorCtr="0">
             <a:noAutofit/>
           </a:bodyPr>
           <a:lstStyle/>
           <a:p>
-            <a:pPr indent="-311150" lvl="0" marL="457200" rtl="0" algn="l">
+            <a:pPr marL="457200" lvl="0" indent="-311150" algn="l" rtl="0">
               <a:spcBef>
                 <a:spcPts val="0"/>
               </a:spcBef>
@@ -11179,7 +11205,7 @@
             <a:endParaRPr/>
           </a:p>
           <a:p>
-            <a:pPr indent="-311150" lvl="0" marL="457200" rtl="0" algn="l">
+            <a:pPr marL="457200" lvl="0" indent="-311150" algn="l" rtl="0">
               <a:spcBef>
                 <a:spcPts val="0"/>
               </a:spcBef>
@@ -11196,7 +11222,7 @@
             <a:endParaRPr/>
           </a:p>
           <a:p>
-            <a:pPr indent="-298450" lvl="1" marL="914400" rtl="0" algn="l">
+            <a:pPr marL="914400" lvl="1" indent="-298450" algn="l" rtl="0">
               <a:spcBef>
                 <a:spcPts val="0"/>
               </a:spcBef>
@@ -11213,7 +11239,7 @@
             <a:endParaRPr/>
           </a:p>
           <a:p>
-            <a:pPr indent="-298450" lvl="1" marL="914400" rtl="0" algn="l">
+            <a:pPr marL="914400" lvl="1" indent="-298450" algn="l" rtl="0">
               <a:spcBef>
                 <a:spcPts val="0"/>
               </a:spcBef>
@@ -11230,7 +11256,7 @@
             <a:endParaRPr/>
           </a:p>
           <a:p>
-            <a:pPr indent="-298450" lvl="1" marL="914400" rtl="0" algn="l">
+            <a:pPr marL="914400" lvl="1" indent="-298450" algn="l" rtl="0">
               <a:spcBef>
                 <a:spcPts val="0"/>
               </a:spcBef>
@@ -11247,7 +11273,7 @@
             <a:endParaRPr/>
           </a:p>
           <a:p>
-            <a:pPr indent="-298450" lvl="1" marL="914400" rtl="0" algn="l">
+            <a:pPr marL="914400" lvl="1" indent="-298450" algn="l" rtl="0">
               <a:spcBef>
                 <a:spcPts val="0"/>
               </a:spcBef>
@@ -11264,7 +11290,7 @@
             <a:endParaRPr/>
           </a:p>
           <a:p>
-            <a:pPr indent="-311150" lvl="0" marL="457200" rtl="0" algn="l">
+            <a:pPr marL="457200" lvl="0" indent="-311150" algn="l" rtl="0">
               <a:spcBef>
                 <a:spcPts val="0"/>
               </a:spcBef>
@@ -11291,11 +11317,11 @@
 </file>
 
 <file path=ppt/slides/slide8.xml><?xml version="1.0" encoding="utf-8"?>
-<p:sld xmlns:a="http://schemas.openxmlformats.org/drawingml/2006/main" xmlns:r="http://schemas.openxmlformats.org/officeDocument/2006/relationships" xmlns:mc="http://schemas.openxmlformats.org/markup-compatibility/2006" xmlns:mv="urn:schemas-microsoft-com:mac:vml" xmlns:p="http://schemas.openxmlformats.org/presentationml/2006/main" xmlns:c="http://schemas.openxmlformats.org/drawingml/2006/chart" xmlns:dgm="http://schemas.openxmlformats.org/drawingml/2006/diagram" xmlns:o="urn:schemas-microsoft-com:office:office" xmlns:v="urn:schemas-microsoft-com:vml" xmlns:pvml="urn:schemas-microsoft-com:office:powerpoint" xmlns:com="http://schemas.openxmlformats.org/drawingml/2006/compatibility" xmlns:p14="http://schemas.microsoft.com/office/powerpoint/2010/main" xmlns:p15="http://schemas.microsoft.com/office/powerpoint/2012/main">
+<p:sld xmlns:a="http://schemas.openxmlformats.org/drawingml/2006/main" xmlns:r="http://schemas.openxmlformats.org/officeDocument/2006/relationships" xmlns:p="http://schemas.openxmlformats.org/presentationml/2006/main">
   <p:cSld>
     <p:spTree>
       <p:nvGrpSpPr>
-        <p:cNvPr id="175" name="Shape 175"/>
+        <p:cNvPr id="1" name="Shape 175"/>
         <p:cNvGrpSpPr/>
         <p:nvPr/>
       </p:nvGrpSpPr>
@@ -11310,7 +11336,9 @@
       <p:sp>
         <p:nvSpPr>
           <p:cNvPr id="176" name="Google Shape;176;p20"/>
-          <p:cNvSpPr txBox="1"/>
+          <p:cNvSpPr txBox="1">
+            <a:spLocks noGrp="1"/>
+          </p:cNvSpPr>
           <p:nvPr>
             <p:ph type="title"/>
           </p:nvPr>
@@ -11325,12 +11353,12 @@
           </a:prstGeom>
         </p:spPr>
         <p:txBody>
-          <a:bodyPr anchorCtr="0" anchor="t" bIns="91425" lIns="91425" spcFirstLastPara="1" rIns="91425" wrap="square" tIns="91425">
+          <a:bodyPr spcFirstLastPara="1" wrap="square" lIns="91425" tIns="91425" rIns="91425" bIns="91425" anchor="t" anchorCtr="0">
             <a:noAutofit/>
           </a:bodyPr>
           <a:lstStyle/>
           <a:p>
-            <a:pPr indent="0" lvl="0" marL="0" rtl="0" algn="l">
+            <a:pPr marL="0" lvl="0" indent="0" algn="l" rtl="0">
               <a:spcBef>
                 <a:spcPts val="0"/>
               </a:spcBef>
@@ -11350,9 +11378,11 @@
       <p:sp>
         <p:nvSpPr>
           <p:cNvPr id="177" name="Google Shape;177;p20"/>
-          <p:cNvSpPr txBox="1"/>
+          <p:cNvSpPr txBox="1">
+            <a:spLocks noGrp="1"/>
+          </p:cNvSpPr>
           <p:nvPr>
-            <p:ph idx="1" type="body"/>
+            <p:ph type="body" idx="1"/>
           </p:nvPr>
         </p:nvSpPr>
         <p:spPr>
@@ -11365,12 +11395,12 @@
           </a:prstGeom>
         </p:spPr>
         <p:txBody>
-          <a:bodyPr anchorCtr="0" anchor="t" bIns="91425" lIns="91425" spcFirstLastPara="1" rIns="91425" wrap="square" tIns="91425">
+          <a:bodyPr spcFirstLastPara="1" wrap="square" lIns="91425" tIns="91425" rIns="91425" bIns="91425" anchor="t" anchorCtr="0">
             <a:noAutofit/>
           </a:bodyPr>
           <a:lstStyle/>
           <a:p>
-            <a:pPr indent="-311150" lvl="0" marL="457200" rtl="0" algn="l">
+            <a:pPr marL="457200" lvl="0" indent="-311150" algn="l" rtl="0">
               <a:spcBef>
                 <a:spcPts val="0"/>
               </a:spcBef>
@@ -11387,7 +11417,7 @@
             <a:endParaRPr/>
           </a:p>
           <a:p>
-            <a:pPr indent="-311150" lvl="0" marL="457200" rtl="0" algn="l">
+            <a:pPr marL="457200" lvl="0" indent="-311150" algn="l" rtl="0">
               <a:spcBef>
                 <a:spcPts val="0"/>
               </a:spcBef>
@@ -11404,7 +11434,7 @@
             <a:endParaRPr/>
           </a:p>
           <a:p>
-            <a:pPr indent="-311150" lvl="0" marL="457200" rtl="0" algn="l">
+            <a:pPr marL="457200" lvl="0" indent="-311150" algn="l" rtl="0">
               <a:spcBef>
                 <a:spcPts val="0"/>
               </a:spcBef>
@@ -11421,7 +11451,7 @@
             <a:endParaRPr/>
           </a:p>
           <a:p>
-            <a:pPr indent="-298450" lvl="1" marL="914400" rtl="0" algn="l">
+            <a:pPr marL="914400" lvl="1" indent="-298450" algn="l" rtl="0">
               <a:spcBef>
                 <a:spcPts val="0"/>
               </a:spcBef>
@@ -11438,7 +11468,7 @@
             <a:endParaRPr/>
           </a:p>
           <a:p>
-            <a:pPr indent="-298450" lvl="1" marL="914400" rtl="0" algn="l">
+            <a:pPr marL="914400" lvl="1" indent="-298450" algn="l" rtl="0">
               <a:spcBef>
                 <a:spcPts val="0"/>
               </a:spcBef>
@@ -11455,7 +11485,7 @@
             <a:endParaRPr/>
           </a:p>
           <a:p>
-            <a:pPr indent="-298450" lvl="1" marL="914400" rtl="0" algn="l">
+            <a:pPr marL="914400" lvl="1" indent="-298450" algn="l" rtl="0">
               <a:spcBef>
                 <a:spcPts val="0"/>
               </a:spcBef>
@@ -11472,7 +11502,7 @@
             <a:endParaRPr/>
           </a:p>
           <a:p>
-            <a:pPr indent="-298450" lvl="1" marL="914400" rtl="0" algn="l">
+            <a:pPr marL="914400" lvl="1" indent="-298450" algn="l" rtl="0">
               <a:spcBef>
                 <a:spcPts val="0"/>
               </a:spcBef>
@@ -11489,7 +11519,7 @@
             <a:endParaRPr/>
           </a:p>
           <a:p>
-            <a:pPr indent="-298450" lvl="1" marL="914400" rtl="0" algn="l">
+            <a:pPr marL="914400" lvl="1" indent="-298450" algn="l" rtl="0">
               <a:spcBef>
                 <a:spcPts val="0"/>
               </a:spcBef>
@@ -11516,11 +11546,11 @@
 </file>
 
 <file path=ppt/slides/slide9.xml><?xml version="1.0" encoding="utf-8"?>
-<p:sld xmlns:a="http://schemas.openxmlformats.org/drawingml/2006/main" xmlns:r="http://schemas.openxmlformats.org/officeDocument/2006/relationships" xmlns:mc="http://schemas.openxmlformats.org/markup-compatibility/2006" xmlns:mv="urn:schemas-microsoft-com:mac:vml" xmlns:p="http://schemas.openxmlformats.org/presentationml/2006/main" xmlns:c="http://schemas.openxmlformats.org/drawingml/2006/chart" xmlns:dgm="http://schemas.openxmlformats.org/drawingml/2006/diagram" xmlns:o="urn:schemas-microsoft-com:office:office" xmlns:v="urn:schemas-microsoft-com:vml" xmlns:pvml="urn:schemas-microsoft-com:office:powerpoint" xmlns:com="http://schemas.openxmlformats.org/drawingml/2006/compatibility" xmlns:p14="http://schemas.microsoft.com/office/powerpoint/2010/main" xmlns:p15="http://schemas.microsoft.com/office/powerpoint/2012/main">
+<p:sld xmlns:a="http://schemas.openxmlformats.org/drawingml/2006/main" xmlns:r="http://schemas.openxmlformats.org/officeDocument/2006/relationships" xmlns:p="http://schemas.openxmlformats.org/presentationml/2006/main">
   <p:cSld>
     <p:spTree>
       <p:nvGrpSpPr>
-        <p:cNvPr id="181" name="Shape 181"/>
+        <p:cNvPr id="1" name="Shape 181"/>
         <p:cNvGrpSpPr/>
         <p:nvPr/>
       </p:nvGrpSpPr>
@@ -11535,7 +11565,9 @@
       <p:sp>
         <p:nvSpPr>
           <p:cNvPr id="182" name="Google Shape;182;p21"/>
-          <p:cNvSpPr txBox="1"/>
+          <p:cNvSpPr txBox="1">
+            <a:spLocks noGrp="1"/>
+          </p:cNvSpPr>
           <p:nvPr>
             <p:ph type="title"/>
           </p:nvPr>
@@ -11550,12 +11582,12 @@
           </a:prstGeom>
         </p:spPr>
         <p:txBody>
-          <a:bodyPr anchorCtr="0" anchor="t" bIns="91425" lIns="91425" spcFirstLastPara="1" rIns="91425" wrap="square" tIns="91425">
+          <a:bodyPr spcFirstLastPara="1" wrap="square" lIns="91425" tIns="91425" rIns="91425" bIns="91425" anchor="t" anchorCtr="0">
             <a:noAutofit/>
           </a:bodyPr>
           <a:lstStyle/>
           <a:p>
-            <a:pPr indent="0" lvl="0" marL="0" rtl="0" algn="l">
+            <a:pPr marL="0" lvl="0" indent="0" algn="l" rtl="0">
               <a:spcBef>
                 <a:spcPts val="0"/>
               </a:spcBef>
@@ -11575,9 +11607,11 @@
       <p:sp>
         <p:nvSpPr>
           <p:cNvPr id="183" name="Google Shape;183;p21"/>
-          <p:cNvSpPr txBox="1"/>
+          <p:cNvSpPr txBox="1">
+            <a:spLocks noGrp="1"/>
+          </p:cNvSpPr>
           <p:nvPr>
-            <p:ph idx="1" type="body"/>
+            <p:ph type="body" idx="1"/>
           </p:nvPr>
         </p:nvSpPr>
         <p:spPr>
@@ -11590,12 +11624,12 @@
           </a:prstGeom>
         </p:spPr>
         <p:txBody>
-          <a:bodyPr anchorCtr="0" anchor="t" bIns="91425" lIns="91425" spcFirstLastPara="1" rIns="91425" wrap="square" tIns="91425">
+          <a:bodyPr spcFirstLastPara="1" wrap="square" lIns="91425" tIns="91425" rIns="91425" bIns="91425" anchor="t" anchorCtr="0">
             <a:noAutofit/>
           </a:bodyPr>
           <a:lstStyle/>
           <a:p>
-            <a:pPr indent="-311150" lvl="0" marL="457200" rtl="0" algn="l">
+            <a:pPr marL="457200" lvl="0" indent="-311150" algn="l" rtl="0">
               <a:spcBef>
                 <a:spcPts val="0"/>
               </a:spcBef>
@@ -11612,7 +11646,7 @@
             <a:endParaRPr/>
           </a:p>
           <a:p>
-            <a:pPr indent="-298450" lvl="1" marL="914400" rtl="0" algn="l">
+            <a:pPr marL="914400" lvl="1" indent="-298450" algn="l" rtl="0">
               <a:spcBef>
                 <a:spcPts val="0"/>
               </a:spcBef>
@@ -11629,7 +11663,7 @@
             <a:endParaRPr/>
           </a:p>
           <a:p>
-            <a:pPr indent="-311150" lvl="0" marL="457200" rtl="0" algn="l">
+            <a:pPr marL="457200" lvl="0" indent="-311150" algn="l" rtl="0">
               <a:spcBef>
                 <a:spcPts val="0"/>
               </a:spcBef>
@@ -11646,7 +11680,7 @@
             <a:endParaRPr/>
           </a:p>
           <a:p>
-            <a:pPr indent="-298450" lvl="1" marL="914400" rtl="0" algn="l">
+            <a:pPr marL="914400" lvl="1" indent="-298450" algn="l" rtl="0">
               <a:spcBef>
                 <a:spcPts val="0"/>
               </a:spcBef>
@@ -11663,7 +11697,7 @@
             <a:endParaRPr/>
           </a:p>
           <a:p>
-            <a:pPr indent="-311150" lvl="0" marL="457200" rtl="0" algn="l">
+            <a:pPr marL="457200" lvl="0" indent="-311150" algn="l" rtl="0">
               <a:spcBef>
                 <a:spcPts val="0"/>
               </a:spcBef>
@@ -11680,7 +11714,7 @@
             <a:endParaRPr/>
           </a:p>
           <a:p>
-            <a:pPr indent="-298450" lvl="1" marL="914400" rtl="0" algn="l">
+            <a:pPr marL="914400" lvl="1" indent="-298450" algn="l" rtl="0">
               <a:spcBef>
                 <a:spcPts val="0"/>
               </a:spcBef>
@@ -11697,7 +11731,7 @@
             <a:endParaRPr/>
           </a:p>
           <a:p>
-            <a:pPr indent="-311150" lvl="0" marL="457200" rtl="0" algn="l">
+            <a:pPr marL="457200" lvl="0" indent="-311150" algn="l" rtl="0">
               <a:spcBef>
                 <a:spcPts val="0"/>
               </a:spcBef>
@@ -11714,7 +11748,7 @@
             <a:endParaRPr/>
           </a:p>
           <a:p>
-            <a:pPr indent="-298450" lvl="1" marL="914400" rtl="0" algn="l">
+            <a:pPr marL="914400" lvl="1" indent="-298450" algn="l" rtl="0">
               <a:spcBef>
                 <a:spcPts val="0"/>
               </a:spcBef>
@@ -11741,7 +11775,288 @@
 </file>
 
 <file path=ppt/theme/theme1.xml><?xml version="1.0" encoding="utf-8"?>
-<a:theme xmlns:a="http://schemas.openxmlformats.org/drawingml/2006/main" xmlns:r="http://schemas.openxmlformats.org/officeDocument/2006/relationships">
+<a:theme xmlns:a="http://schemas.openxmlformats.org/drawingml/2006/main" name="Focus">
+  <a:themeElements>
+    <a:clrScheme name="Focus">
+      <a:dk1>
+        <a:srgbClr val="1B212C"/>
+      </a:dk1>
+      <a:lt1>
+        <a:srgbClr val="FFFFFF"/>
+      </a:lt1>
+      <a:dk2>
+        <a:srgbClr val="D9D9D9"/>
+      </a:dk2>
+      <a:lt2>
+        <a:srgbClr val="82C7A5"/>
+      </a:lt2>
+      <a:accent1>
+        <a:srgbClr val="0145AC"/>
+      </a:accent1>
+      <a:accent2>
+        <a:srgbClr val="EECE1A"/>
+      </a:accent2>
+      <a:accent3>
+        <a:srgbClr val="4E5567"/>
+      </a:accent3>
+      <a:accent4>
+        <a:srgbClr val="F4D6AD"/>
+      </a:accent4>
+      <a:accent5>
+        <a:srgbClr val="7890CD"/>
+      </a:accent5>
+      <a:accent6>
+        <a:srgbClr val="F15E22"/>
+      </a:accent6>
+      <a:hlink>
+        <a:srgbClr val="7890CD"/>
+      </a:hlink>
+      <a:folHlink>
+        <a:srgbClr val="7890CD"/>
+      </a:folHlink>
+    </a:clrScheme>
+    <a:fontScheme name="Office">
+      <a:majorFont>
+        <a:latin typeface="Arial"/>
+        <a:ea typeface=""/>
+        <a:cs typeface=""/>
+        <a:font script="Jpan" typeface="ＭＳ Ｐゴシック"/>
+        <a:font script="Hang" typeface="맑은 고딕"/>
+        <a:font script="Hans" typeface="宋体"/>
+        <a:font script="Hant" typeface="新細明體"/>
+        <a:font script="Arab" typeface="Times New Roman"/>
+        <a:font script="Hebr" typeface="Times New Roman"/>
+        <a:font script="Thai" typeface="Angsana New"/>
+        <a:font script="Ethi" typeface="Nyala"/>
+        <a:font script="Beng" typeface="Vrinda"/>
+        <a:font script="Gujr" typeface="Shruti"/>
+        <a:font script="Khmr" typeface="MoolBoran"/>
+        <a:font script="Knda" typeface="Tunga"/>
+        <a:font script="Guru" typeface="Raavi"/>
+        <a:font script="Cans" typeface="Euphemia"/>
+        <a:font script="Cher" typeface="Plantagenet Cherokee"/>
+        <a:font script="Yiii" typeface="Microsoft Yi Baiti"/>
+        <a:font script="Tibt" typeface="Microsoft Himalaya"/>
+        <a:font script="Thaa" typeface="MV Boli"/>
+        <a:font script="Deva" typeface="Mangal"/>
+        <a:font script="Telu" typeface="Gautami"/>
+        <a:font script="Taml" typeface="Latha"/>
+        <a:font script="Syrc" typeface="Estrangelo Edessa"/>
+        <a:font script="Orya" typeface="Kalinga"/>
+        <a:font script="Mlym" typeface="Kartika"/>
+        <a:font script="Laoo" typeface="DokChampa"/>
+        <a:font script="Sinh" typeface="Iskoola Pota"/>
+        <a:font script="Mong" typeface="Mongolian Baiti"/>
+        <a:font script="Viet" typeface="Times New Roman"/>
+        <a:font script="Uigh" typeface="Microsoft Uighur"/>
+        <a:font script="Geor" typeface="Sylfaen"/>
+      </a:majorFont>
+      <a:minorFont>
+        <a:latin typeface="Arial"/>
+        <a:ea typeface=""/>
+        <a:cs typeface=""/>
+        <a:font script="Jpan" typeface="ＭＳ Ｐゴシック"/>
+        <a:font script="Hang" typeface="맑은 고딕"/>
+        <a:font script="Hans" typeface="宋体"/>
+        <a:font script="Hant" typeface="新細明體"/>
+        <a:font script="Arab" typeface="Arial"/>
+        <a:font script="Hebr" typeface="Arial"/>
+        <a:font script="Thai" typeface="Cordia New"/>
+        <a:font script="Ethi" typeface="Nyala"/>
+        <a:font script="Beng" typeface="Vrinda"/>
+        <a:font script="Gujr" typeface="Shruti"/>
+        <a:font script="Khmr" typeface="DaunPenh"/>
+        <a:font script="Knda" typeface="Tunga"/>
+        <a:font script="Guru" typeface="Raavi"/>
+        <a:font script="Cans" typeface="Euphemia"/>
+        <a:font script="Cher" typeface="Plantagenet Cherokee"/>
+        <a:font script="Yiii" typeface="Microsoft Yi Baiti"/>
+        <a:font script="Tibt" typeface="Microsoft Himalaya"/>
+        <a:font script="Thaa" typeface="MV Boli"/>
+        <a:font script="Deva" typeface="Mangal"/>
+        <a:font script="Telu" typeface="Gautami"/>
+        <a:font script="Taml" typeface="Latha"/>
+        <a:font script="Syrc" typeface="Estrangelo Edessa"/>
+        <a:font script="Orya" typeface="Kalinga"/>
+        <a:font script="Mlym" typeface="Kartika"/>
+        <a:font script="Laoo" typeface="DokChampa"/>
+        <a:font script="Sinh" typeface="Iskoola Pota"/>
+        <a:font script="Mong" typeface="Mongolian Baiti"/>
+        <a:font script="Viet" typeface="Arial"/>
+        <a:font script="Uigh" typeface="Microsoft Uighur"/>
+        <a:font script="Geor" typeface="Sylfaen"/>
+      </a:minorFont>
+    </a:fontScheme>
+    <a:fmtScheme name="Office">
+      <a:fillStyleLst>
+        <a:solidFill>
+          <a:schemeClr val="phClr"/>
+        </a:solidFill>
+        <a:gradFill rotWithShape="1">
+          <a:gsLst>
+            <a:gs pos="0">
+              <a:schemeClr val="phClr">
+                <a:tint val="50000"/>
+                <a:satMod val="300000"/>
+              </a:schemeClr>
+            </a:gs>
+            <a:gs pos="35000">
+              <a:schemeClr val="phClr">
+                <a:tint val="37000"/>
+                <a:satMod val="300000"/>
+              </a:schemeClr>
+            </a:gs>
+            <a:gs pos="100000">
+              <a:schemeClr val="phClr">
+                <a:tint val="15000"/>
+                <a:satMod val="350000"/>
+              </a:schemeClr>
+            </a:gs>
+          </a:gsLst>
+          <a:lin ang="16200000" scaled="1"/>
+        </a:gradFill>
+        <a:gradFill rotWithShape="1">
+          <a:gsLst>
+            <a:gs pos="0">
+              <a:schemeClr val="phClr">
+                <a:tint val="100000"/>
+                <a:shade val="100000"/>
+                <a:satMod val="130000"/>
+              </a:schemeClr>
+            </a:gs>
+            <a:gs pos="100000">
+              <a:schemeClr val="phClr">
+                <a:tint val="50000"/>
+                <a:shade val="100000"/>
+                <a:satMod val="350000"/>
+              </a:schemeClr>
+            </a:gs>
+          </a:gsLst>
+          <a:lin ang="16200000" scaled="0"/>
+        </a:gradFill>
+      </a:fillStyleLst>
+      <a:lnStyleLst>
+        <a:ln w="9525" cap="flat" cmpd="sng" algn="ctr">
+          <a:solidFill>
+            <a:schemeClr val="phClr">
+              <a:shade val="95000"/>
+              <a:satMod val="105000"/>
+            </a:schemeClr>
+          </a:solidFill>
+          <a:prstDash val="solid"/>
+        </a:ln>
+        <a:ln w="25400" cap="flat" cmpd="sng" algn="ctr">
+          <a:solidFill>
+            <a:schemeClr val="phClr"/>
+          </a:solidFill>
+          <a:prstDash val="solid"/>
+        </a:ln>
+        <a:ln w="38100" cap="flat" cmpd="sng" algn="ctr">
+          <a:solidFill>
+            <a:schemeClr val="phClr"/>
+          </a:solidFill>
+          <a:prstDash val="solid"/>
+        </a:ln>
+      </a:lnStyleLst>
+      <a:effectStyleLst>
+        <a:effectStyle>
+          <a:effectLst>
+            <a:outerShdw blurRad="40000" dist="20000" dir="5400000" rotWithShape="0">
+              <a:srgbClr val="000000">
+                <a:alpha val="38000"/>
+              </a:srgbClr>
+            </a:outerShdw>
+          </a:effectLst>
+        </a:effectStyle>
+        <a:effectStyle>
+          <a:effectLst>
+            <a:outerShdw blurRad="40000" dist="23000" dir="5400000" rotWithShape="0">
+              <a:srgbClr val="000000">
+                <a:alpha val="35000"/>
+              </a:srgbClr>
+            </a:outerShdw>
+          </a:effectLst>
+        </a:effectStyle>
+        <a:effectStyle>
+          <a:effectLst>
+            <a:outerShdw blurRad="40000" dist="23000" dir="5400000" rotWithShape="0">
+              <a:srgbClr val="000000">
+                <a:alpha val="35000"/>
+              </a:srgbClr>
+            </a:outerShdw>
+          </a:effectLst>
+          <a:scene3d>
+            <a:camera prst="orthographicFront">
+              <a:rot lat="0" lon="0" rev="0"/>
+            </a:camera>
+            <a:lightRig rig="threePt" dir="t">
+              <a:rot lat="0" lon="0" rev="1200000"/>
+            </a:lightRig>
+          </a:scene3d>
+          <a:sp3d>
+            <a:bevelT w="63500" h="25400"/>
+          </a:sp3d>
+        </a:effectStyle>
+      </a:effectStyleLst>
+      <a:bgFillStyleLst>
+        <a:solidFill>
+          <a:schemeClr val="phClr"/>
+        </a:solidFill>
+        <a:gradFill rotWithShape="1">
+          <a:gsLst>
+            <a:gs pos="0">
+              <a:schemeClr val="phClr">
+                <a:tint val="40000"/>
+                <a:satMod val="350000"/>
+              </a:schemeClr>
+            </a:gs>
+            <a:gs pos="40000">
+              <a:schemeClr val="phClr">
+                <a:tint val="45000"/>
+                <a:shade val="99000"/>
+                <a:satMod val="350000"/>
+              </a:schemeClr>
+            </a:gs>
+            <a:gs pos="100000">
+              <a:schemeClr val="phClr">
+                <a:shade val="20000"/>
+                <a:satMod val="255000"/>
+              </a:schemeClr>
+            </a:gs>
+          </a:gsLst>
+          <a:path path="circle">
+            <a:fillToRect l="50000" t="-80000" r="50000" b="180000"/>
+          </a:path>
+        </a:gradFill>
+        <a:gradFill rotWithShape="1">
+          <a:gsLst>
+            <a:gs pos="0">
+              <a:schemeClr val="phClr">
+                <a:tint val="80000"/>
+                <a:satMod val="300000"/>
+              </a:schemeClr>
+            </a:gs>
+            <a:gs pos="100000">
+              <a:schemeClr val="phClr">
+                <a:shade val="30000"/>
+                <a:satMod val="200000"/>
+              </a:schemeClr>
+            </a:gs>
+          </a:gsLst>
+          <a:path path="circle">
+            <a:fillToRect l="50000" t="50000" r="50000" b="50000"/>
+          </a:path>
+        </a:gradFill>
+      </a:bgFillStyleLst>
+    </a:fmtScheme>
+  </a:themeElements>
+  <a:objectDefaults/>
+  <a:extraClrSchemeLst/>
+</a:theme>
+</file>
+
+<file path=ppt/theme/theme2.xml><?xml version="1.0" encoding="utf-8"?>
+<a:theme xmlns:a="http://schemas.openxmlformats.org/drawingml/2006/main">
   <a:themeElements>
     <a:clrScheme name="Default">
       <a:dk1>
@@ -12016,284 +12331,7 @@
       </a:bgFillStyleLst>
     </a:fmtScheme>
   </a:themeElements>
-</a:theme>
-</file>
-
-<file path=ppt/theme/theme2.xml><?xml version="1.0" encoding="utf-8"?>
-<a:theme xmlns:a="http://schemas.openxmlformats.org/drawingml/2006/main" xmlns:r="http://schemas.openxmlformats.org/officeDocument/2006/relationships" name="Focus">
-  <a:themeElements>
-    <a:clrScheme name="Focus">
-      <a:dk1>
-        <a:srgbClr val="1B212C"/>
-      </a:dk1>
-      <a:lt1>
-        <a:srgbClr val="FFFFFF"/>
-      </a:lt1>
-      <a:dk2>
-        <a:srgbClr val="D9D9D9"/>
-      </a:dk2>
-      <a:lt2>
-        <a:srgbClr val="82C7A5"/>
-      </a:lt2>
-      <a:accent1>
-        <a:srgbClr val="0145AC"/>
-      </a:accent1>
-      <a:accent2>
-        <a:srgbClr val="EECE1A"/>
-      </a:accent2>
-      <a:accent3>
-        <a:srgbClr val="4E5567"/>
-      </a:accent3>
-      <a:accent4>
-        <a:srgbClr val="F4D6AD"/>
-      </a:accent4>
-      <a:accent5>
-        <a:srgbClr val="7890CD"/>
-      </a:accent5>
-      <a:accent6>
-        <a:srgbClr val="F15E22"/>
-      </a:accent6>
-      <a:hlink>
-        <a:srgbClr val="7890CD"/>
-      </a:hlink>
-      <a:folHlink>
-        <a:srgbClr val="7890CD"/>
-      </a:folHlink>
-    </a:clrScheme>
-    <a:fontScheme name="Office">
-      <a:majorFont>
-        <a:latin typeface="Arial"/>
-        <a:ea typeface=""/>
-        <a:cs typeface=""/>
-        <a:font script="Jpan" typeface="ＭＳ Ｐゴシック"/>
-        <a:font script="Hang" typeface="맑은 고딕"/>
-        <a:font script="Hans" typeface="宋体"/>
-        <a:font script="Hant" typeface="新細明體"/>
-        <a:font script="Arab" typeface="Times New Roman"/>
-        <a:font script="Hebr" typeface="Times New Roman"/>
-        <a:font script="Thai" typeface="Angsana New"/>
-        <a:font script="Ethi" typeface="Nyala"/>
-        <a:font script="Beng" typeface="Vrinda"/>
-        <a:font script="Gujr" typeface="Shruti"/>
-        <a:font script="Khmr" typeface="MoolBoran"/>
-        <a:font script="Knda" typeface="Tunga"/>
-        <a:font script="Guru" typeface="Raavi"/>
-        <a:font script="Cans" typeface="Euphemia"/>
-        <a:font script="Cher" typeface="Plantagenet Cherokee"/>
-        <a:font script="Yiii" typeface="Microsoft Yi Baiti"/>
-        <a:font script="Tibt" typeface="Microsoft Himalaya"/>
-        <a:font script="Thaa" typeface="MV Boli"/>
-        <a:font script="Deva" typeface="Mangal"/>
-        <a:font script="Telu" typeface="Gautami"/>
-        <a:font script="Taml" typeface="Latha"/>
-        <a:font script="Syrc" typeface="Estrangelo Edessa"/>
-        <a:font script="Orya" typeface="Kalinga"/>
-        <a:font script="Mlym" typeface="Kartika"/>
-        <a:font script="Laoo" typeface="DokChampa"/>
-        <a:font script="Sinh" typeface="Iskoola Pota"/>
-        <a:font script="Mong" typeface="Mongolian Baiti"/>
-        <a:font script="Viet" typeface="Times New Roman"/>
-        <a:font script="Uigh" typeface="Microsoft Uighur"/>
-        <a:font script="Geor" typeface="Sylfaen"/>
-      </a:majorFont>
-      <a:minorFont>
-        <a:latin typeface="Arial"/>
-        <a:ea typeface=""/>
-        <a:cs typeface=""/>
-        <a:font script="Jpan" typeface="ＭＳ Ｐゴシック"/>
-        <a:font script="Hang" typeface="맑은 고딕"/>
-        <a:font script="Hans" typeface="宋体"/>
-        <a:font script="Hant" typeface="新細明體"/>
-        <a:font script="Arab" typeface="Arial"/>
-        <a:font script="Hebr" typeface="Arial"/>
-        <a:font script="Thai" typeface="Cordia New"/>
-        <a:font script="Ethi" typeface="Nyala"/>
-        <a:font script="Beng" typeface="Vrinda"/>
-        <a:font script="Gujr" typeface="Shruti"/>
-        <a:font script="Khmr" typeface="DaunPenh"/>
-        <a:font script="Knda" typeface="Tunga"/>
-        <a:font script="Guru" typeface="Raavi"/>
-        <a:font script="Cans" typeface="Euphemia"/>
-        <a:font script="Cher" typeface="Plantagenet Cherokee"/>
-        <a:font script="Yiii" typeface="Microsoft Yi Baiti"/>
-        <a:font script="Tibt" typeface="Microsoft Himalaya"/>
-        <a:font script="Thaa" typeface="MV Boli"/>
-        <a:font script="Deva" typeface="Mangal"/>
-        <a:font script="Telu" typeface="Gautami"/>
-        <a:font script="Taml" typeface="Latha"/>
-        <a:font script="Syrc" typeface="Estrangelo Edessa"/>
-        <a:font script="Orya" typeface="Kalinga"/>
-        <a:font script="Mlym" typeface="Kartika"/>
-        <a:font script="Laoo" typeface="DokChampa"/>
-        <a:font script="Sinh" typeface="Iskoola Pota"/>
-        <a:font script="Mong" typeface="Mongolian Baiti"/>
-        <a:font script="Viet" typeface="Arial"/>
-        <a:font script="Uigh" typeface="Microsoft Uighur"/>
-        <a:font script="Geor" typeface="Sylfaen"/>
-      </a:minorFont>
-    </a:fontScheme>
-    <a:fmtScheme name="Office">
-      <a:fillStyleLst>
-        <a:solidFill>
-          <a:schemeClr val="phClr"/>
-        </a:solidFill>
-        <a:gradFill rotWithShape="1">
-          <a:gsLst>
-            <a:gs pos="0">
-              <a:schemeClr val="phClr">
-                <a:tint val="50000"/>
-                <a:satMod val="300000"/>
-              </a:schemeClr>
-            </a:gs>
-            <a:gs pos="35000">
-              <a:schemeClr val="phClr">
-                <a:tint val="37000"/>
-                <a:satMod val="300000"/>
-              </a:schemeClr>
-            </a:gs>
-            <a:gs pos="100000">
-              <a:schemeClr val="phClr">
-                <a:tint val="15000"/>
-                <a:satMod val="350000"/>
-              </a:schemeClr>
-            </a:gs>
-          </a:gsLst>
-          <a:lin ang="16200000" scaled="1"/>
-        </a:gradFill>
-        <a:gradFill rotWithShape="1">
-          <a:gsLst>
-            <a:gs pos="0">
-              <a:schemeClr val="phClr">
-                <a:tint val="100000"/>
-                <a:shade val="100000"/>
-                <a:satMod val="130000"/>
-              </a:schemeClr>
-            </a:gs>
-            <a:gs pos="100000">
-              <a:schemeClr val="phClr">
-                <a:tint val="50000"/>
-                <a:shade val="100000"/>
-                <a:satMod val="350000"/>
-              </a:schemeClr>
-            </a:gs>
-          </a:gsLst>
-          <a:lin ang="16200000" scaled="0"/>
-        </a:gradFill>
-      </a:fillStyleLst>
-      <a:lnStyleLst>
-        <a:ln w="9525" cap="flat" cmpd="sng" algn="ctr">
-          <a:solidFill>
-            <a:schemeClr val="phClr">
-              <a:shade val="95000"/>
-              <a:satMod val="105000"/>
-            </a:schemeClr>
-          </a:solidFill>
-          <a:prstDash val="solid"/>
-        </a:ln>
-        <a:ln w="25400" cap="flat" cmpd="sng" algn="ctr">
-          <a:solidFill>
-            <a:schemeClr val="phClr"/>
-          </a:solidFill>
-          <a:prstDash val="solid"/>
-        </a:ln>
-        <a:ln w="38100" cap="flat" cmpd="sng" algn="ctr">
-          <a:solidFill>
-            <a:schemeClr val="phClr"/>
-          </a:solidFill>
-          <a:prstDash val="solid"/>
-        </a:ln>
-      </a:lnStyleLst>
-      <a:effectStyleLst>
-        <a:effectStyle>
-          <a:effectLst>
-            <a:outerShdw blurRad="40000" dist="20000" dir="5400000" rotWithShape="0">
-              <a:srgbClr val="000000">
-                <a:alpha val="38000"/>
-              </a:srgbClr>
-            </a:outerShdw>
-          </a:effectLst>
-        </a:effectStyle>
-        <a:effectStyle>
-          <a:effectLst>
-            <a:outerShdw blurRad="40000" dist="23000" dir="5400000" rotWithShape="0">
-              <a:srgbClr val="000000">
-                <a:alpha val="35000"/>
-              </a:srgbClr>
-            </a:outerShdw>
-          </a:effectLst>
-        </a:effectStyle>
-        <a:effectStyle>
-          <a:effectLst>
-            <a:outerShdw blurRad="40000" dist="23000" dir="5400000" rotWithShape="0">
-              <a:srgbClr val="000000">
-                <a:alpha val="35000"/>
-              </a:srgbClr>
-            </a:outerShdw>
-          </a:effectLst>
-          <a:scene3d>
-            <a:camera prst="orthographicFront">
-              <a:rot lat="0" lon="0" rev="0"/>
-            </a:camera>
-            <a:lightRig rig="threePt" dir="t">
-              <a:rot lat="0" lon="0" rev="1200000"/>
-            </a:lightRig>
-          </a:scene3d>
-          <a:sp3d>
-            <a:bevelT w="63500" h="25400"/>
-          </a:sp3d>
-        </a:effectStyle>
-      </a:effectStyleLst>
-      <a:bgFillStyleLst>
-        <a:solidFill>
-          <a:schemeClr val="phClr"/>
-        </a:solidFill>
-        <a:gradFill rotWithShape="1">
-          <a:gsLst>
-            <a:gs pos="0">
-              <a:schemeClr val="phClr">
-                <a:tint val="40000"/>
-                <a:satMod val="350000"/>
-              </a:schemeClr>
-            </a:gs>
-            <a:gs pos="40000">
-              <a:schemeClr val="phClr">
-                <a:tint val="45000"/>
-                <a:shade val="99000"/>
-                <a:satMod val="350000"/>
-              </a:schemeClr>
-            </a:gs>
-            <a:gs pos="100000">
-              <a:schemeClr val="phClr">
-                <a:shade val="20000"/>
-                <a:satMod val="255000"/>
-              </a:schemeClr>
-            </a:gs>
-          </a:gsLst>
-          <a:path path="circle">
-            <a:fillToRect l="50000" t="-80000" r="50000" b="180000"/>
-          </a:path>
-        </a:gradFill>
-        <a:gradFill rotWithShape="1">
-          <a:gsLst>
-            <a:gs pos="0">
-              <a:schemeClr val="phClr">
-                <a:tint val="80000"/>
-                <a:satMod val="300000"/>
-              </a:schemeClr>
-            </a:gs>
-            <a:gs pos="100000">
-              <a:schemeClr val="phClr">
-                <a:shade val="30000"/>
-                <a:satMod val="200000"/>
-              </a:schemeClr>
-            </a:gs>
-          </a:gsLst>
-          <a:path path="circle">
-            <a:fillToRect l="50000" t="50000" r="50000" b="50000"/>
-          </a:path>
-        </a:gradFill>
-      </a:bgFillStyleLst>
-    </a:fmtScheme>
-  </a:themeElements>
+  <a:objectDefaults/>
+  <a:extraClrSchemeLst/>
 </a:theme>
 </file>